--- a/Documents/A comparison between A.pptx
+++ b/Documents/A comparison between A.pptx
@@ -5,10 +5,10 @@
     <p:sldMasterId id="2147483684" r:id="rId4"/>
   </p:sldMasterIdLst>
   <p:notesMasterIdLst>
-    <p:notesMasterId r:id="rId16"/>
+    <p:notesMasterId r:id="rId12"/>
   </p:notesMasterIdLst>
   <p:handoutMasterIdLst>
-    <p:handoutMasterId r:id="rId17"/>
+    <p:handoutMasterId r:id="rId13"/>
   </p:handoutMasterIdLst>
   <p:sldIdLst>
     <p:sldId id="257" r:id="rId5"/>
@@ -16,12 +16,8 @@
     <p:sldId id="384" r:id="rId7"/>
     <p:sldId id="317" r:id="rId8"/>
     <p:sldId id="279" r:id="rId9"/>
-    <p:sldId id="268" r:id="rId10"/>
-    <p:sldId id="272" r:id="rId11"/>
-    <p:sldId id="270" r:id="rId12"/>
-    <p:sldId id="281" r:id="rId13"/>
-    <p:sldId id="321" r:id="rId14"/>
-    <p:sldId id="391" r:id="rId15"/>
+    <p:sldId id="321" r:id="rId10"/>
+    <p:sldId id="391" r:id="rId11"/>
   </p:sldIdLst>
   <p:sldSz cx="12192000" cy="6858000"/>
   <p:notesSz cx="6858000" cy="9144000"/>
@@ -142,4380 +138,6 @@
 </p:presentation>
 </file>
 
-<file path=ppt/diagrams/colors1.xml><?xml version="1.0" encoding="utf-8"?>
-<dgm:colorsDef xmlns:dgm="http://schemas.openxmlformats.org/drawingml/2006/diagram" xmlns:a="http://schemas.openxmlformats.org/drawingml/2006/main" uniqueId="urn:microsoft.com/office/officeart/2005/8/colors/colorful5">
-  <dgm:title val=""/>
-  <dgm:desc val=""/>
-  <dgm:catLst>
-    <dgm:cat type="colorful" pri="10500"/>
-  </dgm:catLst>
-  <dgm:styleLbl name="node0">
-    <dgm:fillClrLst meth="repeat">
-      <a:schemeClr val="accent4"/>
-    </dgm:fillClrLst>
-    <dgm:linClrLst meth="repeat">
-      <a:schemeClr val="lt1"/>
-    </dgm:linClrLst>
-    <dgm:effectClrLst/>
-    <dgm:txLinClrLst/>
-    <dgm:txFillClrLst/>
-    <dgm:txEffectClrLst/>
-  </dgm:styleLbl>
-  <dgm:styleLbl name="node1">
-    <dgm:fillClrLst>
-      <a:schemeClr val="accent5"/>
-      <a:schemeClr val="accent6"/>
-    </dgm:fillClrLst>
-    <dgm:linClrLst meth="repeat">
-      <a:schemeClr val="lt1"/>
-    </dgm:linClrLst>
-    <dgm:effectClrLst/>
-    <dgm:txLinClrLst/>
-    <dgm:txFillClrLst/>
-    <dgm:txEffectClrLst/>
-  </dgm:styleLbl>
-  <dgm:styleLbl name="alignNode1">
-    <dgm:fillClrLst>
-      <a:schemeClr val="accent5"/>
-      <a:schemeClr val="accent6"/>
-    </dgm:fillClrLst>
-    <dgm:linClrLst>
-      <a:schemeClr val="accent5"/>
-      <a:schemeClr val="accent6"/>
-    </dgm:linClrLst>
-    <dgm:effectClrLst/>
-    <dgm:txLinClrLst/>
-    <dgm:txFillClrLst/>
-    <dgm:txEffectClrLst/>
-  </dgm:styleLbl>
-  <dgm:styleLbl name="lnNode1">
-    <dgm:fillClrLst>
-      <a:schemeClr val="accent5"/>
-      <a:schemeClr val="accent6"/>
-    </dgm:fillClrLst>
-    <dgm:linClrLst meth="repeat">
-      <a:schemeClr val="lt1"/>
-    </dgm:linClrLst>
-    <dgm:effectClrLst/>
-    <dgm:txLinClrLst/>
-    <dgm:txFillClrLst/>
-    <dgm:txEffectClrLst/>
-  </dgm:styleLbl>
-  <dgm:styleLbl name="vennNode1">
-    <dgm:fillClrLst>
-      <a:schemeClr val="accent5">
-        <a:alpha val="50000"/>
-      </a:schemeClr>
-      <a:schemeClr val="accent6">
-        <a:alpha val="50000"/>
-      </a:schemeClr>
-    </dgm:fillClrLst>
-    <dgm:linClrLst meth="repeat">
-      <a:schemeClr val="lt1"/>
-    </dgm:linClrLst>
-    <dgm:effectClrLst/>
-    <dgm:txLinClrLst/>
-    <dgm:txFillClrLst/>
-    <dgm:txEffectClrLst/>
-  </dgm:styleLbl>
-  <dgm:styleLbl name="node2">
-    <dgm:fillClrLst>
-      <a:schemeClr val="accent6"/>
-    </dgm:fillClrLst>
-    <dgm:linClrLst meth="repeat">
-      <a:schemeClr val="lt1"/>
-    </dgm:linClrLst>
-    <dgm:effectClrLst/>
-    <dgm:txLinClrLst/>
-    <dgm:txFillClrLst/>
-    <dgm:txEffectClrLst/>
-  </dgm:styleLbl>
-  <dgm:styleLbl name="node3">
-    <dgm:fillClrLst>
-      <a:schemeClr val="accent1"/>
-    </dgm:fillClrLst>
-    <dgm:linClrLst meth="repeat">
-      <a:schemeClr val="lt1"/>
-    </dgm:linClrLst>
-    <dgm:effectClrLst/>
-    <dgm:txLinClrLst/>
-    <dgm:txFillClrLst/>
-    <dgm:txEffectClrLst/>
-  </dgm:styleLbl>
-  <dgm:styleLbl name="node4">
-    <dgm:fillClrLst>
-      <a:schemeClr val="accent2"/>
-    </dgm:fillClrLst>
-    <dgm:linClrLst meth="repeat">
-      <a:schemeClr val="lt1"/>
-    </dgm:linClrLst>
-    <dgm:effectClrLst/>
-    <dgm:txLinClrLst/>
-    <dgm:txFillClrLst/>
-    <dgm:txEffectClrLst/>
-  </dgm:styleLbl>
-  <dgm:styleLbl name="fgImgPlace1">
-    <dgm:fillClrLst>
-      <a:schemeClr val="accent5">
-        <a:tint val="50000"/>
-      </a:schemeClr>
-      <a:schemeClr val="accent6">
-        <a:tint val="50000"/>
-      </a:schemeClr>
-    </dgm:fillClrLst>
-    <dgm:linClrLst meth="repeat">
-      <a:schemeClr val="lt1"/>
-    </dgm:linClrLst>
-    <dgm:effectClrLst/>
-    <dgm:txLinClrLst/>
-    <dgm:txFillClrLst meth="repeat">
-      <a:schemeClr val="lt1"/>
-    </dgm:txFillClrLst>
-    <dgm:txEffectClrLst/>
-  </dgm:styleLbl>
-  <dgm:styleLbl name="alignImgPlace1">
-    <dgm:fillClrLst>
-      <a:schemeClr val="accent5">
-        <a:tint val="50000"/>
-      </a:schemeClr>
-      <a:schemeClr val="accent6">
-        <a:tint val="20000"/>
-      </a:schemeClr>
-    </dgm:fillClrLst>
-    <dgm:linClrLst meth="repeat">
-      <a:schemeClr val="lt1"/>
-    </dgm:linClrLst>
-    <dgm:effectClrLst/>
-    <dgm:txLinClrLst/>
-    <dgm:txFillClrLst meth="repeat">
-      <a:schemeClr val="lt1"/>
-    </dgm:txFillClrLst>
-    <dgm:txEffectClrLst/>
-  </dgm:styleLbl>
-  <dgm:styleLbl name="bgImgPlace1">
-    <dgm:fillClrLst>
-      <a:schemeClr val="accent5">
-        <a:tint val="50000"/>
-      </a:schemeClr>
-      <a:schemeClr val="accent6">
-        <a:tint val="20000"/>
-      </a:schemeClr>
-    </dgm:fillClrLst>
-    <dgm:linClrLst meth="repeat">
-      <a:schemeClr val="lt1"/>
-    </dgm:linClrLst>
-    <dgm:effectClrLst/>
-    <dgm:txLinClrLst/>
-    <dgm:txFillClrLst meth="repeat">
-      <a:schemeClr val="lt1"/>
-    </dgm:txFillClrLst>
-    <dgm:txEffectClrLst/>
-  </dgm:styleLbl>
-  <dgm:styleLbl name="sibTrans2D1">
-    <dgm:fillClrLst>
-      <a:schemeClr val="accent5"/>
-      <a:schemeClr val="accent6"/>
-    </dgm:fillClrLst>
-    <dgm:linClrLst meth="repeat">
-      <a:schemeClr val="lt1"/>
-    </dgm:linClrLst>
-    <dgm:effectClrLst/>
-    <dgm:txLinClrLst/>
-    <dgm:txFillClrLst/>
-    <dgm:txEffectClrLst/>
-  </dgm:styleLbl>
-  <dgm:styleLbl name="fgSibTrans2D1">
-    <dgm:fillClrLst>
-      <a:schemeClr val="accent5"/>
-      <a:schemeClr val="accent6"/>
-    </dgm:fillClrLst>
-    <dgm:linClrLst meth="repeat">
-      <a:schemeClr val="lt1"/>
-    </dgm:linClrLst>
-    <dgm:effectClrLst/>
-    <dgm:txLinClrLst/>
-    <dgm:txFillClrLst meth="repeat">
-      <a:schemeClr val="lt1"/>
-    </dgm:txFillClrLst>
-    <dgm:txEffectClrLst/>
-  </dgm:styleLbl>
-  <dgm:styleLbl name="bgSibTrans2D1">
-    <dgm:fillClrLst>
-      <a:schemeClr val="accent5"/>
-      <a:schemeClr val="accent6"/>
-    </dgm:fillClrLst>
-    <dgm:linClrLst meth="repeat">
-      <a:schemeClr val="lt1"/>
-    </dgm:linClrLst>
-    <dgm:effectClrLst/>
-    <dgm:txLinClrLst/>
-    <dgm:txFillClrLst meth="repeat">
-      <a:schemeClr val="lt1"/>
-    </dgm:txFillClrLst>
-    <dgm:txEffectClrLst/>
-  </dgm:styleLbl>
-  <dgm:styleLbl name="sibTrans1D1">
-    <dgm:fillClrLst/>
-    <dgm:linClrLst>
-      <a:schemeClr val="accent5"/>
-      <a:schemeClr val="accent6"/>
-    </dgm:linClrLst>
-    <dgm:effectClrLst/>
-    <dgm:txLinClrLst/>
-    <dgm:txFillClrLst meth="repeat">
-      <a:schemeClr val="tx1"/>
-    </dgm:txFillClrLst>
-    <dgm:txEffectClrLst/>
-  </dgm:styleLbl>
-  <dgm:styleLbl name="callout">
-    <dgm:fillClrLst meth="repeat">
-      <a:schemeClr val="accent5"/>
-    </dgm:fillClrLst>
-    <dgm:linClrLst meth="repeat">
-      <a:schemeClr val="accent5">
-        <a:tint val="50000"/>
-      </a:schemeClr>
-    </dgm:linClrLst>
-    <dgm:effectClrLst/>
-    <dgm:txLinClrLst/>
-    <dgm:txFillClrLst meth="repeat">
-      <a:schemeClr val="tx1"/>
-    </dgm:txFillClrLst>
-    <dgm:txEffectClrLst/>
-  </dgm:styleLbl>
-  <dgm:styleLbl name="asst0">
-    <dgm:fillClrLst meth="repeat">
-      <a:schemeClr val="accent5"/>
-    </dgm:fillClrLst>
-    <dgm:linClrLst meth="repeat">
-      <a:schemeClr val="lt1">
-        <a:shade val="80000"/>
-      </a:schemeClr>
-    </dgm:linClrLst>
-    <dgm:effectClrLst/>
-    <dgm:txLinClrLst/>
-    <dgm:txFillClrLst/>
-    <dgm:txEffectClrLst/>
-  </dgm:styleLbl>
-  <dgm:styleLbl name="asst1">
-    <dgm:fillClrLst meth="repeat">
-      <a:schemeClr val="accent6"/>
-    </dgm:fillClrLst>
-    <dgm:linClrLst meth="repeat">
-      <a:schemeClr val="lt1">
-        <a:shade val="80000"/>
-      </a:schemeClr>
-    </dgm:linClrLst>
-    <dgm:effectClrLst/>
-    <dgm:txLinClrLst/>
-    <dgm:txFillClrLst/>
-    <dgm:txEffectClrLst/>
-  </dgm:styleLbl>
-  <dgm:styleLbl name="asst2">
-    <dgm:fillClrLst>
-      <a:schemeClr val="accent1"/>
-    </dgm:fillClrLst>
-    <dgm:linClrLst meth="repeat">
-      <a:schemeClr val="lt1"/>
-    </dgm:linClrLst>
-    <dgm:effectClrLst/>
-    <dgm:txLinClrLst/>
-    <dgm:txFillClrLst/>
-    <dgm:txEffectClrLst/>
-  </dgm:styleLbl>
-  <dgm:styleLbl name="asst3">
-    <dgm:fillClrLst>
-      <a:schemeClr val="accent2"/>
-    </dgm:fillClrLst>
-    <dgm:linClrLst meth="repeat">
-      <a:schemeClr val="lt1"/>
-    </dgm:linClrLst>
-    <dgm:effectClrLst/>
-    <dgm:txLinClrLst/>
-    <dgm:txFillClrLst/>
-    <dgm:txEffectClrLst/>
-  </dgm:styleLbl>
-  <dgm:styleLbl name="asst4">
-    <dgm:fillClrLst>
-      <a:schemeClr val="accent3"/>
-    </dgm:fillClrLst>
-    <dgm:linClrLst meth="repeat">
-      <a:schemeClr val="lt1"/>
-    </dgm:linClrLst>
-    <dgm:effectClrLst/>
-    <dgm:txLinClrLst/>
-    <dgm:txFillClrLst/>
-    <dgm:txEffectClrLst/>
-  </dgm:styleLbl>
-  <dgm:styleLbl name="parChTrans2D1">
-    <dgm:fillClrLst meth="repeat">
-      <a:schemeClr val="accent5"/>
-    </dgm:fillClrLst>
-    <dgm:linClrLst meth="repeat">
-      <a:schemeClr val="lt1"/>
-    </dgm:linClrLst>
-    <dgm:effectClrLst/>
-    <dgm:txLinClrLst/>
-    <dgm:txFillClrLst meth="repeat">
-      <a:schemeClr val="lt1"/>
-    </dgm:txFillClrLst>
-    <dgm:txEffectClrLst/>
-  </dgm:styleLbl>
-  <dgm:styleLbl name="parChTrans2D2">
-    <dgm:fillClrLst meth="repeat">
-      <a:schemeClr val="accent6"/>
-    </dgm:fillClrLst>
-    <dgm:linClrLst meth="repeat">
-      <a:schemeClr val="lt1"/>
-    </dgm:linClrLst>
-    <dgm:effectClrLst/>
-    <dgm:txLinClrLst/>
-    <dgm:txFillClrLst/>
-    <dgm:txEffectClrLst/>
-  </dgm:styleLbl>
-  <dgm:styleLbl name="parChTrans2D3">
-    <dgm:fillClrLst meth="repeat">
-      <a:schemeClr val="accent6"/>
-    </dgm:fillClrLst>
-    <dgm:linClrLst meth="repeat">
-      <a:schemeClr val="lt1"/>
-    </dgm:linClrLst>
-    <dgm:effectClrLst/>
-    <dgm:txLinClrLst/>
-    <dgm:txFillClrLst/>
-    <dgm:txEffectClrLst/>
-  </dgm:styleLbl>
-  <dgm:styleLbl name="parChTrans2D4">
-    <dgm:fillClrLst meth="repeat">
-      <a:schemeClr val="accent1"/>
-    </dgm:fillClrLst>
-    <dgm:linClrLst meth="repeat">
-      <a:schemeClr val="lt1"/>
-    </dgm:linClrLst>
-    <dgm:effectClrLst/>
-    <dgm:txLinClrLst/>
-    <dgm:txFillClrLst meth="repeat">
-      <a:schemeClr val="lt1"/>
-    </dgm:txFillClrLst>
-    <dgm:txEffectClrLst/>
-  </dgm:styleLbl>
-  <dgm:styleLbl name="parChTrans1D1">
-    <dgm:fillClrLst meth="repeat">
-      <a:schemeClr val="accent5"/>
-    </dgm:fillClrLst>
-    <dgm:linClrLst meth="repeat">
-      <a:schemeClr val="accent5"/>
-    </dgm:linClrLst>
-    <dgm:effectClrLst/>
-    <dgm:txLinClrLst/>
-    <dgm:txFillClrLst meth="repeat">
-      <a:schemeClr val="tx1"/>
-    </dgm:txFillClrLst>
-    <dgm:txEffectClrLst/>
-  </dgm:styleLbl>
-  <dgm:styleLbl name="parChTrans1D2">
-    <dgm:fillClrLst meth="repeat">
-      <a:schemeClr val="accent6">
-        <a:tint val="90000"/>
-      </a:schemeClr>
-    </dgm:fillClrLst>
-    <dgm:linClrLst meth="repeat">
-      <a:schemeClr val="accent6"/>
-    </dgm:linClrLst>
-    <dgm:effectClrLst/>
-    <dgm:txLinClrLst/>
-    <dgm:txFillClrLst meth="repeat">
-      <a:schemeClr val="tx1"/>
-    </dgm:txFillClrLst>
-    <dgm:txEffectClrLst/>
-  </dgm:styleLbl>
-  <dgm:styleLbl name="parChTrans1D3">
-    <dgm:fillClrLst meth="repeat">
-      <a:schemeClr val="accent6">
-        <a:tint val="70000"/>
-      </a:schemeClr>
-    </dgm:fillClrLst>
-    <dgm:linClrLst meth="repeat">
-      <a:schemeClr val="accent1"/>
-    </dgm:linClrLst>
-    <dgm:effectClrLst/>
-    <dgm:txLinClrLst/>
-    <dgm:txFillClrLst meth="repeat">
-      <a:schemeClr val="tx1"/>
-    </dgm:txFillClrLst>
-    <dgm:txEffectClrLst/>
-  </dgm:styleLbl>
-  <dgm:styleLbl name="parChTrans1D4">
-    <dgm:fillClrLst meth="repeat">
-      <a:schemeClr val="accent6">
-        <a:tint val="50000"/>
-      </a:schemeClr>
-    </dgm:fillClrLst>
-    <dgm:linClrLst meth="repeat">
-      <a:schemeClr val="accent2"/>
-    </dgm:linClrLst>
-    <dgm:effectClrLst/>
-    <dgm:txLinClrLst/>
-    <dgm:txFillClrLst meth="repeat">
-      <a:schemeClr val="tx1"/>
-    </dgm:txFillClrLst>
-    <dgm:txEffectClrLst/>
-  </dgm:styleLbl>
-  <dgm:styleLbl name="fgAcc1">
-    <dgm:fillClrLst meth="repeat">
-      <a:schemeClr val="lt1">
-        <a:alpha val="90000"/>
-      </a:schemeClr>
-    </dgm:fillClrLst>
-    <dgm:linClrLst>
-      <a:schemeClr val="accent5"/>
-      <a:schemeClr val="accent6"/>
-    </dgm:linClrLst>
-    <dgm:effectClrLst/>
-    <dgm:txLinClrLst/>
-    <dgm:txFillClrLst meth="repeat">
-      <a:schemeClr val="dk1"/>
-    </dgm:txFillClrLst>
-    <dgm:txEffectClrLst/>
-  </dgm:styleLbl>
-  <dgm:styleLbl name="conFgAcc1">
-    <dgm:fillClrLst meth="repeat">
-      <a:schemeClr val="lt1">
-        <a:alpha val="90000"/>
-      </a:schemeClr>
-    </dgm:fillClrLst>
-    <dgm:linClrLst>
-      <a:schemeClr val="accent5"/>
-      <a:schemeClr val="accent6"/>
-    </dgm:linClrLst>
-    <dgm:effectClrLst/>
-    <dgm:txLinClrLst/>
-    <dgm:txFillClrLst meth="repeat">
-      <a:schemeClr val="dk1"/>
-    </dgm:txFillClrLst>
-    <dgm:txEffectClrLst/>
-  </dgm:styleLbl>
-  <dgm:styleLbl name="alignAcc1">
-    <dgm:fillClrLst meth="repeat">
-      <a:schemeClr val="lt1">
-        <a:alpha val="90000"/>
-      </a:schemeClr>
-    </dgm:fillClrLst>
-    <dgm:linClrLst>
-      <a:schemeClr val="accent5"/>
-      <a:schemeClr val="accent6"/>
-    </dgm:linClrLst>
-    <dgm:effectClrLst/>
-    <dgm:txLinClrLst/>
-    <dgm:txFillClrLst meth="repeat">
-      <a:schemeClr val="dk1"/>
-    </dgm:txFillClrLst>
-    <dgm:txEffectClrLst/>
-  </dgm:styleLbl>
-  <dgm:styleLbl name="trAlignAcc1">
-    <dgm:fillClrLst meth="repeat">
-      <a:schemeClr val="lt1">
-        <a:alpha val="40000"/>
-      </a:schemeClr>
-    </dgm:fillClrLst>
-    <dgm:linClrLst meth="repeat">
-      <a:schemeClr val="accent5"/>
-    </dgm:linClrLst>
-    <dgm:effectClrLst/>
-    <dgm:txLinClrLst/>
-    <dgm:txFillClrLst meth="repeat">
-      <a:schemeClr val="dk1"/>
-    </dgm:txFillClrLst>
-    <dgm:txEffectClrLst/>
-  </dgm:styleLbl>
-  <dgm:styleLbl name="bgAcc1">
-    <dgm:fillClrLst meth="repeat">
-      <a:schemeClr val="lt1">
-        <a:alpha val="90000"/>
-      </a:schemeClr>
-    </dgm:fillClrLst>
-    <dgm:linClrLst>
-      <a:schemeClr val="accent5"/>
-      <a:schemeClr val="accent6"/>
-    </dgm:linClrLst>
-    <dgm:effectClrLst/>
-    <dgm:txLinClrLst/>
-    <dgm:txFillClrLst meth="repeat">
-      <a:schemeClr val="dk1"/>
-    </dgm:txFillClrLst>
-    <dgm:txEffectClrLst/>
-  </dgm:styleLbl>
-  <dgm:styleLbl name="solidFgAcc1">
-    <dgm:fillClrLst meth="repeat">
-      <a:schemeClr val="lt1"/>
-    </dgm:fillClrLst>
-    <dgm:linClrLst>
-      <a:schemeClr val="accent5"/>
-      <a:schemeClr val="accent6"/>
-    </dgm:linClrLst>
-    <dgm:effectClrLst/>
-    <dgm:txLinClrLst/>
-    <dgm:txFillClrLst meth="repeat">
-      <a:schemeClr val="dk1"/>
-    </dgm:txFillClrLst>
-    <dgm:txEffectClrLst/>
-  </dgm:styleLbl>
-  <dgm:styleLbl name="solidAlignAcc1">
-    <dgm:fillClrLst meth="repeat">
-      <a:schemeClr val="lt1"/>
-    </dgm:fillClrLst>
-    <dgm:linClrLst>
-      <a:schemeClr val="accent5"/>
-      <a:schemeClr val="accent6"/>
-    </dgm:linClrLst>
-    <dgm:effectClrLst/>
-    <dgm:txLinClrLst/>
-    <dgm:txFillClrLst meth="repeat">
-      <a:schemeClr val="dk1"/>
-    </dgm:txFillClrLst>
-    <dgm:txEffectClrLst/>
-  </dgm:styleLbl>
-  <dgm:styleLbl name="solidBgAcc1">
-    <dgm:fillClrLst meth="repeat">
-      <a:schemeClr val="lt1"/>
-    </dgm:fillClrLst>
-    <dgm:linClrLst>
-      <a:schemeClr val="accent5"/>
-      <a:schemeClr val="accent6"/>
-    </dgm:linClrLst>
-    <dgm:effectClrLst/>
-    <dgm:txLinClrLst/>
-    <dgm:txFillClrLst meth="repeat">
-      <a:schemeClr val="dk1"/>
-    </dgm:txFillClrLst>
-    <dgm:txEffectClrLst/>
-  </dgm:styleLbl>
-  <dgm:styleLbl name="fgAccFollowNode1">
-    <dgm:fillClrLst>
-      <a:schemeClr val="accent5">
-        <a:tint val="40000"/>
-        <a:alpha val="90000"/>
-      </a:schemeClr>
-      <a:schemeClr val="accent6">
-        <a:tint val="40000"/>
-        <a:alpha val="90000"/>
-      </a:schemeClr>
-    </dgm:fillClrLst>
-    <dgm:linClrLst>
-      <a:schemeClr val="accent5">
-        <a:tint val="40000"/>
-        <a:alpha val="90000"/>
-      </a:schemeClr>
-      <a:schemeClr val="accent5">
-        <a:tint val="40000"/>
-        <a:alpha val="90000"/>
-      </a:schemeClr>
-    </dgm:linClrLst>
-    <dgm:effectClrLst/>
-    <dgm:txLinClrLst/>
-    <dgm:txFillClrLst meth="repeat">
-      <a:schemeClr val="dk1"/>
-    </dgm:txFillClrLst>
-    <dgm:txEffectClrLst/>
-  </dgm:styleLbl>
-  <dgm:styleLbl name="alignAccFollowNode1">
-    <dgm:fillClrLst>
-      <a:schemeClr val="accent5">
-        <a:tint val="40000"/>
-        <a:alpha val="90000"/>
-      </a:schemeClr>
-      <a:schemeClr val="accent6">
-        <a:tint val="40000"/>
-        <a:alpha val="90000"/>
-      </a:schemeClr>
-    </dgm:fillClrLst>
-    <dgm:linClrLst>
-      <a:schemeClr val="accent5">
-        <a:tint val="40000"/>
-        <a:alpha val="90000"/>
-      </a:schemeClr>
-      <a:schemeClr val="accent6">
-        <a:tint val="40000"/>
-        <a:alpha val="90000"/>
-      </a:schemeClr>
-    </dgm:linClrLst>
-    <dgm:effectClrLst/>
-    <dgm:txLinClrLst/>
-    <dgm:txFillClrLst meth="repeat">
-      <a:schemeClr val="dk1"/>
-    </dgm:txFillClrLst>
-    <dgm:txEffectClrLst/>
-  </dgm:styleLbl>
-  <dgm:styleLbl name="bgAccFollowNode1">
-    <dgm:fillClrLst>
-      <a:schemeClr val="accent5">
-        <a:tint val="40000"/>
-        <a:alpha val="90000"/>
-      </a:schemeClr>
-      <a:schemeClr val="accent6">
-        <a:tint val="40000"/>
-        <a:alpha val="90000"/>
-      </a:schemeClr>
-    </dgm:fillClrLst>
-    <dgm:linClrLst>
-      <a:schemeClr val="accent5">
-        <a:tint val="40000"/>
-        <a:alpha val="90000"/>
-      </a:schemeClr>
-      <a:schemeClr val="accent6">
-        <a:tint val="40000"/>
-        <a:alpha val="90000"/>
-      </a:schemeClr>
-    </dgm:linClrLst>
-    <dgm:effectClrLst/>
-    <dgm:txLinClrLst/>
-    <dgm:txFillClrLst meth="repeat">
-      <a:schemeClr val="dk1"/>
-    </dgm:txFillClrLst>
-    <dgm:txEffectClrLst/>
-  </dgm:styleLbl>
-  <dgm:styleLbl name="fgAcc0">
-    <dgm:fillClrLst meth="repeat">
-      <a:schemeClr val="lt1">
-        <a:alpha val="90000"/>
-      </a:schemeClr>
-    </dgm:fillClrLst>
-    <dgm:linClrLst>
-      <a:schemeClr val="accent4"/>
-    </dgm:linClrLst>
-    <dgm:effectClrLst/>
-    <dgm:txLinClrLst/>
-    <dgm:txFillClrLst meth="repeat">
-      <a:schemeClr val="dk1"/>
-    </dgm:txFillClrLst>
-    <dgm:txEffectClrLst/>
-  </dgm:styleLbl>
-  <dgm:styleLbl name="fgAcc2">
-    <dgm:fillClrLst meth="repeat">
-      <a:schemeClr val="lt1">
-        <a:alpha val="90000"/>
-      </a:schemeClr>
-    </dgm:fillClrLst>
-    <dgm:linClrLst>
-      <a:schemeClr val="accent6"/>
-    </dgm:linClrLst>
-    <dgm:effectClrLst/>
-    <dgm:txLinClrLst/>
-    <dgm:txFillClrLst meth="repeat">
-      <a:schemeClr val="dk1"/>
-    </dgm:txFillClrLst>
-    <dgm:txEffectClrLst/>
-  </dgm:styleLbl>
-  <dgm:styleLbl name="fgAcc3">
-    <dgm:fillClrLst meth="repeat">
-      <a:schemeClr val="lt1">
-        <a:alpha val="90000"/>
-      </a:schemeClr>
-    </dgm:fillClrLst>
-    <dgm:linClrLst>
-      <a:schemeClr val="accent1"/>
-    </dgm:linClrLst>
-    <dgm:effectClrLst/>
-    <dgm:txLinClrLst/>
-    <dgm:txFillClrLst meth="repeat">
-      <a:schemeClr val="dk1"/>
-    </dgm:txFillClrLst>
-    <dgm:txEffectClrLst/>
-  </dgm:styleLbl>
-  <dgm:styleLbl name="fgAcc4">
-    <dgm:fillClrLst meth="repeat">
-      <a:schemeClr val="lt1">
-        <a:alpha val="90000"/>
-      </a:schemeClr>
-    </dgm:fillClrLst>
-    <dgm:linClrLst>
-      <a:schemeClr val="accent2"/>
-    </dgm:linClrLst>
-    <dgm:effectClrLst/>
-    <dgm:txLinClrLst/>
-    <dgm:txFillClrLst meth="repeat">
-      <a:schemeClr val="dk1"/>
-    </dgm:txFillClrLst>
-    <dgm:txEffectClrLst/>
-  </dgm:styleLbl>
-  <dgm:styleLbl name="bgShp">
-    <dgm:fillClrLst meth="repeat">
-      <a:schemeClr val="accent5">
-        <a:tint val="40000"/>
-      </a:schemeClr>
-    </dgm:fillClrLst>
-    <dgm:linClrLst meth="repeat">
-      <a:schemeClr val="dk1"/>
-    </dgm:linClrLst>
-    <dgm:effectClrLst/>
-    <dgm:txLinClrLst/>
-    <dgm:txFillClrLst meth="repeat">
-      <a:schemeClr val="dk1"/>
-    </dgm:txFillClrLst>
-    <dgm:txEffectClrLst/>
-  </dgm:styleLbl>
-  <dgm:styleLbl name="dkBgShp">
-    <dgm:fillClrLst meth="repeat">
-      <a:schemeClr val="accent5">
-        <a:shade val="90000"/>
-      </a:schemeClr>
-    </dgm:fillClrLst>
-    <dgm:linClrLst meth="repeat">
-      <a:schemeClr val="dk1"/>
-    </dgm:linClrLst>
-    <dgm:effectClrLst/>
-    <dgm:txLinClrLst/>
-    <dgm:txFillClrLst meth="repeat">
-      <a:schemeClr val="lt1"/>
-    </dgm:txFillClrLst>
-    <dgm:txEffectClrLst/>
-  </dgm:styleLbl>
-  <dgm:styleLbl name="trBgShp">
-    <dgm:fillClrLst meth="repeat">
-      <a:schemeClr val="accent5">
-        <a:tint val="50000"/>
-        <a:alpha val="40000"/>
-      </a:schemeClr>
-    </dgm:fillClrLst>
-    <dgm:linClrLst meth="repeat">
-      <a:schemeClr val="accent5"/>
-    </dgm:linClrLst>
-    <dgm:effectClrLst/>
-    <dgm:txLinClrLst/>
-    <dgm:txFillClrLst meth="repeat">
-      <a:schemeClr val="lt1"/>
-    </dgm:txFillClrLst>
-    <dgm:txEffectClrLst/>
-  </dgm:styleLbl>
-  <dgm:styleLbl name="fgShp">
-    <dgm:fillClrLst meth="repeat">
-      <a:schemeClr val="accent5">
-        <a:tint val="40000"/>
-      </a:schemeClr>
-    </dgm:fillClrLst>
-    <dgm:linClrLst meth="repeat">
-      <a:schemeClr val="lt1"/>
-    </dgm:linClrLst>
-    <dgm:effectClrLst/>
-    <dgm:txLinClrLst/>
-    <dgm:txFillClrLst meth="repeat">
-      <a:schemeClr val="dk1"/>
-    </dgm:txFillClrLst>
-    <dgm:txEffectClrLst/>
-  </dgm:styleLbl>
-  <dgm:styleLbl name="revTx">
-    <dgm:fillClrLst meth="repeat">
-      <a:schemeClr val="lt1">
-        <a:alpha val="0"/>
-      </a:schemeClr>
-    </dgm:fillClrLst>
-    <dgm:linClrLst meth="repeat">
-      <a:schemeClr val="dk1">
-        <a:alpha val="0"/>
-      </a:schemeClr>
-    </dgm:linClrLst>
-    <dgm:effectClrLst/>
-    <dgm:txLinClrLst/>
-    <dgm:txFillClrLst meth="repeat">
-      <a:schemeClr val="tx1"/>
-    </dgm:txFillClrLst>
-    <dgm:txEffectClrLst/>
-  </dgm:styleLbl>
-</dgm:colorsDef>
-</file>
-
-<file path=ppt/diagrams/data1.xml><?xml version="1.0" encoding="utf-8"?>
-<dgm:dataModel xmlns:dgm="http://schemas.openxmlformats.org/drawingml/2006/diagram" xmlns:a="http://schemas.openxmlformats.org/drawingml/2006/main">
-  <dgm:ptLst>
-    <dgm:pt modelId="{E5B2E815-0D19-41DC-B01B-4D608769620A}" type="doc">
-      <dgm:prSet loTypeId="urn:microsoft.com/office/officeart/2016/7/layout/RoundedRectangleTimeline" loCatId="other" qsTypeId="urn:microsoft.com/office/officeart/2005/8/quickstyle/simple1" qsCatId="simple" csTypeId="urn:microsoft.com/office/officeart/2005/8/colors/colorful5" csCatId="colorful" phldr="1"/>
-      <dgm:spPr/>
-      <dgm:t>
-        <a:bodyPr/>
-        <a:lstStyle/>
-        <a:p>
-          <a:endParaRPr lang="en-US"/>
-        </a:p>
-      </dgm:t>
-    </dgm:pt>
-    <dgm:pt modelId="{4259F840-24E7-476F-9F30-482E46395856}">
-      <dgm:prSet phldrT="[Text]" custT="1"/>
-      <dgm:spPr/>
-      <dgm:t>
-        <a:bodyPr/>
-        <a:lstStyle/>
-        <a:p>
-          <a:r>
-            <a:rPr lang="en-US" sz="1800" dirty="0">
-              <a:latin typeface="+mn-lt"/>
-            </a:rPr>
-            <a:t>Title</a:t>
-          </a:r>
-        </a:p>
-      </dgm:t>
-    </dgm:pt>
-    <dgm:pt modelId="{FCE8068D-7E50-4749-A8D0-ADEDAC5637B3}" type="parTrans" cxnId="{42EE41D1-3C16-4937-BB38-B076896C09A0}">
-      <dgm:prSet/>
-      <dgm:spPr/>
-      <dgm:t>
-        <a:bodyPr/>
-        <a:lstStyle/>
-        <a:p>
-          <a:endParaRPr lang="en-US" sz="1800">
-            <a:latin typeface="+mn-lt"/>
-          </a:endParaRPr>
-        </a:p>
-      </dgm:t>
-    </dgm:pt>
-    <dgm:pt modelId="{DCC444A4-F20A-48F5-A61E-47BFFF185A57}" type="sibTrans" cxnId="{42EE41D1-3C16-4937-BB38-B076896C09A0}">
-      <dgm:prSet/>
-      <dgm:spPr/>
-      <dgm:t>
-        <a:bodyPr/>
-        <a:lstStyle/>
-        <a:p>
-          <a:endParaRPr lang="en-US" sz="1800">
-            <a:latin typeface="+mn-lt"/>
-          </a:endParaRPr>
-        </a:p>
-      </dgm:t>
-    </dgm:pt>
-    <dgm:pt modelId="{B54C8F6C-BE1E-4EAB-B7A0-48DE01FFAA36}">
-      <dgm:prSet phldrT="[Text]" custT="1"/>
-      <dgm:spPr/>
-      <dgm:t>
-        <a:bodyPr/>
-        <a:lstStyle/>
-        <a:p>
-          <a:pPr>
-            <a:buFont typeface="Symbol" panose="05050102010706020507" pitchFamily="18" charset="2"/>
-            <a:buChar char=""/>
-          </a:pPr>
-          <a:r>
-            <a:rPr lang="en-US" sz="1800" dirty="0">
-              <a:latin typeface="+mn-lt"/>
-            </a:rPr>
-            <a:t>To start a presentation, go to the Slide Show tab, and select          From Beginning.</a:t>
-          </a:r>
-        </a:p>
-      </dgm:t>
-    </dgm:pt>
-    <dgm:pt modelId="{8DE7CD45-B7C0-432E-B819-6A7D97E31315}" type="parTrans" cxnId="{770CA1CC-3DDD-451E-AE83-A71CA570260C}">
-      <dgm:prSet/>
-      <dgm:spPr/>
-      <dgm:t>
-        <a:bodyPr/>
-        <a:lstStyle/>
-        <a:p>
-          <a:endParaRPr lang="en-US" sz="1800">
-            <a:latin typeface="+mn-lt"/>
-          </a:endParaRPr>
-        </a:p>
-      </dgm:t>
-    </dgm:pt>
-    <dgm:pt modelId="{C33B8BEF-A818-4A2F-A99A-E2B29895E184}" type="sibTrans" cxnId="{770CA1CC-3DDD-451E-AE83-A71CA570260C}">
-      <dgm:prSet/>
-      <dgm:spPr/>
-      <dgm:t>
-        <a:bodyPr/>
-        <a:lstStyle/>
-        <a:p>
-          <a:endParaRPr lang="en-US" sz="1800">
-            <a:latin typeface="+mn-lt"/>
-          </a:endParaRPr>
-        </a:p>
-      </dgm:t>
-    </dgm:pt>
-    <dgm:pt modelId="{E4033A39-DCC4-4038-9562-AEDDBBB37A99}">
-      <dgm:prSet phldrT="[Text]" custT="1"/>
-      <dgm:spPr/>
-      <dgm:t>
-        <a:bodyPr/>
-        <a:lstStyle/>
-        <a:p>
-          <a:r>
-            <a:rPr lang="en-US" sz="1800" dirty="0">
-              <a:latin typeface="+mn-lt"/>
-            </a:rPr>
-            <a:t>Title</a:t>
-          </a:r>
-        </a:p>
-      </dgm:t>
-    </dgm:pt>
-    <dgm:pt modelId="{048EEAE6-78BA-4B00-B7BB-9C22DBB1E8F4}" type="parTrans" cxnId="{32EF2862-2950-4DF8-BEA8-CD19460CCA31}">
-      <dgm:prSet/>
-      <dgm:spPr/>
-      <dgm:t>
-        <a:bodyPr/>
-        <a:lstStyle/>
-        <a:p>
-          <a:endParaRPr lang="en-US" sz="1800">
-            <a:latin typeface="+mn-lt"/>
-          </a:endParaRPr>
-        </a:p>
-      </dgm:t>
-    </dgm:pt>
-    <dgm:pt modelId="{80AB0E5B-0C58-465D-A545-5B21133D2849}" type="sibTrans" cxnId="{32EF2862-2950-4DF8-BEA8-CD19460CCA31}">
-      <dgm:prSet/>
-      <dgm:spPr/>
-      <dgm:t>
-        <a:bodyPr/>
-        <a:lstStyle/>
-        <a:p>
-          <a:endParaRPr lang="en-US" sz="1800">
-            <a:latin typeface="+mn-lt"/>
-          </a:endParaRPr>
-        </a:p>
-      </dgm:t>
-    </dgm:pt>
-    <dgm:pt modelId="{A4C0B4E4-70AD-4901-9E3F-7EA25DD6DAA1}">
-      <dgm:prSet phldrT="[Text]" custT="1"/>
-      <dgm:spPr/>
-      <dgm:t>
-        <a:bodyPr/>
-        <a:lstStyle/>
-        <a:p>
-          <a:pPr>
-            <a:buFont typeface="Symbol" panose="05050102010706020507" pitchFamily="18" charset="2"/>
-            <a:buChar char=""/>
-          </a:pPr>
-          <a:r>
-            <a:rPr lang="en-US" sz="1800" dirty="0">
-              <a:latin typeface="+mn-lt"/>
-            </a:rPr>
-            <a:t>To display Presenter view, in Slide Show view, on the control bar at the bottom left select the three dots, and then Show                 Presenter View.</a:t>
-          </a:r>
-        </a:p>
-      </dgm:t>
-    </dgm:pt>
-    <dgm:pt modelId="{701D9033-BAD3-4299-933F-A47AFDC2ECD0}" type="parTrans" cxnId="{5E74CB62-E52E-4CEE-8AA1-9812BFC0D67E}">
-      <dgm:prSet/>
-      <dgm:spPr/>
-      <dgm:t>
-        <a:bodyPr/>
-        <a:lstStyle/>
-        <a:p>
-          <a:endParaRPr lang="en-US" sz="1800">
-            <a:latin typeface="+mn-lt"/>
-          </a:endParaRPr>
-        </a:p>
-      </dgm:t>
-    </dgm:pt>
-    <dgm:pt modelId="{657DB10D-2517-48AA-B970-6D815DBD4123}" type="sibTrans" cxnId="{5E74CB62-E52E-4CEE-8AA1-9812BFC0D67E}">
-      <dgm:prSet/>
-      <dgm:spPr/>
-      <dgm:t>
-        <a:bodyPr/>
-        <a:lstStyle/>
-        <a:p>
-          <a:endParaRPr lang="en-US" sz="1800">
-            <a:latin typeface="+mn-lt"/>
-          </a:endParaRPr>
-        </a:p>
-      </dgm:t>
-    </dgm:pt>
-    <dgm:pt modelId="{87BF7896-20EA-4E8F-B6F4-A34EC5C9CB50}">
-      <dgm:prSet phldrT="[Text]" custT="1"/>
-      <dgm:spPr/>
-      <dgm:t>
-        <a:bodyPr/>
-        <a:lstStyle/>
-        <a:p>
-          <a:r>
-            <a:rPr lang="en-US" sz="1800" dirty="0">
-              <a:latin typeface="+mn-lt"/>
-            </a:rPr>
-            <a:t>Title</a:t>
-          </a:r>
-        </a:p>
-      </dgm:t>
-    </dgm:pt>
-    <dgm:pt modelId="{05E47BA5-F724-4AEE-9B5B-401F18E028E6}" type="parTrans" cxnId="{92330C11-C197-4512-BDA4-8D8A69AF7D1C}">
-      <dgm:prSet/>
-      <dgm:spPr/>
-      <dgm:t>
-        <a:bodyPr/>
-        <a:lstStyle/>
-        <a:p>
-          <a:endParaRPr lang="en-US" sz="1800">
-            <a:latin typeface="+mn-lt"/>
-          </a:endParaRPr>
-        </a:p>
-      </dgm:t>
-    </dgm:pt>
-    <dgm:pt modelId="{D63CE73E-35DE-48C3-8753-7648BC953C0D}" type="sibTrans" cxnId="{92330C11-C197-4512-BDA4-8D8A69AF7D1C}">
-      <dgm:prSet/>
-      <dgm:spPr/>
-      <dgm:t>
-        <a:bodyPr/>
-        <a:lstStyle/>
-        <a:p>
-          <a:endParaRPr lang="en-US" sz="1800">
-            <a:latin typeface="+mn-lt"/>
-          </a:endParaRPr>
-        </a:p>
-      </dgm:t>
-    </dgm:pt>
-    <dgm:pt modelId="{43CBB0A2-9D75-4264-8A30-3E8974B40658}">
-      <dgm:prSet phldrT="[Text]" custT="1"/>
-      <dgm:spPr/>
-      <dgm:t>
-        <a:bodyPr/>
-        <a:lstStyle/>
-        <a:p>
-          <a:pPr>
-            <a:buFont typeface="Symbol" panose="05050102010706020507" pitchFamily="18" charset="2"/>
-            <a:buChar char=""/>
-          </a:pPr>
-          <a:r>
-            <a:rPr lang="en-US" sz="1800" dirty="0"/>
-            <a:t>During your presentation, the speaker notes are visible on your monitor, but aren't visible to      the audience.</a:t>
-          </a:r>
-          <a:endParaRPr lang="en-US" sz="1800" dirty="0">
-            <a:latin typeface="+mn-lt"/>
-          </a:endParaRPr>
-        </a:p>
-      </dgm:t>
-    </dgm:pt>
-    <dgm:pt modelId="{F806E590-5F8E-48A1-96AC-9E738290D2ED}" type="parTrans" cxnId="{4D2DF581-8128-4440-9E51-29109DC6ED52}">
-      <dgm:prSet/>
-      <dgm:spPr/>
-      <dgm:t>
-        <a:bodyPr/>
-        <a:lstStyle/>
-        <a:p>
-          <a:endParaRPr lang="en-US" sz="1800">
-            <a:latin typeface="+mn-lt"/>
-          </a:endParaRPr>
-        </a:p>
-      </dgm:t>
-    </dgm:pt>
-    <dgm:pt modelId="{20F77EFB-335C-4BC3-AD95-8421EDF343E6}" type="sibTrans" cxnId="{4D2DF581-8128-4440-9E51-29109DC6ED52}">
-      <dgm:prSet/>
-      <dgm:spPr/>
-      <dgm:t>
-        <a:bodyPr/>
-        <a:lstStyle/>
-        <a:p>
-          <a:endParaRPr lang="en-US" sz="1800">
-            <a:latin typeface="+mn-lt"/>
-          </a:endParaRPr>
-        </a:p>
-      </dgm:t>
-    </dgm:pt>
-    <dgm:pt modelId="{3DE6FF16-CA4D-4D34-ABEB-8BE6A40B5E52}">
-      <dgm:prSet phldrT="[Text]" custT="1"/>
-      <dgm:spPr/>
-      <dgm:t>
-        <a:bodyPr/>
-        <a:lstStyle/>
-        <a:p>
-          <a:pPr>
-            <a:buFont typeface="Symbol" panose="05050102010706020507" pitchFamily="18" charset="2"/>
-            <a:buChar char=""/>
-          </a:pPr>
-          <a:r>
-            <a:rPr lang="en-US" sz="1800" dirty="0">
-              <a:latin typeface="+mn-lt"/>
-            </a:rPr>
-            <a:t>Title</a:t>
-          </a:r>
-        </a:p>
-      </dgm:t>
-    </dgm:pt>
-    <dgm:pt modelId="{DA9CCCCB-8206-4757-82C8-F885E9D238B5}" type="parTrans" cxnId="{636DE8C5-F706-4BA5-855F-85FD2239E2BE}">
-      <dgm:prSet/>
-      <dgm:spPr/>
-      <dgm:t>
-        <a:bodyPr/>
-        <a:lstStyle/>
-        <a:p>
-          <a:endParaRPr lang="en-US" sz="1800"/>
-        </a:p>
-      </dgm:t>
-    </dgm:pt>
-    <dgm:pt modelId="{986162A7-6F89-4679-B40E-33A17DA21B73}" type="sibTrans" cxnId="{636DE8C5-F706-4BA5-855F-85FD2239E2BE}">
-      <dgm:prSet/>
-      <dgm:spPr/>
-      <dgm:t>
-        <a:bodyPr/>
-        <a:lstStyle/>
-        <a:p>
-          <a:endParaRPr lang="en-US" sz="1800"/>
-        </a:p>
-      </dgm:t>
-    </dgm:pt>
-    <dgm:pt modelId="{AC76BE15-3E8A-498B-91BD-CF772C26B6F1}">
-      <dgm:prSet phldrT="[Text]" custT="1"/>
-      <dgm:spPr/>
-      <dgm:t>
-        <a:bodyPr/>
-        <a:lstStyle/>
-        <a:p>
-          <a:pPr>
-            <a:buFont typeface="Symbol" panose="05050102010706020507" pitchFamily="18" charset="2"/>
-            <a:buChar char=""/>
-          </a:pPr>
-          <a:r>
-            <a:rPr lang="en-US" sz="1800" dirty="0">
-              <a:latin typeface="+mn-lt"/>
-            </a:rPr>
-            <a:t>Title</a:t>
-          </a:r>
-        </a:p>
-      </dgm:t>
-    </dgm:pt>
-    <dgm:pt modelId="{00CCB400-064A-4EF5-9806-9534D9AC69AD}" type="parTrans" cxnId="{140A4778-8248-44DE-B78A-23C578A77D7E}">
-      <dgm:prSet/>
-      <dgm:spPr/>
-      <dgm:t>
-        <a:bodyPr/>
-        <a:lstStyle/>
-        <a:p>
-          <a:endParaRPr lang="en-US" sz="1800"/>
-        </a:p>
-      </dgm:t>
-    </dgm:pt>
-    <dgm:pt modelId="{662A3D6E-7238-444F-BC0B-C7A4321261DB}" type="sibTrans" cxnId="{140A4778-8248-44DE-B78A-23C578A77D7E}">
-      <dgm:prSet/>
-      <dgm:spPr/>
-      <dgm:t>
-        <a:bodyPr/>
-        <a:lstStyle/>
-        <a:p>
-          <a:endParaRPr lang="en-US" sz="1800"/>
-        </a:p>
-      </dgm:t>
-    </dgm:pt>
-    <dgm:pt modelId="{73820394-2159-4075-9E6F-217263B07F8B}">
-      <dgm:prSet phldrT="[Text]" custT="1"/>
-      <dgm:spPr/>
-      <dgm:t>
-        <a:bodyPr/>
-        <a:lstStyle/>
-        <a:p>
-          <a:pPr>
-            <a:buFont typeface="Symbol" panose="05050102010706020507" pitchFamily="18" charset="2"/>
-            <a:buChar char=""/>
-          </a:pPr>
-          <a:r>
-            <a:rPr lang="en-US" sz="1800" dirty="0"/>
-            <a:t>If you don’t see the Notes pane or it is completely minimized, click Notes on the task bar across the bottom of the PowerPoint window.</a:t>
-          </a:r>
-          <a:endParaRPr lang="en-US" sz="1800" dirty="0">
-            <a:latin typeface="+mn-lt"/>
-          </a:endParaRPr>
-        </a:p>
-      </dgm:t>
-    </dgm:pt>
-    <dgm:pt modelId="{A861A835-3A0D-4B09-8870-87D7FDC7B27F}" type="parTrans" cxnId="{19CF03A0-47BE-4ABD-A62C-A27E16D6C5A3}">
-      <dgm:prSet/>
-      <dgm:spPr/>
-      <dgm:t>
-        <a:bodyPr/>
-        <a:lstStyle/>
-        <a:p>
-          <a:endParaRPr lang="en-US" sz="1800"/>
-        </a:p>
-      </dgm:t>
-    </dgm:pt>
-    <dgm:pt modelId="{D383A36B-470D-499F-AE13-85A6B2495524}" type="sibTrans" cxnId="{19CF03A0-47BE-4ABD-A62C-A27E16D6C5A3}">
-      <dgm:prSet/>
-      <dgm:spPr/>
-      <dgm:t>
-        <a:bodyPr/>
-        <a:lstStyle/>
-        <a:p>
-          <a:endParaRPr lang="en-US" sz="1800"/>
-        </a:p>
-      </dgm:t>
-    </dgm:pt>
-    <dgm:pt modelId="{C032D242-8D23-4EEC-A10A-7B0691E5A409}">
-      <dgm:prSet phldrT="[Text]" custT="1"/>
-      <dgm:spPr/>
-      <dgm:t>
-        <a:bodyPr/>
-        <a:lstStyle/>
-        <a:p>
-          <a:pPr>
-            <a:buFont typeface="Symbol" panose="05050102010706020507" pitchFamily="18" charset="2"/>
-            <a:buChar char=""/>
-          </a:pPr>
-          <a:r>
-            <a:rPr lang="en-US" sz="1800" dirty="0"/>
-            <a:t>The Notes pane is a box that appears below each slide. Tap it to add notes.</a:t>
-          </a:r>
-          <a:endParaRPr lang="en-US" sz="1800" dirty="0">
-            <a:latin typeface="+mn-lt"/>
-          </a:endParaRPr>
-        </a:p>
-      </dgm:t>
-    </dgm:pt>
-    <dgm:pt modelId="{167DA838-BF1F-42A4-81E8-806F40795A14}" type="parTrans" cxnId="{D9403C73-FB83-47D6-85AE-067D49ED63F2}">
-      <dgm:prSet/>
-      <dgm:spPr/>
-      <dgm:t>
-        <a:bodyPr/>
-        <a:lstStyle/>
-        <a:p>
-          <a:endParaRPr lang="en-US" sz="1800"/>
-        </a:p>
-      </dgm:t>
-    </dgm:pt>
-    <dgm:pt modelId="{7EFA60CA-572D-434D-B452-A4ACBAEB4D2C}" type="sibTrans" cxnId="{D9403C73-FB83-47D6-85AE-067D49ED63F2}">
-      <dgm:prSet/>
-      <dgm:spPr/>
-      <dgm:t>
-        <a:bodyPr/>
-        <a:lstStyle/>
-        <a:p>
-          <a:endParaRPr lang="en-US" sz="1800"/>
-        </a:p>
-      </dgm:t>
-    </dgm:pt>
-    <dgm:pt modelId="{196C9F68-3606-4282-A4C6-4485F1280B5F}" type="pres">
-      <dgm:prSet presAssocID="{E5B2E815-0D19-41DC-B01B-4D608769620A}" presName="Name0" presStyleCnt="0">
-        <dgm:presLayoutVars>
-          <dgm:chMax/>
-          <dgm:chPref/>
-          <dgm:animLvl val="lvl"/>
-        </dgm:presLayoutVars>
-      </dgm:prSet>
-      <dgm:spPr/>
-    </dgm:pt>
-    <dgm:pt modelId="{68D8AC18-502F-4825-B069-75605ADB3A40}" type="pres">
-      <dgm:prSet presAssocID="{4259F840-24E7-476F-9F30-482E46395856}" presName="composite1" presStyleCnt="0"/>
-      <dgm:spPr/>
-    </dgm:pt>
-    <dgm:pt modelId="{E088D226-49D7-4C30-90DC-CA1755D98829}" type="pres">
-      <dgm:prSet presAssocID="{4259F840-24E7-476F-9F30-482E46395856}" presName="parent1" presStyleLbl="alignNode1" presStyleIdx="0" presStyleCnt="5">
-        <dgm:presLayoutVars>
-          <dgm:chMax val="1"/>
-          <dgm:chPref val="1"/>
-          <dgm:bulletEnabled val="1"/>
-        </dgm:presLayoutVars>
-      </dgm:prSet>
-      <dgm:spPr/>
-    </dgm:pt>
-    <dgm:pt modelId="{45A02F84-C6CB-43F5-AEE4-3EA66C2BD25F}" type="pres">
-      <dgm:prSet presAssocID="{4259F840-24E7-476F-9F30-482E46395856}" presName="Childtext1" presStyleLbl="revTx" presStyleIdx="0" presStyleCnt="5">
-        <dgm:presLayoutVars>
-          <dgm:bulletEnabled val="1"/>
-        </dgm:presLayoutVars>
-      </dgm:prSet>
-      <dgm:spPr/>
-    </dgm:pt>
-    <dgm:pt modelId="{6BA46904-CB7C-4538-BD49-D3891EF19552}" type="pres">
-      <dgm:prSet presAssocID="{4259F840-24E7-476F-9F30-482E46395856}" presName="ConnectLine1" presStyleLbl="sibTrans1D1" presStyleIdx="0" presStyleCnt="5"/>
-      <dgm:spPr>
-        <a:noFill/>
-        <a:ln w="6350" cap="flat" cmpd="sng" algn="ctr">
-          <a:solidFill>
-            <a:schemeClr val="accent5">
-              <a:hueOff val="0"/>
-              <a:satOff val="0"/>
-              <a:lumOff val="0"/>
-              <a:alphaOff val="0"/>
-            </a:schemeClr>
-          </a:solidFill>
-          <a:prstDash val="dash"/>
-          <a:miter lim="800000"/>
-        </a:ln>
-        <a:effectLst/>
-      </dgm:spPr>
-    </dgm:pt>
-    <dgm:pt modelId="{049FDBD0-77FE-49D1-A275-A272C8C5E426}" type="pres">
-      <dgm:prSet presAssocID="{4259F840-24E7-476F-9F30-482E46395856}" presName="ConnectLineEnd1" presStyleLbl="lnNode1" presStyleIdx="0" presStyleCnt="5"/>
-      <dgm:spPr/>
-    </dgm:pt>
-    <dgm:pt modelId="{CB26EA94-33BB-4F98-9E1E-2237D4831263}" type="pres">
-      <dgm:prSet presAssocID="{4259F840-24E7-476F-9F30-482E46395856}" presName="EmptyPane1" presStyleCnt="0"/>
-      <dgm:spPr/>
-    </dgm:pt>
-    <dgm:pt modelId="{606F1DBF-510E-4065-ACCB-3EBDA85CFB92}" type="pres">
-      <dgm:prSet presAssocID="{DCC444A4-F20A-48F5-A61E-47BFFF185A57}" presName="spaceBetweenRectangles1" presStyleCnt="0"/>
-      <dgm:spPr/>
-    </dgm:pt>
-    <dgm:pt modelId="{07989479-D1A2-4D15-AA3A-B0CFFB9F91D9}" type="pres">
-      <dgm:prSet presAssocID="{E4033A39-DCC4-4038-9562-AEDDBBB37A99}" presName="composite1" presStyleCnt="0"/>
-      <dgm:spPr/>
-    </dgm:pt>
-    <dgm:pt modelId="{539615E2-3277-4D8E-8484-FF5088C8BF01}" type="pres">
-      <dgm:prSet presAssocID="{E4033A39-DCC4-4038-9562-AEDDBBB37A99}" presName="parent1" presStyleLbl="alignNode1" presStyleIdx="1" presStyleCnt="5">
-        <dgm:presLayoutVars>
-          <dgm:chMax val="1"/>
-          <dgm:chPref val="1"/>
-          <dgm:bulletEnabled val="1"/>
-        </dgm:presLayoutVars>
-      </dgm:prSet>
-      <dgm:spPr/>
-    </dgm:pt>
-    <dgm:pt modelId="{FEBD3C2A-A340-470A-A475-AE614EA07678}" type="pres">
-      <dgm:prSet presAssocID="{E4033A39-DCC4-4038-9562-AEDDBBB37A99}" presName="Childtext1" presStyleLbl="revTx" presStyleIdx="1" presStyleCnt="5">
-        <dgm:presLayoutVars>
-          <dgm:bulletEnabled val="1"/>
-        </dgm:presLayoutVars>
-      </dgm:prSet>
-      <dgm:spPr/>
-    </dgm:pt>
-    <dgm:pt modelId="{080474C8-0FEA-4FD1-97F1-0978CFB4A37F}" type="pres">
-      <dgm:prSet presAssocID="{E4033A39-DCC4-4038-9562-AEDDBBB37A99}" presName="ConnectLine1" presStyleLbl="sibTrans1D1" presStyleIdx="1" presStyleCnt="5"/>
-      <dgm:spPr>
-        <a:noFill/>
-        <a:ln w="6350" cap="flat" cmpd="sng" algn="ctr">
-          <a:solidFill>
-            <a:schemeClr val="accent5">
-              <a:hueOff val="90002"/>
-              <a:satOff val="2173"/>
-              <a:lumOff val="-10490"/>
-              <a:alphaOff val="0"/>
-            </a:schemeClr>
-          </a:solidFill>
-          <a:prstDash val="dash"/>
-          <a:miter lim="800000"/>
-        </a:ln>
-        <a:effectLst/>
-      </dgm:spPr>
-    </dgm:pt>
-    <dgm:pt modelId="{4797FB61-2602-4A58-81E6-6F133DB1E419}" type="pres">
-      <dgm:prSet presAssocID="{E4033A39-DCC4-4038-9562-AEDDBBB37A99}" presName="ConnectLineEnd1" presStyleLbl="lnNode1" presStyleIdx="1" presStyleCnt="5"/>
-      <dgm:spPr/>
-    </dgm:pt>
-    <dgm:pt modelId="{3ADF0AE3-D759-4F4F-8135-572855211847}" type="pres">
-      <dgm:prSet presAssocID="{E4033A39-DCC4-4038-9562-AEDDBBB37A99}" presName="EmptyPane1" presStyleCnt="0"/>
-      <dgm:spPr/>
-    </dgm:pt>
-    <dgm:pt modelId="{B0CD7A53-7149-45F2-83E8-36717D7878A1}" type="pres">
-      <dgm:prSet presAssocID="{80AB0E5B-0C58-465D-A545-5B21133D2849}" presName="spaceBetweenRectangles1" presStyleCnt="0"/>
-      <dgm:spPr/>
-    </dgm:pt>
-    <dgm:pt modelId="{FB379A6E-C0F9-420B-90FC-2785E757E6AE}" type="pres">
-      <dgm:prSet presAssocID="{87BF7896-20EA-4E8F-B6F4-A34EC5C9CB50}" presName="composite1" presStyleCnt="0"/>
-      <dgm:spPr/>
-    </dgm:pt>
-    <dgm:pt modelId="{9D82041D-873A-4600-A9C7-C0A0ADFB138B}" type="pres">
-      <dgm:prSet presAssocID="{87BF7896-20EA-4E8F-B6F4-A34EC5C9CB50}" presName="parent1" presStyleLbl="alignNode1" presStyleIdx="2" presStyleCnt="5">
-        <dgm:presLayoutVars>
-          <dgm:chMax val="1"/>
-          <dgm:chPref val="1"/>
-          <dgm:bulletEnabled val="1"/>
-        </dgm:presLayoutVars>
-      </dgm:prSet>
-      <dgm:spPr/>
-    </dgm:pt>
-    <dgm:pt modelId="{80CDBBF8-C6B4-4166-87C1-DC9120CC7586}" type="pres">
-      <dgm:prSet presAssocID="{87BF7896-20EA-4E8F-B6F4-A34EC5C9CB50}" presName="Childtext1" presStyleLbl="revTx" presStyleIdx="2" presStyleCnt="5">
-        <dgm:presLayoutVars>
-          <dgm:bulletEnabled val="1"/>
-        </dgm:presLayoutVars>
-      </dgm:prSet>
-      <dgm:spPr/>
-    </dgm:pt>
-    <dgm:pt modelId="{89759DE5-9F8A-470E-A6D8-F13BB4DEE93D}" type="pres">
-      <dgm:prSet presAssocID="{87BF7896-20EA-4E8F-B6F4-A34EC5C9CB50}" presName="ConnectLine1" presStyleLbl="sibTrans1D1" presStyleIdx="2" presStyleCnt="5"/>
-      <dgm:spPr>
-        <a:noFill/>
-        <a:ln w="6350" cap="flat" cmpd="sng" algn="ctr">
-          <a:solidFill>
-            <a:schemeClr val="accent5">
-              <a:hueOff val="180003"/>
-              <a:satOff val="4346"/>
-              <a:lumOff val="-20980"/>
-              <a:alphaOff val="0"/>
-            </a:schemeClr>
-          </a:solidFill>
-          <a:prstDash val="dash"/>
-          <a:miter lim="800000"/>
-        </a:ln>
-        <a:effectLst/>
-      </dgm:spPr>
-    </dgm:pt>
-    <dgm:pt modelId="{07CCF286-8B46-4A20-ACAC-84BA2D6EFBBC}" type="pres">
-      <dgm:prSet presAssocID="{87BF7896-20EA-4E8F-B6F4-A34EC5C9CB50}" presName="ConnectLineEnd1" presStyleLbl="lnNode1" presStyleIdx="2" presStyleCnt="5"/>
-      <dgm:spPr/>
-    </dgm:pt>
-    <dgm:pt modelId="{4624FC32-5405-42B1-B5CC-DF0659852A58}" type="pres">
-      <dgm:prSet presAssocID="{87BF7896-20EA-4E8F-B6F4-A34EC5C9CB50}" presName="EmptyPane1" presStyleCnt="0"/>
-      <dgm:spPr/>
-    </dgm:pt>
-    <dgm:pt modelId="{8C327064-3851-4ECF-AAB7-82B51711041E}" type="pres">
-      <dgm:prSet presAssocID="{D63CE73E-35DE-48C3-8753-7648BC953C0D}" presName="spaceBetweenRectangles1" presStyleCnt="0"/>
-      <dgm:spPr/>
-    </dgm:pt>
-    <dgm:pt modelId="{3ADEA4DF-6814-494D-9D3D-41947417052B}" type="pres">
-      <dgm:prSet presAssocID="{3DE6FF16-CA4D-4D34-ABEB-8BE6A40B5E52}" presName="composite1" presStyleCnt="0"/>
-      <dgm:spPr/>
-    </dgm:pt>
-    <dgm:pt modelId="{74CD3FF2-195B-429B-BC6F-5B5A7FED2BE2}" type="pres">
-      <dgm:prSet presAssocID="{3DE6FF16-CA4D-4D34-ABEB-8BE6A40B5E52}" presName="parent1" presStyleLbl="alignNode1" presStyleIdx="3" presStyleCnt="5">
-        <dgm:presLayoutVars>
-          <dgm:chMax val="1"/>
-          <dgm:chPref val="1"/>
-          <dgm:bulletEnabled val="1"/>
-        </dgm:presLayoutVars>
-      </dgm:prSet>
-      <dgm:spPr/>
-    </dgm:pt>
-    <dgm:pt modelId="{1BB5FD64-47F9-47A3-911F-535BFE17A3B9}" type="pres">
-      <dgm:prSet presAssocID="{3DE6FF16-CA4D-4D34-ABEB-8BE6A40B5E52}" presName="Childtext1" presStyleLbl="revTx" presStyleIdx="3" presStyleCnt="5">
-        <dgm:presLayoutVars>
-          <dgm:bulletEnabled val="1"/>
-        </dgm:presLayoutVars>
-      </dgm:prSet>
-      <dgm:spPr/>
-    </dgm:pt>
-    <dgm:pt modelId="{FE9B27EB-7AC7-485A-9A55-41E8118F9EAF}" type="pres">
-      <dgm:prSet presAssocID="{3DE6FF16-CA4D-4D34-ABEB-8BE6A40B5E52}" presName="ConnectLine1" presStyleLbl="sibTrans1D1" presStyleIdx="3" presStyleCnt="5"/>
-      <dgm:spPr>
-        <a:noFill/>
-        <a:ln w="6350" cap="flat" cmpd="sng" algn="ctr">
-          <a:solidFill>
-            <a:schemeClr val="accent5">
-              <a:hueOff val="270005"/>
-              <a:satOff val="6519"/>
-              <a:lumOff val="-31471"/>
-              <a:alphaOff val="0"/>
-            </a:schemeClr>
-          </a:solidFill>
-          <a:prstDash val="dash"/>
-          <a:miter lim="800000"/>
-        </a:ln>
-        <a:effectLst/>
-      </dgm:spPr>
-    </dgm:pt>
-    <dgm:pt modelId="{46BD4721-4664-4AD0-9F11-DBE7E0B207D5}" type="pres">
-      <dgm:prSet presAssocID="{3DE6FF16-CA4D-4D34-ABEB-8BE6A40B5E52}" presName="ConnectLineEnd1" presStyleLbl="lnNode1" presStyleIdx="3" presStyleCnt="5"/>
-      <dgm:spPr/>
-    </dgm:pt>
-    <dgm:pt modelId="{69028BD0-349D-4B47-B1F4-B64C6478DE3C}" type="pres">
-      <dgm:prSet presAssocID="{3DE6FF16-CA4D-4D34-ABEB-8BE6A40B5E52}" presName="EmptyPane1" presStyleCnt="0"/>
-      <dgm:spPr/>
-    </dgm:pt>
-    <dgm:pt modelId="{619CFBB1-86F5-45A6-80BA-23F97450662F}" type="pres">
-      <dgm:prSet presAssocID="{986162A7-6F89-4679-B40E-33A17DA21B73}" presName="spaceBetweenRectangles1" presStyleCnt="0"/>
-      <dgm:spPr/>
-    </dgm:pt>
-    <dgm:pt modelId="{E4E0A96A-AF87-442A-A1A3-64B8F3CFC7FE}" type="pres">
-      <dgm:prSet presAssocID="{AC76BE15-3E8A-498B-91BD-CF772C26B6F1}" presName="composite1" presStyleCnt="0"/>
-      <dgm:spPr/>
-    </dgm:pt>
-    <dgm:pt modelId="{483E7832-9872-48C4-8E65-DCB39D4CDBDF}" type="pres">
-      <dgm:prSet presAssocID="{AC76BE15-3E8A-498B-91BD-CF772C26B6F1}" presName="parent1" presStyleLbl="alignNode1" presStyleIdx="4" presStyleCnt="5">
-        <dgm:presLayoutVars>
-          <dgm:chMax val="1"/>
-          <dgm:chPref val="1"/>
-          <dgm:bulletEnabled val="1"/>
-        </dgm:presLayoutVars>
-      </dgm:prSet>
-      <dgm:spPr/>
-    </dgm:pt>
-    <dgm:pt modelId="{1FA3C236-5719-4A33-A6BB-80FA85F940E3}" type="pres">
-      <dgm:prSet presAssocID="{AC76BE15-3E8A-498B-91BD-CF772C26B6F1}" presName="Childtext1" presStyleLbl="revTx" presStyleIdx="4" presStyleCnt="5">
-        <dgm:presLayoutVars>
-          <dgm:bulletEnabled val="1"/>
-        </dgm:presLayoutVars>
-      </dgm:prSet>
-      <dgm:spPr/>
-    </dgm:pt>
-    <dgm:pt modelId="{18F1C823-9ACD-4FCD-8102-F468DCE57A45}" type="pres">
-      <dgm:prSet presAssocID="{AC76BE15-3E8A-498B-91BD-CF772C26B6F1}" presName="ConnectLine1" presStyleLbl="sibTrans1D1" presStyleIdx="4" presStyleCnt="5"/>
-      <dgm:spPr>
-        <a:noFill/>
-        <a:ln w="6350" cap="flat" cmpd="sng" algn="ctr">
-          <a:solidFill>
-            <a:schemeClr val="accent5">
-              <a:hueOff val="360006"/>
-              <a:satOff val="8692"/>
-              <a:lumOff val="-41961"/>
-              <a:alphaOff val="0"/>
-            </a:schemeClr>
-          </a:solidFill>
-          <a:prstDash val="dash"/>
-          <a:miter lim="800000"/>
-        </a:ln>
-        <a:effectLst/>
-      </dgm:spPr>
-    </dgm:pt>
-    <dgm:pt modelId="{F8AD0AB8-BBDF-4F0A-A6A0-850E289DD521}" type="pres">
-      <dgm:prSet presAssocID="{AC76BE15-3E8A-498B-91BD-CF772C26B6F1}" presName="ConnectLineEnd1" presStyleLbl="lnNode1" presStyleIdx="4" presStyleCnt="5"/>
-      <dgm:spPr/>
-    </dgm:pt>
-    <dgm:pt modelId="{11CAE2E7-2E06-450A-A729-9C2DCEF85421}" type="pres">
-      <dgm:prSet presAssocID="{AC76BE15-3E8A-498B-91BD-CF772C26B6F1}" presName="EmptyPane1" presStyleCnt="0"/>
-      <dgm:spPr/>
-    </dgm:pt>
-  </dgm:ptLst>
-  <dgm:cxnLst>
-    <dgm:cxn modelId="{58AF9605-98E3-490C-9551-60E5D74419A2}" type="presOf" srcId="{3DE6FF16-CA4D-4D34-ABEB-8BE6A40B5E52}" destId="{74CD3FF2-195B-429B-BC6F-5B5A7FED2BE2}" srcOrd="0" destOrd="0" presId="urn:microsoft.com/office/officeart/2016/7/layout/RoundedRectangleTimeline"/>
-    <dgm:cxn modelId="{467F290A-9E2A-412E-AF06-428DAA68BEDD}" type="presOf" srcId="{E4033A39-DCC4-4038-9562-AEDDBBB37A99}" destId="{539615E2-3277-4D8E-8484-FF5088C8BF01}" srcOrd="0" destOrd="0" presId="urn:microsoft.com/office/officeart/2016/7/layout/RoundedRectangleTimeline"/>
-    <dgm:cxn modelId="{A2A50010-8F67-49E4-9B0A-E0F7FDA9656C}" type="presOf" srcId="{B54C8F6C-BE1E-4EAB-B7A0-48DE01FFAA36}" destId="{45A02F84-C6CB-43F5-AEE4-3EA66C2BD25F}" srcOrd="0" destOrd="0" presId="urn:microsoft.com/office/officeart/2016/7/layout/RoundedRectangleTimeline"/>
-    <dgm:cxn modelId="{92330C11-C197-4512-BDA4-8D8A69AF7D1C}" srcId="{E5B2E815-0D19-41DC-B01B-4D608769620A}" destId="{87BF7896-20EA-4E8F-B6F4-A34EC5C9CB50}" srcOrd="2" destOrd="0" parTransId="{05E47BA5-F724-4AEE-9B5B-401F18E028E6}" sibTransId="{D63CE73E-35DE-48C3-8753-7648BC953C0D}"/>
-    <dgm:cxn modelId="{D88F5139-A3BF-4F98-ABB0-AEE7243465CB}" type="presOf" srcId="{87BF7896-20EA-4E8F-B6F4-A34EC5C9CB50}" destId="{9D82041D-873A-4600-A9C7-C0A0ADFB138B}" srcOrd="0" destOrd="0" presId="urn:microsoft.com/office/officeart/2016/7/layout/RoundedRectangleTimeline"/>
-    <dgm:cxn modelId="{32EF2862-2950-4DF8-BEA8-CD19460CCA31}" srcId="{E5B2E815-0D19-41DC-B01B-4D608769620A}" destId="{E4033A39-DCC4-4038-9562-AEDDBBB37A99}" srcOrd="1" destOrd="0" parTransId="{048EEAE6-78BA-4B00-B7BB-9C22DBB1E8F4}" sibTransId="{80AB0E5B-0C58-465D-A545-5B21133D2849}"/>
-    <dgm:cxn modelId="{5E74CB62-E52E-4CEE-8AA1-9812BFC0D67E}" srcId="{E4033A39-DCC4-4038-9562-AEDDBBB37A99}" destId="{A4C0B4E4-70AD-4901-9E3F-7EA25DD6DAA1}" srcOrd="0" destOrd="0" parTransId="{701D9033-BAD3-4299-933F-A47AFDC2ECD0}" sibTransId="{657DB10D-2517-48AA-B970-6D815DBD4123}"/>
-    <dgm:cxn modelId="{4653A150-E557-4235-B1A1-18156274D965}" type="presOf" srcId="{4259F840-24E7-476F-9F30-482E46395856}" destId="{E088D226-49D7-4C30-90DC-CA1755D98829}" srcOrd="0" destOrd="0" presId="urn:microsoft.com/office/officeart/2016/7/layout/RoundedRectangleTimeline"/>
-    <dgm:cxn modelId="{E6B56652-B46A-4546-9536-64D675143F1B}" type="presOf" srcId="{A4C0B4E4-70AD-4901-9E3F-7EA25DD6DAA1}" destId="{FEBD3C2A-A340-470A-A475-AE614EA07678}" srcOrd="0" destOrd="0" presId="urn:microsoft.com/office/officeart/2016/7/layout/RoundedRectangleTimeline"/>
-    <dgm:cxn modelId="{D9403C73-FB83-47D6-85AE-067D49ED63F2}" srcId="{3DE6FF16-CA4D-4D34-ABEB-8BE6A40B5E52}" destId="{C032D242-8D23-4EEC-A10A-7B0691E5A409}" srcOrd="0" destOrd="0" parTransId="{167DA838-BF1F-42A4-81E8-806F40795A14}" sibTransId="{7EFA60CA-572D-434D-B452-A4ACBAEB4D2C}"/>
-    <dgm:cxn modelId="{140A4778-8248-44DE-B78A-23C578A77D7E}" srcId="{E5B2E815-0D19-41DC-B01B-4D608769620A}" destId="{AC76BE15-3E8A-498B-91BD-CF772C26B6F1}" srcOrd="4" destOrd="0" parTransId="{00CCB400-064A-4EF5-9806-9534D9AC69AD}" sibTransId="{662A3D6E-7238-444F-BC0B-C7A4321261DB}"/>
-    <dgm:cxn modelId="{020D505A-97FA-43DD-A9A1-2501AD46F8AF}" type="presOf" srcId="{43CBB0A2-9D75-4264-8A30-3E8974B40658}" destId="{80CDBBF8-C6B4-4166-87C1-DC9120CC7586}" srcOrd="0" destOrd="0" presId="urn:microsoft.com/office/officeart/2016/7/layout/RoundedRectangleTimeline"/>
-    <dgm:cxn modelId="{4D2DF581-8128-4440-9E51-29109DC6ED52}" srcId="{87BF7896-20EA-4E8F-B6F4-A34EC5C9CB50}" destId="{43CBB0A2-9D75-4264-8A30-3E8974B40658}" srcOrd="0" destOrd="0" parTransId="{F806E590-5F8E-48A1-96AC-9E738290D2ED}" sibTransId="{20F77EFB-335C-4BC3-AD95-8421EDF343E6}"/>
-    <dgm:cxn modelId="{67A67F8B-14DC-457C-93BE-25105825881F}" type="presOf" srcId="{AC76BE15-3E8A-498B-91BD-CF772C26B6F1}" destId="{483E7832-9872-48C4-8E65-DCB39D4CDBDF}" srcOrd="0" destOrd="0" presId="urn:microsoft.com/office/officeart/2016/7/layout/RoundedRectangleTimeline"/>
-    <dgm:cxn modelId="{C8CAF48F-322D-43C3-A68B-40DA904320AC}" type="presOf" srcId="{E5B2E815-0D19-41DC-B01B-4D608769620A}" destId="{196C9F68-3606-4282-A4C6-4485F1280B5F}" srcOrd="0" destOrd="0" presId="urn:microsoft.com/office/officeart/2016/7/layout/RoundedRectangleTimeline"/>
-    <dgm:cxn modelId="{19CF03A0-47BE-4ABD-A62C-A27E16D6C5A3}" srcId="{AC76BE15-3E8A-498B-91BD-CF772C26B6F1}" destId="{73820394-2159-4075-9E6F-217263B07F8B}" srcOrd="0" destOrd="0" parTransId="{A861A835-3A0D-4B09-8870-87D7FDC7B27F}" sibTransId="{D383A36B-470D-499F-AE13-85A6B2495524}"/>
-    <dgm:cxn modelId="{D473BBA6-FF54-423D-9B9B-875C8AA2545B}" type="presOf" srcId="{73820394-2159-4075-9E6F-217263B07F8B}" destId="{1FA3C236-5719-4A33-A6BB-80FA85F940E3}" srcOrd="0" destOrd="0" presId="urn:microsoft.com/office/officeart/2016/7/layout/RoundedRectangleTimeline"/>
-    <dgm:cxn modelId="{636DE8C5-F706-4BA5-855F-85FD2239E2BE}" srcId="{E5B2E815-0D19-41DC-B01B-4D608769620A}" destId="{3DE6FF16-CA4D-4D34-ABEB-8BE6A40B5E52}" srcOrd="3" destOrd="0" parTransId="{DA9CCCCB-8206-4757-82C8-F885E9D238B5}" sibTransId="{986162A7-6F89-4679-B40E-33A17DA21B73}"/>
-    <dgm:cxn modelId="{770CA1CC-3DDD-451E-AE83-A71CA570260C}" srcId="{4259F840-24E7-476F-9F30-482E46395856}" destId="{B54C8F6C-BE1E-4EAB-B7A0-48DE01FFAA36}" srcOrd="0" destOrd="0" parTransId="{8DE7CD45-B7C0-432E-B819-6A7D97E31315}" sibTransId="{C33B8BEF-A818-4A2F-A99A-E2B29895E184}"/>
-    <dgm:cxn modelId="{42EE41D1-3C16-4937-BB38-B076896C09A0}" srcId="{E5B2E815-0D19-41DC-B01B-4D608769620A}" destId="{4259F840-24E7-476F-9F30-482E46395856}" srcOrd="0" destOrd="0" parTransId="{FCE8068D-7E50-4749-A8D0-ADEDAC5637B3}" sibTransId="{DCC444A4-F20A-48F5-A61E-47BFFF185A57}"/>
-    <dgm:cxn modelId="{546179F7-5E1B-4360-8938-B9238DA6DE5D}" type="presOf" srcId="{C032D242-8D23-4EEC-A10A-7B0691E5A409}" destId="{1BB5FD64-47F9-47A3-911F-535BFE17A3B9}" srcOrd="0" destOrd="0" presId="urn:microsoft.com/office/officeart/2016/7/layout/RoundedRectangleTimeline"/>
-    <dgm:cxn modelId="{B5EA3CD6-0576-4168-82C9-9ADC0803B31E}" type="presParOf" srcId="{196C9F68-3606-4282-A4C6-4485F1280B5F}" destId="{68D8AC18-502F-4825-B069-75605ADB3A40}" srcOrd="0" destOrd="0" presId="urn:microsoft.com/office/officeart/2016/7/layout/RoundedRectangleTimeline"/>
-    <dgm:cxn modelId="{30A197C5-075F-4643-BF26-64BC9FAF532F}" type="presParOf" srcId="{68D8AC18-502F-4825-B069-75605ADB3A40}" destId="{E088D226-49D7-4C30-90DC-CA1755D98829}" srcOrd="0" destOrd="0" presId="urn:microsoft.com/office/officeart/2016/7/layout/RoundedRectangleTimeline"/>
-    <dgm:cxn modelId="{DBAA9861-CCB2-4B8A-A3AA-B305A4B5783E}" type="presParOf" srcId="{68D8AC18-502F-4825-B069-75605ADB3A40}" destId="{45A02F84-C6CB-43F5-AEE4-3EA66C2BD25F}" srcOrd="1" destOrd="0" presId="urn:microsoft.com/office/officeart/2016/7/layout/RoundedRectangleTimeline"/>
-    <dgm:cxn modelId="{3F249148-C6F7-40D3-8583-B11C276DE023}" type="presParOf" srcId="{68D8AC18-502F-4825-B069-75605ADB3A40}" destId="{6BA46904-CB7C-4538-BD49-D3891EF19552}" srcOrd="2" destOrd="0" presId="urn:microsoft.com/office/officeart/2016/7/layout/RoundedRectangleTimeline"/>
-    <dgm:cxn modelId="{337BF8D5-8206-4D0E-857F-BA46391BB745}" type="presParOf" srcId="{68D8AC18-502F-4825-B069-75605ADB3A40}" destId="{049FDBD0-77FE-49D1-A275-A272C8C5E426}" srcOrd="3" destOrd="0" presId="urn:microsoft.com/office/officeart/2016/7/layout/RoundedRectangleTimeline"/>
-    <dgm:cxn modelId="{8E042F31-23CC-40C0-92DC-707183B24E81}" type="presParOf" srcId="{68D8AC18-502F-4825-B069-75605ADB3A40}" destId="{CB26EA94-33BB-4F98-9E1E-2237D4831263}" srcOrd="4" destOrd="0" presId="urn:microsoft.com/office/officeart/2016/7/layout/RoundedRectangleTimeline"/>
-    <dgm:cxn modelId="{16926BC1-FC34-413E-B35A-2F54A781CCCD}" type="presParOf" srcId="{196C9F68-3606-4282-A4C6-4485F1280B5F}" destId="{606F1DBF-510E-4065-ACCB-3EBDA85CFB92}" srcOrd="1" destOrd="0" presId="urn:microsoft.com/office/officeart/2016/7/layout/RoundedRectangleTimeline"/>
-    <dgm:cxn modelId="{42F07C1F-C715-41B1-8356-B99F8CE1AC01}" type="presParOf" srcId="{196C9F68-3606-4282-A4C6-4485F1280B5F}" destId="{07989479-D1A2-4D15-AA3A-B0CFFB9F91D9}" srcOrd="2" destOrd="0" presId="urn:microsoft.com/office/officeart/2016/7/layout/RoundedRectangleTimeline"/>
-    <dgm:cxn modelId="{5856EE22-FE01-4788-BBF3-407A68D5A730}" type="presParOf" srcId="{07989479-D1A2-4D15-AA3A-B0CFFB9F91D9}" destId="{539615E2-3277-4D8E-8484-FF5088C8BF01}" srcOrd="0" destOrd="0" presId="urn:microsoft.com/office/officeart/2016/7/layout/RoundedRectangleTimeline"/>
-    <dgm:cxn modelId="{3004EE47-5347-4BBA-95CC-D947A73AE485}" type="presParOf" srcId="{07989479-D1A2-4D15-AA3A-B0CFFB9F91D9}" destId="{FEBD3C2A-A340-470A-A475-AE614EA07678}" srcOrd="1" destOrd="0" presId="urn:microsoft.com/office/officeart/2016/7/layout/RoundedRectangleTimeline"/>
-    <dgm:cxn modelId="{400A75AC-5289-4270-AC07-416891AF3888}" type="presParOf" srcId="{07989479-D1A2-4D15-AA3A-B0CFFB9F91D9}" destId="{080474C8-0FEA-4FD1-97F1-0978CFB4A37F}" srcOrd="2" destOrd="0" presId="urn:microsoft.com/office/officeart/2016/7/layout/RoundedRectangleTimeline"/>
-    <dgm:cxn modelId="{304EB087-DD14-4AA8-8A06-DF9485956226}" type="presParOf" srcId="{07989479-D1A2-4D15-AA3A-B0CFFB9F91D9}" destId="{4797FB61-2602-4A58-81E6-6F133DB1E419}" srcOrd="3" destOrd="0" presId="urn:microsoft.com/office/officeart/2016/7/layout/RoundedRectangleTimeline"/>
-    <dgm:cxn modelId="{BC4CC356-31E8-4421-B18C-CB3697E73FAC}" type="presParOf" srcId="{07989479-D1A2-4D15-AA3A-B0CFFB9F91D9}" destId="{3ADF0AE3-D759-4F4F-8135-572855211847}" srcOrd="4" destOrd="0" presId="urn:microsoft.com/office/officeart/2016/7/layout/RoundedRectangleTimeline"/>
-    <dgm:cxn modelId="{718BABD9-3B60-482F-B01A-2E414F152777}" type="presParOf" srcId="{196C9F68-3606-4282-A4C6-4485F1280B5F}" destId="{B0CD7A53-7149-45F2-83E8-36717D7878A1}" srcOrd="3" destOrd="0" presId="urn:microsoft.com/office/officeart/2016/7/layout/RoundedRectangleTimeline"/>
-    <dgm:cxn modelId="{FD435764-A46B-4635-A943-B6C17FFBD43C}" type="presParOf" srcId="{196C9F68-3606-4282-A4C6-4485F1280B5F}" destId="{FB379A6E-C0F9-420B-90FC-2785E757E6AE}" srcOrd="4" destOrd="0" presId="urn:microsoft.com/office/officeart/2016/7/layout/RoundedRectangleTimeline"/>
-    <dgm:cxn modelId="{03D7F2C3-849C-416B-B668-D51C46CA90E6}" type="presParOf" srcId="{FB379A6E-C0F9-420B-90FC-2785E757E6AE}" destId="{9D82041D-873A-4600-A9C7-C0A0ADFB138B}" srcOrd="0" destOrd="0" presId="urn:microsoft.com/office/officeart/2016/7/layout/RoundedRectangleTimeline"/>
-    <dgm:cxn modelId="{1DA536D0-EC28-4B9F-A5E9-28EC8F45638C}" type="presParOf" srcId="{FB379A6E-C0F9-420B-90FC-2785E757E6AE}" destId="{80CDBBF8-C6B4-4166-87C1-DC9120CC7586}" srcOrd="1" destOrd="0" presId="urn:microsoft.com/office/officeart/2016/7/layout/RoundedRectangleTimeline"/>
-    <dgm:cxn modelId="{A1A8842C-F8BC-40AC-8FFC-6A922D88E333}" type="presParOf" srcId="{FB379A6E-C0F9-420B-90FC-2785E757E6AE}" destId="{89759DE5-9F8A-470E-A6D8-F13BB4DEE93D}" srcOrd="2" destOrd="0" presId="urn:microsoft.com/office/officeart/2016/7/layout/RoundedRectangleTimeline"/>
-    <dgm:cxn modelId="{29E74E09-91C9-47DF-AE07-A1527FF00EB2}" type="presParOf" srcId="{FB379A6E-C0F9-420B-90FC-2785E757E6AE}" destId="{07CCF286-8B46-4A20-ACAC-84BA2D6EFBBC}" srcOrd="3" destOrd="0" presId="urn:microsoft.com/office/officeart/2016/7/layout/RoundedRectangleTimeline"/>
-    <dgm:cxn modelId="{410C15E7-86BA-42B7-8F67-411E34B11038}" type="presParOf" srcId="{FB379A6E-C0F9-420B-90FC-2785E757E6AE}" destId="{4624FC32-5405-42B1-B5CC-DF0659852A58}" srcOrd="4" destOrd="0" presId="urn:microsoft.com/office/officeart/2016/7/layout/RoundedRectangleTimeline"/>
-    <dgm:cxn modelId="{E805D201-407E-43CA-9B74-1CB556699F3D}" type="presParOf" srcId="{196C9F68-3606-4282-A4C6-4485F1280B5F}" destId="{8C327064-3851-4ECF-AAB7-82B51711041E}" srcOrd="5" destOrd="0" presId="urn:microsoft.com/office/officeart/2016/7/layout/RoundedRectangleTimeline"/>
-    <dgm:cxn modelId="{43BD8313-2385-4BA0-9145-2022434D3E68}" type="presParOf" srcId="{196C9F68-3606-4282-A4C6-4485F1280B5F}" destId="{3ADEA4DF-6814-494D-9D3D-41947417052B}" srcOrd="6" destOrd="0" presId="urn:microsoft.com/office/officeart/2016/7/layout/RoundedRectangleTimeline"/>
-    <dgm:cxn modelId="{77EE5245-99F9-4607-BF5D-14371704AD7C}" type="presParOf" srcId="{3ADEA4DF-6814-494D-9D3D-41947417052B}" destId="{74CD3FF2-195B-429B-BC6F-5B5A7FED2BE2}" srcOrd="0" destOrd="0" presId="urn:microsoft.com/office/officeart/2016/7/layout/RoundedRectangleTimeline"/>
-    <dgm:cxn modelId="{4182CE37-4E54-4351-9A5F-1904FF20E71C}" type="presParOf" srcId="{3ADEA4DF-6814-494D-9D3D-41947417052B}" destId="{1BB5FD64-47F9-47A3-911F-535BFE17A3B9}" srcOrd="1" destOrd="0" presId="urn:microsoft.com/office/officeart/2016/7/layout/RoundedRectangleTimeline"/>
-    <dgm:cxn modelId="{618B960F-61F5-4357-A407-60CA51E36041}" type="presParOf" srcId="{3ADEA4DF-6814-494D-9D3D-41947417052B}" destId="{FE9B27EB-7AC7-485A-9A55-41E8118F9EAF}" srcOrd="2" destOrd="0" presId="urn:microsoft.com/office/officeart/2016/7/layout/RoundedRectangleTimeline"/>
-    <dgm:cxn modelId="{181A4BE4-72AF-463E-880D-D34673D0F9E8}" type="presParOf" srcId="{3ADEA4DF-6814-494D-9D3D-41947417052B}" destId="{46BD4721-4664-4AD0-9F11-DBE7E0B207D5}" srcOrd="3" destOrd="0" presId="urn:microsoft.com/office/officeart/2016/7/layout/RoundedRectangleTimeline"/>
-    <dgm:cxn modelId="{AC4EA57A-E4C0-4C2D-8EC9-38BC20FC13B6}" type="presParOf" srcId="{3ADEA4DF-6814-494D-9D3D-41947417052B}" destId="{69028BD0-349D-4B47-B1F4-B64C6478DE3C}" srcOrd="4" destOrd="0" presId="urn:microsoft.com/office/officeart/2016/7/layout/RoundedRectangleTimeline"/>
-    <dgm:cxn modelId="{AA8AD3DD-2E80-42F5-B3E4-A5C7AF3802D4}" type="presParOf" srcId="{196C9F68-3606-4282-A4C6-4485F1280B5F}" destId="{619CFBB1-86F5-45A6-80BA-23F97450662F}" srcOrd="7" destOrd="0" presId="urn:microsoft.com/office/officeart/2016/7/layout/RoundedRectangleTimeline"/>
-    <dgm:cxn modelId="{FDD0F37D-1C7B-48B3-AC81-ED4C6F1B5BBD}" type="presParOf" srcId="{196C9F68-3606-4282-A4C6-4485F1280B5F}" destId="{E4E0A96A-AF87-442A-A1A3-64B8F3CFC7FE}" srcOrd="8" destOrd="0" presId="urn:microsoft.com/office/officeart/2016/7/layout/RoundedRectangleTimeline"/>
-    <dgm:cxn modelId="{CF303A04-9A48-4B41-A7BB-CC3D8C5695D3}" type="presParOf" srcId="{E4E0A96A-AF87-442A-A1A3-64B8F3CFC7FE}" destId="{483E7832-9872-48C4-8E65-DCB39D4CDBDF}" srcOrd="0" destOrd="0" presId="urn:microsoft.com/office/officeart/2016/7/layout/RoundedRectangleTimeline"/>
-    <dgm:cxn modelId="{73245F8D-03D3-46C1-81E4-D90E66C49907}" type="presParOf" srcId="{E4E0A96A-AF87-442A-A1A3-64B8F3CFC7FE}" destId="{1FA3C236-5719-4A33-A6BB-80FA85F940E3}" srcOrd="1" destOrd="0" presId="urn:microsoft.com/office/officeart/2016/7/layout/RoundedRectangleTimeline"/>
-    <dgm:cxn modelId="{412C5C97-3381-4F16-9B7D-FDFBEDD4E918}" type="presParOf" srcId="{E4E0A96A-AF87-442A-A1A3-64B8F3CFC7FE}" destId="{18F1C823-9ACD-4FCD-8102-F468DCE57A45}" srcOrd="2" destOrd="0" presId="urn:microsoft.com/office/officeart/2016/7/layout/RoundedRectangleTimeline"/>
-    <dgm:cxn modelId="{23A8F6FC-DFDA-4E9F-A354-A33937E1BFC9}" type="presParOf" srcId="{E4E0A96A-AF87-442A-A1A3-64B8F3CFC7FE}" destId="{F8AD0AB8-BBDF-4F0A-A6A0-850E289DD521}" srcOrd="3" destOrd="0" presId="urn:microsoft.com/office/officeart/2016/7/layout/RoundedRectangleTimeline"/>
-    <dgm:cxn modelId="{C02C06C2-0966-4212-84DD-DA325FCEF64C}" type="presParOf" srcId="{E4E0A96A-AF87-442A-A1A3-64B8F3CFC7FE}" destId="{11CAE2E7-2E06-450A-A729-9C2DCEF85421}" srcOrd="4" destOrd="0" presId="urn:microsoft.com/office/officeart/2016/7/layout/RoundedRectangleTimeline"/>
-  </dgm:cxnLst>
-  <dgm:bg/>
-  <dgm:whole/>
-  <dgm:extLst>
-    <a:ext uri="http://schemas.microsoft.com/office/drawing/2008/diagram">
-      <dsp:dataModelExt xmlns:dsp="http://schemas.microsoft.com/office/drawing/2008/diagram" relId="rId7" minVer="http://schemas.openxmlformats.org/drawingml/2006/diagram"/>
-    </a:ext>
-  </dgm:extLst>
-</dgm:dataModel>
-</file>
-
-<file path=ppt/diagrams/drawing1.xml><?xml version="1.0" encoding="utf-8"?>
-<dsp:drawing xmlns:dgm="http://schemas.openxmlformats.org/drawingml/2006/diagram" xmlns:dsp="http://schemas.microsoft.com/office/drawing/2008/diagram" xmlns:a="http://schemas.openxmlformats.org/drawingml/2006/main">
-  <dsp:spTree>
-    <dsp:nvGrpSpPr>
-      <dsp:cNvPr id="0" name=""/>
-      <dsp:cNvGrpSpPr/>
-    </dsp:nvGrpSpPr>
-    <dsp:grpSpPr/>
-    <dsp:sp modelId="{E088D226-49D7-4C30-90DC-CA1755D98829}">
-      <dsp:nvSpPr>
-        <dsp:cNvPr id="0" name=""/>
-        <dsp:cNvSpPr/>
-      </dsp:nvSpPr>
-      <dsp:spPr>
-        <a:xfrm rot="16200000">
-          <a:off x="1434223" y="1011950"/>
-          <a:ext cx="397986" cy="1955960"/>
-        </a:xfrm>
-        <a:prstGeom prst="round2SameRect">
-          <a:avLst/>
-        </a:prstGeom>
-        <a:solidFill>
-          <a:schemeClr val="accent5">
-            <a:hueOff val="0"/>
-            <a:satOff val="0"/>
-            <a:lumOff val="0"/>
-            <a:alphaOff val="0"/>
-          </a:schemeClr>
-        </a:solidFill>
-        <a:ln w="12700" cap="flat" cmpd="sng" algn="ctr">
-          <a:solidFill>
-            <a:schemeClr val="accent5">
-              <a:hueOff val="0"/>
-              <a:satOff val="0"/>
-              <a:lumOff val="0"/>
-              <a:alphaOff val="0"/>
-            </a:schemeClr>
-          </a:solidFill>
-          <a:prstDash val="solid"/>
-          <a:miter lim="800000"/>
-        </a:ln>
-        <a:effectLst/>
-      </dsp:spPr>
-      <dsp:style>
-        <a:lnRef idx="2">
-          <a:scrgbClr r="0" g="0" b="0"/>
-        </a:lnRef>
-        <a:fillRef idx="1">
-          <a:scrgbClr r="0" g="0" b="0"/>
-        </a:fillRef>
-        <a:effectRef idx="0">
-          <a:scrgbClr r="0" g="0" b="0"/>
-        </a:effectRef>
-        <a:fontRef idx="minor">
-          <a:schemeClr val="lt1"/>
-        </a:fontRef>
-      </dsp:style>
-      <dsp:txBody>
-        <a:bodyPr spcFirstLastPara="0" vert="horz" wrap="square" lIns="137160" tIns="137160" rIns="137160" bIns="137160" numCol="1" spcCol="1270" anchor="ctr" anchorCtr="1">
-          <a:noAutofit/>
-        </a:bodyPr>
-        <a:lstStyle/>
-        <a:p>
-          <a:pPr marL="0" lvl="0" indent="0" algn="ctr" defTabSz="800100">
-            <a:lnSpc>
-              <a:spcPct val="90000"/>
-            </a:lnSpc>
-            <a:spcBef>
-              <a:spcPct val="0"/>
-            </a:spcBef>
-            <a:spcAft>
-              <a:spcPct val="35000"/>
-            </a:spcAft>
-            <a:buNone/>
-          </a:pPr>
-          <a:r>
-            <a:rPr lang="en-US" sz="1800" kern="1200" dirty="0">
-              <a:latin typeface="+mn-lt"/>
-            </a:rPr>
-            <a:t>Title</a:t>
-          </a:r>
-        </a:p>
-      </dsp:txBody>
-      <dsp:txXfrm rot="5400000">
-        <a:off x="674664" y="1810365"/>
-        <a:ext cx="1936532" cy="359130"/>
-      </dsp:txXfrm>
-    </dsp:sp>
-    <dsp:sp modelId="{45A02F84-C6CB-43F5-AEE4-3EA66C2BD25F}">
-      <dsp:nvSpPr>
-        <dsp:cNvPr id="0" name=""/>
-        <dsp:cNvSpPr/>
-      </dsp:nvSpPr>
-      <dsp:spPr>
-        <a:xfrm>
-          <a:off x="3249" y="0"/>
-          <a:ext cx="3259934" cy="1392951"/>
-        </a:xfrm>
-        <a:prstGeom prst="rect">
-          <a:avLst/>
-        </a:prstGeom>
-        <a:noFill/>
-        <a:ln>
-          <a:noFill/>
-        </a:ln>
-        <a:effectLst/>
-      </dsp:spPr>
-      <dsp:style>
-        <a:lnRef idx="0">
-          <a:scrgbClr r="0" g="0" b="0"/>
-        </a:lnRef>
-        <a:fillRef idx="0">
-          <a:scrgbClr r="0" g="0" b="0"/>
-        </a:fillRef>
-        <a:effectRef idx="0">
-          <a:scrgbClr r="0" g="0" b="0"/>
-        </a:effectRef>
-        <a:fontRef idx="minor"/>
-      </dsp:style>
-      <dsp:txBody>
-        <a:bodyPr spcFirstLastPara="0" vert="horz" wrap="square" lIns="0" tIns="0" rIns="0" bIns="137160" numCol="1" spcCol="1270" anchor="b" anchorCtr="1">
-          <a:noAutofit/>
-        </a:bodyPr>
-        <a:lstStyle/>
-        <a:p>
-          <a:pPr marL="0" lvl="0" indent="0" algn="ctr" defTabSz="800100">
-            <a:lnSpc>
-              <a:spcPct val="90000"/>
-            </a:lnSpc>
-            <a:spcBef>
-              <a:spcPct val="0"/>
-            </a:spcBef>
-            <a:spcAft>
-              <a:spcPct val="35000"/>
-            </a:spcAft>
-            <a:buFont typeface="Symbol" panose="05050102010706020507" pitchFamily="18" charset="2"/>
-            <a:buNone/>
-          </a:pPr>
-          <a:r>
-            <a:rPr lang="en-US" sz="1800" kern="1200" dirty="0">
-              <a:latin typeface="+mn-lt"/>
-            </a:rPr>
-            <a:t>To start a presentation, go to the Slide Show tab, and select          From Beginning.</a:t>
-          </a:r>
-        </a:p>
-      </dsp:txBody>
-      <dsp:txXfrm>
-        <a:off x="3249" y="0"/>
-        <a:ext cx="3259934" cy="1392951"/>
-      </dsp:txXfrm>
-    </dsp:sp>
-    <dsp:sp modelId="{6BA46904-CB7C-4538-BD49-D3891EF19552}">
-      <dsp:nvSpPr>
-        <dsp:cNvPr id="0" name=""/>
-        <dsp:cNvSpPr/>
-      </dsp:nvSpPr>
-      <dsp:spPr>
-        <a:xfrm>
-          <a:off x="1633216" y="1472548"/>
-          <a:ext cx="0" cy="318388"/>
-        </a:xfrm>
-        <a:prstGeom prst="line">
-          <a:avLst/>
-        </a:prstGeom>
-        <a:noFill/>
-        <a:ln w="6350" cap="flat" cmpd="sng" algn="ctr">
-          <a:solidFill>
-            <a:schemeClr val="accent5">
-              <a:hueOff val="0"/>
-              <a:satOff val="0"/>
-              <a:lumOff val="0"/>
-              <a:alphaOff val="0"/>
-            </a:schemeClr>
-          </a:solidFill>
-          <a:prstDash val="dash"/>
-          <a:miter lim="800000"/>
-        </a:ln>
-        <a:effectLst/>
-      </dsp:spPr>
-      <dsp:style>
-        <a:lnRef idx="1">
-          <a:scrgbClr r="0" g="0" b="0"/>
-        </a:lnRef>
-        <a:fillRef idx="0">
-          <a:scrgbClr r="0" g="0" b="0"/>
-        </a:fillRef>
-        <a:effectRef idx="0">
-          <a:scrgbClr r="0" g="0" b="0"/>
-        </a:effectRef>
-        <a:fontRef idx="minor"/>
-      </dsp:style>
-    </dsp:sp>
-    <dsp:sp modelId="{049FDBD0-77FE-49D1-A275-A272C8C5E426}">
-      <dsp:nvSpPr>
-        <dsp:cNvPr id="0" name=""/>
-        <dsp:cNvSpPr/>
-      </dsp:nvSpPr>
-      <dsp:spPr>
-        <a:xfrm>
-          <a:off x="1593417" y="1392951"/>
-          <a:ext cx="79597" cy="79597"/>
-        </a:xfrm>
-        <a:prstGeom prst="ellipse">
-          <a:avLst/>
-        </a:prstGeom>
-        <a:solidFill>
-          <a:schemeClr val="accent5">
-            <a:hueOff val="0"/>
-            <a:satOff val="0"/>
-            <a:lumOff val="0"/>
-            <a:alphaOff val="0"/>
-          </a:schemeClr>
-        </a:solidFill>
-        <a:ln w="12700" cap="flat" cmpd="sng" algn="ctr">
-          <a:solidFill>
-            <a:schemeClr val="lt1">
-              <a:hueOff val="0"/>
-              <a:satOff val="0"/>
-              <a:lumOff val="0"/>
-              <a:alphaOff val="0"/>
-            </a:schemeClr>
-          </a:solidFill>
-          <a:prstDash val="solid"/>
-          <a:miter lim="800000"/>
-        </a:ln>
-        <a:effectLst/>
-      </dsp:spPr>
-      <dsp:style>
-        <a:lnRef idx="2">
-          <a:scrgbClr r="0" g="0" b="0"/>
-        </a:lnRef>
-        <a:fillRef idx="1">
-          <a:scrgbClr r="0" g="0" b="0"/>
-        </a:fillRef>
-        <a:effectRef idx="0">
-          <a:scrgbClr r="0" g="0" b="0"/>
-        </a:effectRef>
-        <a:fontRef idx="minor">
-          <a:schemeClr val="lt1"/>
-        </a:fontRef>
-      </dsp:style>
-    </dsp:sp>
-    <dsp:sp modelId="{539615E2-3277-4D8E-8484-FF5088C8BF01}">
-      <dsp:nvSpPr>
-        <dsp:cNvPr id="0" name=""/>
-        <dsp:cNvSpPr/>
-      </dsp:nvSpPr>
-      <dsp:spPr>
-        <a:xfrm>
-          <a:off x="2611196" y="1790937"/>
-          <a:ext cx="1955960" cy="397986"/>
-        </a:xfrm>
-        <a:prstGeom prst="rect">
-          <a:avLst/>
-        </a:prstGeom>
-        <a:solidFill>
-          <a:schemeClr val="accent5">
-            <a:hueOff val="90002"/>
-            <a:satOff val="2173"/>
-            <a:lumOff val="-10490"/>
-            <a:alphaOff val="0"/>
-          </a:schemeClr>
-        </a:solidFill>
-        <a:ln w="12700" cap="flat" cmpd="sng" algn="ctr">
-          <a:solidFill>
-            <a:schemeClr val="accent5">
-              <a:hueOff val="90002"/>
-              <a:satOff val="2173"/>
-              <a:lumOff val="-10490"/>
-              <a:alphaOff val="0"/>
-            </a:schemeClr>
-          </a:solidFill>
-          <a:prstDash val="solid"/>
-          <a:miter lim="800000"/>
-        </a:ln>
-        <a:effectLst/>
-      </dsp:spPr>
-      <dsp:style>
-        <a:lnRef idx="2">
-          <a:scrgbClr r="0" g="0" b="0"/>
-        </a:lnRef>
-        <a:fillRef idx="1">
-          <a:scrgbClr r="0" g="0" b="0"/>
-        </a:fillRef>
-        <a:effectRef idx="0">
-          <a:scrgbClr r="0" g="0" b="0"/>
-        </a:effectRef>
-        <a:fontRef idx="minor">
-          <a:schemeClr val="lt1"/>
-        </a:fontRef>
-      </dsp:style>
-      <dsp:txBody>
-        <a:bodyPr spcFirstLastPara="0" vert="horz" wrap="square" lIns="137160" tIns="137160" rIns="137160" bIns="137160" numCol="1" spcCol="1270" anchor="ctr" anchorCtr="1">
-          <a:noAutofit/>
-        </a:bodyPr>
-        <a:lstStyle/>
-        <a:p>
-          <a:pPr marL="0" lvl="0" indent="0" algn="ctr" defTabSz="800100">
-            <a:lnSpc>
-              <a:spcPct val="90000"/>
-            </a:lnSpc>
-            <a:spcBef>
-              <a:spcPct val="0"/>
-            </a:spcBef>
-            <a:spcAft>
-              <a:spcPct val="35000"/>
-            </a:spcAft>
-            <a:buNone/>
-          </a:pPr>
-          <a:r>
-            <a:rPr lang="en-US" sz="1800" kern="1200" dirty="0">
-              <a:latin typeface="+mn-lt"/>
-            </a:rPr>
-            <a:t>Title</a:t>
-          </a:r>
-        </a:p>
-      </dsp:txBody>
-      <dsp:txXfrm>
-        <a:off x="2611196" y="1790937"/>
-        <a:ext cx="1955960" cy="397986"/>
-      </dsp:txXfrm>
-    </dsp:sp>
-    <dsp:sp modelId="{FEBD3C2A-A340-470A-A475-AE614EA07678}">
-      <dsp:nvSpPr>
-        <dsp:cNvPr id="0" name=""/>
-        <dsp:cNvSpPr/>
-      </dsp:nvSpPr>
-      <dsp:spPr>
-        <a:xfrm>
-          <a:off x="1959209" y="2586910"/>
-          <a:ext cx="3259934" cy="1392951"/>
-        </a:xfrm>
-        <a:prstGeom prst="rect">
-          <a:avLst/>
-        </a:prstGeom>
-        <a:noFill/>
-        <a:ln>
-          <a:noFill/>
-        </a:ln>
-        <a:effectLst/>
-      </dsp:spPr>
-      <dsp:style>
-        <a:lnRef idx="0">
-          <a:scrgbClr r="0" g="0" b="0"/>
-        </a:lnRef>
-        <a:fillRef idx="0">
-          <a:scrgbClr r="0" g="0" b="0"/>
-        </a:fillRef>
-        <a:effectRef idx="0">
-          <a:scrgbClr r="0" g="0" b="0"/>
-        </a:effectRef>
-        <a:fontRef idx="minor"/>
-      </dsp:style>
-      <dsp:txBody>
-        <a:bodyPr spcFirstLastPara="0" vert="horz" wrap="square" lIns="0" tIns="137160" rIns="0" bIns="0" numCol="1" spcCol="1270" anchor="t" anchorCtr="1">
-          <a:noAutofit/>
-        </a:bodyPr>
-        <a:lstStyle/>
-        <a:p>
-          <a:pPr marL="0" lvl="0" indent="0" algn="ctr" defTabSz="800100">
-            <a:lnSpc>
-              <a:spcPct val="90000"/>
-            </a:lnSpc>
-            <a:spcBef>
-              <a:spcPct val="0"/>
-            </a:spcBef>
-            <a:spcAft>
-              <a:spcPct val="35000"/>
-            </a:spcAft>
-            <a:buFont typeface="Symbol" panose="05050102010706020507" pitchFamily="18" charset="2"/>
-            <a:buNone/>
-          </a:pPr>
-          <a:r>
-            <a:rPr lang="en-US" sz="1800" kern="1200" dirty="0">
-              <a:latin typeface="+mn-lt"/>
-            </a:rPr>
-            <a:t>To display Presenter view, in Slide Show view, on the control bar at the bottom left select the three dots, and then Show                 Presenter View.</a:t>
-          </a:r>
-        </a:p>
-      </dsp:txBody>
-      <dsp:txXfrm>
-        <a:off x="1959209" y="2586910"/>
-        <a:ext cx="3259934" cy="1392951"/>
-      </dsp:txXfrm>
-    </dsp:sp>
-    <dsp:sp modelId="{080474C8-0FEA-4FD1-97F1-0978CFB4A37F}">
-      <dsp:nvSpPr>
-        <dsp:cNvPr id="0" name=""/>
-        <dsp:cNvSpPr/>
-      </dsp:nvSpPr>
-      <dsp:spPr>
-        <a:xfrm>
-          <a:off x="3589176" y="2188924"/>
-          <a:ext cx="0" cy="318388"/>
-        </a:xfrm>
-        <a:prstGeom prst="line">
-          <a:avLst/>
-        </a:prstGeom>
-        <a:noFill/>
-        <a:ln w="6350" cap="flat" cmpd="sng" algn="ctr">
-          <a:solidFill>
-            <a:schemeClr val="accent5">
-              <a:hueOff val="90002"/>
-              <a:satOff val="2173"/>
-              <a:lumOff val="-10490"/>
-              <a:alphaOff val="0"/>
-            </a:schemeClr>
-          </a:solidFill>
-          <a:prstDash val="dash"/>
-          <a:miter lim="800000"/>
-        </a:ln>
-        <a:effectLst/>
-      </dsp:spPr>
-      <dsp:style>
-        <a:lnRef idx="1">
-          <a:scrgbClr r="0" g="0" b="0"/>
-        </a:lnRef>
-        <a:fillRef idx="0">
-          <a:scrgbClr r="0" g="0" b="0"/>
-        </a:fillRef>
-        <a:effectRef idx="0">
-          <a:scrgbClr r="0" g="0" b="0"/>
-        </a:effectRef>
-        <a:fontRef idx="minor"/>
-      </dsp:style>
-    </dsp:sp>
-    <dsp:sp modelId="{4797FB61-2602-4A58-81E6-6F133DB1E419}">
-      <dsp:nvSpPr>
-        <dsp:cNvPr id="0" name=""/>
-        <dsp:cNvSpPr/>
-      </dsp:nvSpPr>
-      <dsp:spPr>
-        <a:xfrm>
-          <a:off x="3549378" y="2507313"/>
-          <a:ext cx="79597" cy="79597"/>
-        </a:xfrm>
-        <a:prstGeom prst="ellipse">
-          <a:avLst/>
-        </a:prstGeom>
-        <a:solidFill>
-          <a:schemeClr val="accent5">
-            <a:hueOff val="90002"/>
-            <a:satOff val="2173"/>
-            <a:lumOff val="-10490"/>
-            <a:alphaOff val="0"/>
-          </a:schemeClr>
-        </a:solidFill>
-        <a:ln w="12700" cap="flat" cmpd="sng" algn="ctr">
-          <a:solidFill>
-            <a:schemeClr val="lt1">
-              <a:hueOff val="0"/>
-              <a:satOff val="0"/>
-              <a:lumOff val="0"/>
-              <a:alphaOff val="0"/>
-            </a:schemeClr>
-          </a:solidFill>
-          <a:prstDash val="solid"/>
-          <a:miter lim="800000"/>
-        </a:ln>
-        <a:effectLst/>
-      </dsp:spPr>
-      <dsp:style>
-        <a:lnRef idx="2">
-          <a:scrgbClr r="0" g="0" b="0"/>
-        </a:lnRef>
-        <a:fillRef idx="1">
-          <a:scrgbClr r="0" g="0" b="0"/>
-        </a:fillRef>
-        <a:effectRef idx="0">
-          <a:scrgbClr r="0" g="0" b="0"/>
-        </a:effectRef>
-        <a:fontRef idx="minor">
-          <a:schemeClr val="lt1"/>
-        </a:fontRef>
-      </dsp:style>
-    </dsp:sp>
-    <dsp:sp modelId="{9D82041D-873A-4600-A9C7-C0A0ADFB138B}">
-      <dsp:nvSpPr>
-        <dsp:cNvPr id="0" name=""/>
-        <dsp:cNvSpPr/>
-      </dsp:nvSpPr>
-      <dsp:spPr>
-        <a:xfrm>
-          <a:off x="4567157" y="1790937"/>
-          <a:ext cx="1955960" cy="397986"/>
-        </a:xfrm>
-        <a:prstGeom prst="rect">
-          <a:avLst/>
-        </a:prstGeom>
-        <a:solidFill>
-          <a:schemeClr val="accent5">
-            <a:hueOff val="180003"/>
-            <a:satOff val="4346"/>
-            <a:lumOff val="-20980"/>
-            <a:alphaOff val="0"/>
-          </a:schemeClr>
-        </a:solidFill>
-        <a:ln w="12700" cap="flat" cmpd="sng" algn="ctr">
-          <a:solidFill>
-            <a:schemeClr val="accent5">
-              <a:hueOff val="180003"/>
-              <a:satOff val="4346"/>
-              <a:lumOff val="-20980"/>
-              <a:alphaOff val="0"/>
-            </a:schemeClr>
-          </a:solidFill>
-          <a:prstDash val="solid"/>
-          <a:miter lim="800000"/>
-        </a:ln>
-        <a:effectLst/>
-      </dsp:spPr>
-      <dsp:style>
-        <a:lnRef idx="2">
-          <a:scrgbClr r="0" g="0" b="0"/>
-        </a:lnRef>
-        <a:fillRef idx="1">
-          <a:scrgbClr r="0" g="0" b="0"/>
-        </a:fillRef>
-        <a:effectRef idx="0">
-          <a:scrgbClr r="0" g="0" b="0"/>
-        </a:effectRef>
-        <a:fontRef idx="minor">
-          <a:schemeClr val="lt1"/>
-        </a:fontRef>
-      </dsp:style>
-      <dsp:txBody>
-        <a:bodyPr spcFirstLastPara="0" vert="horz" wrap="square" lIns="137160" tIns="137160" rIns="137160" bIns="137160" numCol="1" spcCol="1270" anchor="ctr" anchorCtr="1">
-          <a:noAutofit/>
-        </a:bodyPr>
-        <a:lstStyle/>
-        <a:p>
-          <a:pPr marL="0" lvl="0" indent="0" algn="ctr" defTabSz="800100">
-            <a:lnSpc>
-              <a:spcPct val="90000"/>
-            </a:lnSpc>
-            <a:spcBef>
-              <a:spcPct val="0"/>
-            </a:spcBef>
-            <a:spcAft>
-              <a:spcPct val="35000"/>
-            </a:spcAft>
-            <a:buNone/>
-          </a:pPr>
-          <a:r>
-            <a:rPr lang="en-US" sz="1800" kern="1200" dirty="0">
-              <a:latin typeface="+mn-lt"/>
-            </a:rPr>
-            <a:t>Title</a:t>
-          </a:r>
-        </a:p>
-      </dsp:txBody>
-      <dsp:txXfrm>
-        <a:off x="4567157" y="1790937"/>
-        <a:ext cx="1955960" cy="397986"/>
-      </dsp:txXfrm>
-    </dsp:sp>
-    <dsp:sp modelId="{80CDBBF8-C6B4-4166-87C1-DC9120CC7586}">
-      <dsp:nvSpPr>
-        <dsp:cNvPr id="0" name=""/>
-        <dsp:cNvSpPr/>
-      </dsp:nvSpPr>
-      <dsp:spPr>
-        <a:xfrm>
-          <a:off x="3915170" y="0"/>
-          <a:ext cx="3259934" cy="1392951"/>
-        </a:xfrm>
-        <a:prstGeom prst="rect">
-          <a:avLst/>
-        </a:prstGeom>
-        <a:noFill/>
-        <a:ln>
-          <a:noFill/>
-        </a:ln>
-        <a:effectLst/>
-      </dsp:spPr>
-      <dsp:style>
-        <a:lnRef idx="0">
-          <a:scrgbClr r="0" g="0" b="0"/>
-        </a:lnRef>
-        <a:fillRef idx="0">
-          <a:scrgbClr r="0" g="0" b="0"/>
-        </a:fillRef>
-        <a:effectRef idx="0">
-          <a:scrgbClr r="0" g="0" b="0"/>
-        </a:effectRef>
-        <a:fontRef idx="minor"/>
-      </dsp:style>
-      <dsp:txBody>
-        <a:bodyPr spcFirstLastPara="0" vert="horz" wrap="square" lIns="0" tIns="0" rIns="0" bIns="137160" numCol="1" spcCol="1270" anchor="b" anchorCtr="1">
-          <a:noAutofit/>
-        </a:bodyPr>
-        <a:lstStyle/>
-        <a:p>
-          <a:pPr marL="0" lvl="0" indent="0" algn="ctr" defTabSz="800100">
-            <a:lnSpc>
-              <a:spcPct val="90000"/>
-            </a:lnSpc>
-            <a:spcBef>
-              <a:spcPct val="0"/>
-            </a:spcBef>
-            <a:spcAft>
-              <a:spcPct val="35000"/>
-            </a:spcAft>
-            <a:buFont typeface="Symbol" panose="05050102010706020507" pitchFamily="18" charset="2"/>
-            <a:buNone/>
-          </a:pPr>
-          <a:r>
-            <a:rPr lang="en-US" sz="1800" kern="1200" dirty="0"/>
-            <a:t>During your presentation, the speaker notes are visible on your monitor, but aren't visible to      the audience.</a:t>
-          </a:r>
-          <a:endParaRPr lang="en-US" sz="1800" kern="1200" dirty="0">
-            <a:latin typeface="+mn-lt"/>
-          </a:endParaRPr>
-        </a:p>
-      </dsp:txBody>
-      <dsp:txXfrm>
-        <a:off x="3915170" y="0"/>
-        <a:ext cx="3259934" cy="1392951"/>
-      </dsp:txXfrm>
-    </dsp:sp>
-    <dsp:sp modelId="{89759DE5-9F8A-470E-A6D8-F13BB4DEE93D}">
-      <dsp:nvSpPr>
-        <dsp:cNvPr id="0" name=""/>
-        <dsp:cNvSpPr/>
-      </dsp:nvSpPr>
-      <dsp:spPr>
-        <a:xfrm>
-          <a:off x="5545137" y="1472548"/>
-          <a:ext cx="0" cy="318388"/>
-        </a:xfrm>
-        <a:prstGeom prst="line">
-          <a:avLst/>
-        </a:prstGeom>
-        <a:noFill/>
-        <a:ln w="6350" cap="flat" cmpd="sng" algn="ctr">
-          <a:solidFill>
-            <a:schemeClr val="accent5">
-              <a:hueOff val="180003"/>
-              <a:satOff val="4346"/>
-              <a:lumOff val="-20980"/>
-              <a:alphaOff val="0"/>
-            </a:schemeClr>
-          </a:solidFill>
-          <a:prstDash val="dash"/>
-          <a:miter lim="800000"/>
-        </a:ln>
-        <a:effectLst/>
-      </dsp:spPr>
-      <dsp:style>
-        <a:lnRef idx="1">
-          <a:scrgbClr r="0" g="0" b="0"/>
-        </a:lnRef>
-        <a:fillRef idx="0">
-          <a:scrgbClr r="0" g="0" b="0"/>
-        </a:fillRef>
-        <a:effectRef idx="0">
-          <a:scrgbClr r="0" g="0" b="0"/>
-        </a:effectRef>
-        <a:fontRef idx="minor"/>
-      </dsp:style>
-    </dsp:sp>
-    <dsp:sp modelId="{07CCF286-8B46-4A20-ACAC-84BA2D6EFBBC}">
-      <dsp:nvSpPr>
-        <dsp:cNvPr id="0" name=""/>
-        <dsp:cNvSpPr/>
-      </dsp:nvSpPr>
-      <dsp:spPr>
-        <a:xfrm>
-          <a:off x="5505338" y="1392951"/>
-          <a:ext cx="79597" cy="79597"/>
-        </a:xfrm>
-        <a:prstGeom prst="ellipse">
-          <a:avLst/>
-        </a:prstGeom>
-        <a:solidFill>
-          <a:schemeClr val="accent5">
-            <a:hueOff val="180003"/>
-            <a:satOff val="4346"/>
-            <a:lumOff val="-20980"/>
-            <a:alphaOff val="0"/>
-          </a:schemeClr>
-        </a:solidFill>
-        <a:ln w="12700" cap="flat" cmpd="sng" algn="ctr">
-          <a:solidFill>
-            <a:schemeClr val="lt1">
-              <a:hueOff val="0"/>
-              <a:satOff val="0"/>
-              <a:lumOff val="0"/>
-              <a:alphaOff val="0"/>
-            </a:schemeClr>
-          </a:solidFill>
-          <a:prstDash val="solid"/>
-          <a:miter lim="800000"/>
-        </a:ln>
-        <a:effectLst/>
-      </dsp:spPr>
-      <dsp:style>
-        <a:lnRef idx="2">
-          <a:scrgbClr r="0" g="0" b="0"/>
-        </a:lnRef>
-        <a:fillRef idx="1">
-          <a:scrgbClr r="0" g="0" b="0"/>
-        </a:fillRef>
-        <a:effectRef idx="0">
-          <a:scrgbClr r="0" g="0" b="0"/>
-        </a:effectRef>
-        <a:fontRef idx="minor">
-          <a:schemeClr val="lt1"/>
-        </a:fontRef>
-      </dsp:style>
-    </dsp:sp>
-    <dsp:sp modelId="{74CD3FF2-195B-429B-BC6F-5B5A7FED2BE2}">
-      <dsp:nvSpPr>
-        <dsp:cNvPr id="0" name=""/>
-        <dsp:cNvSpPr/>
-      </dsp:nvSpPr>
-      <dsp:spPr>
-        <a:xfrm>
-          <a:off x="6523117" y="1790937"/>
-          <a:ext cx="1955960" cy="397986"/>
-        </a:xfrm>
-        <a:prstGeom prst="rect">
-          <a:avLst/>
-        </a:prstGeom>
-        <a:solidFill>
-          <a:schemeClr val="accent5">
-            <a:hueOff val="270005"/>
-            <a:satOff val="6519"/>
-            <a:lumOff val="-31471"/>
-            <a:alphaOff val="0"/>
-          </a:schemeClr>
-        </a:solidFill>
-        <a:ln w="12700" cap="flat" cmpd="sng" algn="ctr">
-          <a:solidFill>
-            <a:schemeClr val="accent5">
-              <a:hueOff val="270005"/>
-              <a:satOff val="6519"/>
-              <a:lumOff val="-31471"/>
-              <a:alphaOff val="0"/>
-            </a:schemeClr>
-          </a:solidFill>
-          <a:prstDash val="solid"/>
-          <a:miter lim="800000"/>
-        </a:ln>
-        <a:effectLst/>
-      </dsp:spPr>
-      <dsp:style>
-        <a:lnRef idx="2">
-          <a:scrgbClr r="0" g="0" b="0"/>
-        </a:lnRef>
-        <a:fillRef idx="1">
-          <a:scrgbClr r="0" g="0" b="0"/>
-        </a:fillRef>
-        <a:effectRef idx="0">
-          <a:scrgbClr r="0" g="0" b="0"/>
-        </a:effectRef>
-        <a:fontRef idx="minor">
-          <a:schemeClr val="lt1"/>
-        </a:fontRef>
-      </dsp:style>
-      <dsp:txBody>
-        <a:bodyPr spcFirstLastPara="0" vert="horz" wrap="square" lIns="137160" tIns="137160" rIns="137160" bIns="137160" numCol="1" spcCol="1270" anchor="ctr" anchorCtr="1">
-          <a:noAutofit/>
-        </a:bodyPr>
-        <a:lstStyle/>
-        <a:p>
-          <a:pPr marL="0" lvl="0" indent="0" algn="ctr" defTabSz="800100">
-            <a:lnSpc>
-              <a:spcPct val="90000"/>
-            </a:lnSpc>
-            <a:spcBef>
-              <a:spcPct val="0"/>
-            </a:spcBef>
-            <a:spcAft>
-              <a:spcPct val="35000"/>
-            </a:spcAft>
-            <a:buFont typeface="Symbol" panose="05050102010706020507" pitchFamily="18" charset="2"/>
-            <a:buNone/>
-          </a:pPr>
-          <a:r>
-            <a:rPr lang="en-US" sz="1800" kern="1200" dirty="0">
-              <a:latin typeface="+mn-lt"/>
-            </a:rPr>
-            <a:t>Title</a:t>
-          </a:r>
-        </a:p>
-      </dsp:txBody>
-      <dsp:txXfrm>
-        <a:off x="6523117" y="1790937"/>
-        <a:ext cx="1955960" cy="397986"/>
-      </dsp:txXfrm>
-    </dsp:sp>
-    <dsp:sp modelId="{1BB5FD64-47F9-47A3-911F-535BFE17A3B9}">
-      <dsp:nvSpPr>
-        <dsp:cNvPr id="0" name=""/>
-        <dsp:cNvSpPr/>
-      </dsp:nvSpPr>
-      <dsp:spPr>
-        <a:xfrm>
-          <a:off x="5871130" y="2586910"/>
-          <a:ext cx="3259934" cy="1392951"/>
-        </a:xfrm>
-        <a:prstGeom prst="rect">
-          <a:avLst/>
-        </a:prstGeom>
-        <a:noFill/>
-        <a:ln>
-          <a:noFill/>
-        </a:ln>
-        <a:effectLst/>
-      </dsp:spPr>
-      <dsp:style>
-        <a:lnRef idx="0">
-          <a:scrgbClr r="0" g="0" b="0"/>
-        </a:lnRef>
-        <a:fillRef idx="0">
-          <a:scrgbClr r="0" g="0" b="0"/>
-        </a:fillRef>
-        <a:effectRef idx="0">
-          <a:scrgbClr r="0" g="0" b="0"/>
-        </a:effectRef>
-        <a:fontRef idx="minor"/>
-      </dsp:style>
-      <dsp:txBody>
-        <a:bodyPr spcFirstLastPara="0" vert="horz" wrap="square" lIns="0" tIns="137160" rIns="0" bIns="0" numCol="1" spcCol="1270" anchor="t" anchorCtr="1">
-          <a:noAutofit/>
-        </a:bodyPr>
-        <a:lstStyle/>
-        <a:p>
-          <a:pPr marL="0" lvl="0" indent="0" algn="ctr" defTabSz="800100">
-            <a:lnSpc>
-              <a:spcPct val="90000"/>
-            </a:lnSpc>
-            <a:spcBef>
-              <a:spcPct val="0"/>
-            </a:spcBef>
-            <a:spcAft>
-              <a:spcPct val="35000"/>
-            </a:spcAft>
-            <a:buFont typeface="Symbol" panose="05050102010706020507" pitchFamily="18" charset="2"/>
-            <a:buNone/>
-          </a:pPr>
-          <a:r>
-            <a:rPr lang="en-US" sz="1800" kern="1200" dirty="0"/>
-            <a:t>The Notes pane is a box that appears below each slide. Tap it to add notes.</a:t>
-          </a:r>
-          <a:endParaRPr lang="en-US" sz="1800" kern="1200" dirty="0">
-            <a:latin typeface="+mn-lt"/>
-          </a:endParaRPr>
-        </a:p>
-      </dsp:txBody>
-      <dsp:txXfrm>
-        <a:off x="5871130" y="2586910"/>
-        <a:ext cx="3259934" cy="1392951"/>
-      </dsp:txXfrm>
-    </dsp:sp>
-    <dsp:sp modelId="{FE9B27EB-7AC7-485A-9A55-41E8118F9EAF}">
-      <dsp:nvSpPr>
-        <dsp:cNvPr id="0" name=""/>
-        <dsp:cNvSpPr/>
-      </dsp:nvSpPr>
-      <dsp:spPr>
-        <a:xfrm>
-          <a:off x="7501098" y="2188924"/>
-          <a:ext cx="0" cy="318388"/>
-        </a:xfrm>
-        <a:prstGeom prst="line">
-          <a:avLst/>
-        </a:prstGeom>
-        <a:noFill/>
-        <a:ln w="6350" cap="flat" cmpd="sng" algn="ctr">
-          <a:solidFill>
-            <a:schemeClr val="accent5">
-              <a:hueOff val="270005"/>
-              <a:satOff val="6519"/>
-              <a:lumOff val="-31471"/>
-              <a:alphaOff val="0"/>
-            </a:schemeClr>
-          </a:solidFill>
-          <a:prstDash val="dash"/>
-          <a:miter lim="800000"/>
-        </a:ln>
-        <a:effectLst/>
-      </dsp:spPr>
-      <dsp:style>
-        <a:lnRef idx="1">
-          <a:scrgbClr r="0" g="0" b="0"/>
-        </a:lnRef>
-        <a:fillRef idx="0">
-          <a:scrgbClr r="0" g="0" b="0"/>
-        </a:fillRef>
-        <a:effectRef idx="0">
-          <a:scrgbClr r="0" g="0" b="0"/>
-        </a:effectRef>
-        <a:fontRef idx="minor"/>
-      </dsp:style>
-    </dsp:sp>
-    <dsp:sp modelId="{46BD4721-4664-4AD0-9F11-DBE7E0B207D5}">
-      <dsp:nvSpPr>
-        <dsp:cNvPr id="0" name=""/>
-        <dsp:cNvSpPr/>
-      </dsp:nvSpPr>
-      <dsp:spPr>
-        <a:xfrm>
-          <a:off x="7461299" y="2507313"/>
-          <a:ext cx="79597" cy="79597"/>
-        </a:xfrm>
-        <a:prstGeom prst="ellipse">
-          <a:avLst/>
-        </a:prstGeom>
-        <a:solidFill>
-          <a:schemeClr val="accent5">
-            <a:hueOff val="270005"/>
-            <a:satOff val="6519"/>
-            <a:lumOff val="-31471"/>
-            <a:alphaOff val="0"/>
-          </a:schemeClr>
-        </a:solidFill>
-        <a:ln w="12700" cap="flat" cmpd="sng" algn="ctr">
-          <a:solidFill>
-            <a:schemeClr val="lt1">
-              <a:hueOff val="0"/>
-              <a:satOff val="0"/>
-              <a:lumOff val="0"/>
-              <a:alphaOff val="0"/>
-            </a:schemeClr>
-          </a:solidFill>
-          <a:prstDash val="solid"/>
-          <a:miter lim="800000"/>
-        </a:ln>
-        <a:effectLst/>
-      </dsp:spPr>
-      <dsp:style>
-        <a:lnRef idx="2">
-          <a:scrgbClr r="0" g="0" b="0"/>
-        </a:lnRef>
-        <a:fillRef idx="1">
-          <a:scrgbClr r="0" g="0" b="0"/>
-        </a:fillRef>
-        <a:effectRef idx="0">
-          <a:scrgbClr r="0" g="0" b="0"/>
-        </a:effectRef>
-        <a:fontRef idx="minor">
-          <a:schemeClr val="lt1"/>
-        </a:fontRef>
-      </dsp:style>
-    </dsp:sp>
-    <dsp:sp modelId="{483E7832-9872-48C4-8E65-DCB39D4CDBDF}">
-      <dsp:nvSpPr>
-        <dsp:cNvPr id="0" name=""/>
-        <dsp:cNvSpPr/>
-      </dsp:nvSpPr>
-      <dsp:spPr>
-        <a:xfrm rot="5400000">
-          <a:off x="9258065" y="1011950"/>
-          <a:ext cx="397986" cy="1955960"/>
-        </a:xfrm>
-        <a:prstGeom prst="round2SameRect">
-          <a:avLst/>
-        </a:prstGeom>
-        <a:solidFill>
-          <a:schemeClr val="accent5">
-            <a:hueOff val="360006"/>
-            <a:satOff val="8692"/>
-            <a:lumOff val="-41961"/>
-            <a:alphaOff val="0"/>
-          </a:schemeClr>
-        </a:solidFill>
-        <a:ln w="12700" cap="flat" cmpd="sng" algn="ctr">
-          <a:solidFill>
-            <a:schemeClr val="accent5">
-              <a:hueOff val="360006"/>
-              <a:satOff val="8692"/>
-              <a:lumOff val="-41961"/>
-              <a:alphaOff val="0"/>
-            </a:schemeClr>
-          </a:solidFill>
-          <a:prstDash val="solid"/>
-          <a:miter lim="800000"/>
-        </a:ln>
-        <a:effectLst/>
-      </dsp:spPr>
-      <dsp:style>
-        <a:lnRef idx="2">
-          <a:scrgbClr r="0" g="0" b="0"/>
-        </a:lnRef>
-        <a:fillRef idx="1">
-          <a:scrgbClr r="0" g="0" b="0"/>
-        </a:fillRef>
-        <a:effectRef idx="0">
-          <a:scrgbClr r="0" g="0" b="0"/>
-        </a:effectRef>
-        <a:fontRef idx="minor">
-          <a:schemeClr val="lt1"/>
-        </a:fontRef>
-      </dsp:style>
-      <dsp:txBody>
-        <a:bodyPr spcFirstLastPara="0" vert="horz" wrap="square" lIns="137160" tIns="137160" rIns="137160" bIns="137160" numCol="1" spcCol="1270" anchor="ctr" anchorCtr="1">
-          <a:noAutofit/>
-        </a:bodyPr>
-        <a:lstStyle/>
-        <a:p>
-          <a:pPr marL="0" lvl="0" indent="0" algn="ctr" defTabSz="800100">
-            <a:lnSpc>
-              <a:spcPct val="90000"/>
-            </a:lnSpc>
-            <a:spcBef>
-              <a:spcPct val="0"/>
-            </a:spcBef>
-            <a:spcAft>
-              <a:spcPct val="35000"/>
-            </a:spcAft>
-            <a:buFont typeface="Symbol" panose="05050102010706020507" pitchFamily="18" charset="2"/>
-            <a:buNone/>
-          </a:pPr>
-          <a:r>
-            <a:rPr lang="en-US" sz="1800" kern="1200" dirty="0">
-              <a:latin typeface="+mn-lt"/>
-            </a:rPr>
-            <a:t>Title</a:t>
-          </a:r>
-        </a:p>
-      </dsp:txBody>
-      <dsp:txXfrm rot="-5400000">
-        <a:off x="8479078" y="1810365"/>
-        <a:ext cx="1936532" cy="359130"/>
-      </dsp:txXfrm>
-    </dsp:sp>
-    <dsp:sp modelId="{1FA3C236-5719-4A33-A6BB-80FA85F940E3}">
-      <dsp:nvSpPr>
-        <dsp:cNvPr id="0" name=""/>
-        <dsp:cNvSpPr/>
-      </dsp:nvSpPr>
-      <dsp:spPr>
-        <a:xfrm>
-          <a:off x="7827091" y="0"/>
-          <a:ext cx="3259934" cy="1392951"/>
-        </a:xfrm>
-        <a:prstGeom prst="rect">
-          <a:avLst/>
-        </a:prstGeom>
-        <a:noFill/>
-        <a:ln>
-          <a:noFill/>
-        </a:ln>
-        <a:effectLst/>
-      </dsp:spPr>
-      <dsp:style>
-        <a:lnRef idx="0">
-          <a:scrgbClr r="0" g="0" b="0"/>
-        </a:lnRef>
-        <a:fillRef idx="0">
-          <a:scrgbClr r="0" g="0" b="0"/>
-        </a:fillRef>
-        <a:effectRef idx="0">
-          <a:scrgbClr r="0" g="0" b="0"/>
-        </a:effectRef>
-        <a:fontRef idx="minor"/>
-      </dsp:style>
-      <dsp:txBody>
-        <a:bodyPr spcFirstLastPara="0" vert="horz" wrap="square" lIns="0" tIns="0" rIns="0" bIns="137160" numCol="1" spcCol="1270" anchor="b" anchorCtr="1">
-          <a:noAutofit/>
-        </a:bodyPr>
-        <a:lstStyle/>
-        <a:p>
-          <a:pPr marL="0" lvl="0" indent="0" algn="ctr" defTabSz="800100">
-            <a:lnSpc>
-              <a:spcPct val="90000"/>
-            </a:lnSpc>
-            <a:spcBef>
-              <a:spcPct val="0"/>
-            </a:spcBef>
-            <a:spcAft>
-              <a:spcPct val="35000"/>
-            </a:spcAft>
-            <a:buFont typeface="Symbol" panose="05050102010706020507" pitchFamily="18" charset="2"/>
-            <a:buNone/>
-          </a:pPr>
-          <a:r>
-            <a:rPr lang="en-US" sz="1800" kern="1200" dirty="0"/>
-            <a:t>If you don’t see the Notes pane or it is completely minimized, click Notes on the task bar across the bottom of the PowerPoint window.</a:t>
-          </a:r>
-          <a:endParaRPr lang="en-US" sz="1800" kern="1200" dirty="0">
-            <a:latin typeface="+mn-lt"/>
-          </a:endParaRPr>
-        </a:p>
-      </dsp:txBody>
-      <dsp:txXfrm>
-        <a:off x="7827091" y="0"/>
-        <a:ext cx="3259934" cy="1392951"/>
-      </dsp:txXfrm>
-    </dsp:sp>
-    <dsp:sp modelId="{18F1C823-9ACD-4FCD-8102-F468DCE57A45}">
-      <dsp:nvSpPr>
-        <dsp:cNvPr id="0" name=""/>
-        <dsp:cNvSpPr/>
-      </dsp:nvSpPr>
-      <dsp:spPr>
-        <a:xfrm>
-          <a:off x="9457058" y="1472548"/>
-          <a:ext cx="0" cy="318388"/>
-        </a:xfrm>
-        <a:prstGeom prst="line">
-          <a:avLst/>
-        </a:prstGeom>
-        <a:noFill/>
-        <a:ln w="6350" cap="flat" cmpd="sng" algn="ctr">
-          <a:solidFill>
-            <a:schemeClr val="accent5">
-              <a:hueOff val="360006"/>
-              <a:satOff val="8692"/>
-              <a:lumOff val="-41961"/>
-              <a:alphaOff val="0"/>
-            </a:schemeClr>
-          </a:solidFill>
-          <a:prstDash val="dash"/>
-          <a:miter lim="800000"/>
-        </a:ln>
-        <a:effectLst/>
-      </dsp:spPr>
-      <dsp:style>
-        <a:lnRef idx="1">
-          <a:scrgbClr r="0" g="0" b="0"/>
-        </a:lnRef>
-        <a:fillRef idx="0">
-          <a:scrgbClr r="0" g="0" b="0"/>
-        </a:fillRef>
-        <a:effectRef idx="0">
-          <a:scrgbClr r="0" g="0" b="0"/>
-        </a:effectRef>
-        <a:fontRef idx="minor"/>
-      </dsp:style>
-    </dsp:sp>
-    <dsp:sp modelId="{F8AD0AB8-BBDF-4F0A-A6A0-850E289DD521}">
-      <dsp:nvSpPr>
-        <dsp:cNvPr id="0" name=""/>
-        <dsp:cNvSpPr/>
-      </dsp:nvSpPr>
-      <dsp:spPr>
-        <a:xfrm>
-          <a:off x="9417260" y="1392951"/>
-          <a:ext cx="79597" cy="79597"/>
-        </a:xfrm>
-        <a:prstGeom prst="ellipse">
-          <a:avLst/>
-        </a:prstGeom>
-        <a:solidFill>
-          <a:schemeClr val="accent5">
-            <a:hueOff val="360006"/>
-            <a:satOff val="8692"/>
-            <a:lumOff val="-41961"/>
-            <a:alphaOff val="0"/>
-          </a:schemeClr>
-        </a:solidFill>
-        <a:ln w="12700" cap="flat" cmpd="sng" algn="ctr">
-          <a:solidFill>
-            <a:schemeClr val="lt1">
-              <a:hueOff val="0"/>
-              <a:satOff val="0"/>
-              <a:lumOff val="0"/>
-              <a:alphaOff val="0"/>
-            </a:schemeClr>
-          </a:solidFill>
-          <a:prstDash val="solid"/>
-          <a:miter lim="800000"/>
-        </a:ln>
-        <a:effectLst/>
-      </dsp:spPr>
-      <dsp:style>
-        <a:lnRef idx="2">
-          <a:scrgbClr r="0" g="0" b="0"/>
-        </a:lnRef>
-        <a:fillRef idx="1">
-          <a:scrgbClr r="0" g="0" b="0"/>
-        </a:fillRef>
-        <a:effectRef idx="0">
-          <a:scrgbClr r="0" g="0" b="0"/>
-        </a:effectRef>
-        <a:fontRef idx="minor">
-          <a:schemeClr val="lt1"/>
-        </a:fontRef>
-      </dsp:style>
-    </dsp:sp>
-  </dsp:spTree>
-</dsp:drawing>
-</file>
-
-<file path=ppt/diagrams/layout1.xml><?xml version="1.0" encoding="utf-8"?>
-<dgm:layoutDef xmlns:dgm="http://schemas.openxmlformats.org/drawingml/2006/diagram" xmlns:a="http://schemas.openxmlformats.org/drawingml/2006/main" uniqueId="urn:microsoft.com/office/officeart/2016/7/layout/RoundedRectangleTimeline">
-  <dgm:title val="Rounded Rectangle Timeline"/>
-  <dgm:desc val="Use to show a list of events in chronological order. An invisible box contains the description while the date is shown in rectangles, except for the first and last node where the corners of the rectangle are rounded. It can display large amount of text and long descriptive date format."/>
-  <dgm:catLst>
-    <dgm:cat type="timeline" pri="500"/>
-    <dgm:cat type="process" pri="600"/>
-  </dgm:catLst>
-  <dgm:sampData>
-    <dgm:dataModel>
-      <dgm:ptLst>
-        <dgm:pt modelId="0" type="doc"/>
-        <dgm:pt modelId="10">
-          <dgm:prSet phldr="1"/>
-        </dgm:pt>
-        <dgm:pt modelId="11">
-          <dgm:prSet phldr="1"/>
-        </dgm:pt>
-        <dgm:pt modelId="20">
-          <dgm:prSet phldr="1"/>
-        </dgm:pt>
-        <dgm:pt modelId="21">
-          <dgm:prSet phldr="1"/>
-        </dgm:pt>
-        <dgm:pt modelId="30">
-          <dgm:prSet phldr="1"/>
-        </dgm:pt>
-        <dgm:pt modelId="31">
-          <dgm:prSet phldr="1"/>
-        </dgm:pt>
-      </dgm:ptLst>
-      <dgm:cxnLst>
-        <dgm:cxn modelId="40" srcId="0" destId="10" srcOrd="0" destOrd="0"/>
-        <dgm:cxn modelId="12" srcId="10" destId="11" srcOrd="0" destOrd="0"/>
-        <dgm:cxn modelId="50" srcId="0" destId="20" srcOrd="1" destOrd="0"/>
-        <dgm:cxn modelId="22" srcId="20" destId="21" srcOrd="0" destOrd="0"/>
-        <dgm:cxn modelId="60" srcId="0" destId="30" srcOrd="1" destOrd="0"/>
-        <dgm:cxn modelId="32" srcId="30" destId="31" srcOrd="0" destOrd="0"/>
-      </dgm:cxnLst>
-      <dgm:bg/>
-      <dgm:whole/>
-    </dgm:dataModel>
-  </dgm:sampData>
-  <dgm:styleData>
-    <dgm:dataModel>
-      <dgm:ptLst>
-        <dgm:pt modelId="0" type="doc"/>
-        <dgm:pt modelId="10">
-          <dgm:prSet phldr="1"/>
-        </dgm:pt>
-        <dgm:pt modelId="20">
-          <dgm:prSet phldr="1"/>
-        </dgm:pt>
-      </dgm:ptLst>
-      <dgm:cxnLst>
-        <dgm:cxn modelId="60" srcId="0" destId="10" srcOrd="0" destOrd="0"/>
-        <dgm:cxn modelId="70" srcId="0" destId="20" srcOrd="1" destOrd="0"/>
-      </dgm:cxnLst>
-      <dgm:bg/>
-      <dgm:whole/>
-    </dgm:dataModel>
-  </dgm:styleData>
-  <dgm:clrData>
-    <dgm:dataModel>
-      <dgm:ptLst>
-        <dgm:pt modelId="0" type="doc"/>
-        <dgm:pt modelId="10">
-          <dgm:prSet phldr="1"/>
-        </dgm:pt>
-        <dgm:pt modelId="20">
-          <dgm:prSet phldr="1"/>
-        </dgm:pt>
-        <dgm:pt modelId="30">
-          <dgm:prSet phldr="1"/>
-        </dgm:pt>
-        <dgm:pt modelId="40">
-          <dgm:prSet phldr="1"/>
-        </dgm:pt>
-      </dgm:ptLst>
-      <dgm:cxnLst>
-        <dgm:cxn modelId="60" srcId="0" destId="10" srcOrd="0" destOrd="0"/>
-        <dgm:cxn modelId="70" srcId="0" destId="20" srcOrd="1" destOrd="0"/>
-        <dgm:cxn modelId="80" srcId="0" destId="30" srcOrd="2" destOrd="0"/>
-        <dgm:cxn modelId="90" srcId="0" destId="40" srcOrd="3" destOrd="0"/>
-      </dgm:cxnLst>
-      <dgm:bg/>
-      <dgm:whole/>
-    </dgm:dataModel>
-  </dgm:clrData>
-  <dgm:layoutNode name="Name0">
-    <dgm:varLst>
-      <dgm:chMax/>
-      <dgm:chPref/>
-      <dgm:animLvl val="lvl"/>
-    </dgm:varLst>
-    <dgm:choose name="Name1">
-      <dgm:if name="Name2" func="var" arg="dir" op="equ" val="norm">
-        <dgm:alg type="lin"/>
-      </dgm:if>
-      <dgm:else name="Name3">
-        <dgm:alg type="lin">
-          <dgm:param type="linDir" val="fromR"/>
-        </dgm:alg>
-      </dgm:else>
-    </dgm:choose>
-    <dgm:shape xmlns:r="http://schemas.openxmlformats.org/officeDocument/2006/relationships" r:blip="">
-      <dgm:adjLst/>
-    </dgm:shape>
-    <dgm:constrLst>
-      <dgm:constr type="primFontSz" for="des" forName="parent" val="18"/>
-      <dgm:constr type="primFontSz" for="des" forName="Childtext" val="18"/>
-      <dgm:constr type="primFontSz" for="des" forName="Childtext" refType="primFontSz" refFor="des" refForName="parent" op="lte"/>
-      <dgm:constr type="w" for="ch" forName="composite" refType="w"/>
-      <dgm:constr type="h" for="ch" forName="composite" refType="h"/>
-      <dgm:constr type="w" for="ch" forName="spaceBetweenRectangles" refType="w" refFor="ch" refForName="composite" fact="-0.4"/>
-      <dgm:constr type="w" for="ch" ptType="sibTrans" op="equ"/>
-      <dgm:constr type="primFontSz" for="des" forName="parent" op="equ"/>
-      <dgm:constr type="primFontSz" for="des" forName="Childtext" op="equ"/>
-      <dgm:constr type="primFontSz" for="des" forName="parent1" val="18"/>
-      <dgm:constr type="primFontSz" for="des" forName="Childtext1" val="18"/>
-      <dgm:constr type="primFontSz" for="des" forName="Childtext1" refType="primFontSz" refFor="des" refForName="parent1" op="lte"/>
-      <dgm:constr type="w" for="ch" forName="composite1" refType="w"/>
-      <dgm:constr type="h" for="ch" forName="composite1" refType="h"/>
-      <dgm:constr type="w" for="ch" forName="spaceBetweenRectangles1" refType="w" refFor="ch" refForName="composite1" fact="-0.4"/>
-      <dgm:constr type="primFontSz" for="des" forName="parent1" op="equ"/>
-      <dgm:constr type="primFontSz" for="des" forName="Childtext1" op="equ"/>
-    </dgm:constrLst>
-    <dgm:choose name="layoutByNodeCnt">
-      <dgm:if name="twoOrLessNodes" axis="ch" ptType="node" func="cnt" op="lte" val="2">
-        <dgm:forEach name="nodesForEach" axis="ch" ptType="node">
-          <dgm:layoutNode name="composite">
-            <dgm:alg type="composite"/>
-            <dgm:shape xmlns:r="http://schemas.openxmlformats.org/officeDocument/2006/relationships" r:blip="">
-              <dgm:adjLst/>
-            </dgm:shape>
-            <dgm:choose name="casesForFirstAndLastNode1">
-              <dgm:if name="startNode1" axis="self" ptType="node" func="pos" op="equ" val="1">
-                <dgm:choose name="removeLineWhenOnlyOneNode1">
-                  <dgm:if name="ifOnlyOneNode1" axis="followSib" ptType="node" func="cnt" op="equ" val="0">
-                    <dgm:constrLst>
-                      <dgm:constr type="w" for="ch" forName="parent" refType="w" fact="0.95"/>
-                      <dgm:constr type="l" for="ch" forName="parent" refType="w" fact="0.025"/>
-                      <dgm:constr type="t" for="ch" forName="parent" refType="h" fact="0.45"/>
-                      <dgm:constr type="h" for="ch" forName="parent" refType="h" fact="0.1"/>
-                      <dgm:constr type="l" for="ch" forName="Childtext" refType="w" fact="0.025"/>
-                      <dgm:constr type="w" for="ch" forName="Childtext" refType="w" fact="0.95"/>
-                      <dgm:constr type="h" for="ch" forName="Childtext" refType="h" fact="0.35"/>
-                      <dgm:constr type="w" for="ch" forName="ConnectLine"/>
-                      <dgm:constr type="h" for="ch" forName="ConnectLine" refType="h" fact="0.08"/>
-                      <dgm:constr type="t" for="ch" forName="ConnectLine" refType="h" fact="0.37"/>
-                      <dgm:constr type="ctrX" for="ch" forName="ConnectLine" refType="w" fact="0.5"/>
-                      <dgm:constr type="w" for="ch" forName="ConnectLineEnd" refType="h" fact="0.02"/>
-                      <dgm:constr type="h" for="ch" forName="ConnectLineEnd" refType="h" fact="0.02"/>
-                      <dgm:constr type="t" for="ch" forName="ConnectLineEnd" refType="h" fact="0.35"/>
-                      <dgm:constr type="ctrX" for="ch" forName="ConnectLineEnd" refType="w" fact="0.5"/>
-                      <dgm:constr type="w" for="ch" forName="EmptyPane" refType="w"/>
-                      <dgm:constr type="t" for="ch" forName="EmptyPane" refType="h" fact="0.55"/>
-                      <dgm:constr type="h" for="ch" forName="EmptyPane" refType="h" fact="0.45"/>
-                    </dgm:constrLst>
-                  </dgm:if>
-                  <dgm:else name="ifMoreThanOneNode1">
-                    <dgm:constrLst>
-                      <dgm:constr type="w" for="ch" forName="parent" refType="w" fact="0.6"/>
-                      <dgm:constr type="l" for="ch" forName="parent" refType="w" fact="0.2"/>
-                      <dgm:constr type="t" for="ch" forName="parent" refType="h" fact="0.45"/>
-                      <dgm:constr type="h" for="ch" forName="parent" refType="h" fact="0.1"/>
-                      <dgm:constr type="l" for="ch" forName="Childtext" refType="w" fact="0.2"/>
-                      <dgm:constr type="w" for="ch" forName="Childtext" refType="w" fact="0.6"/>
-                      <dgm:constr type="h" for="ch" forName="Childtext" refType="h" fact="0.35"/>
-                      <dgm:constr type="w" for="ch" forName="ConnectLine"/>
-                      <dgm:constr type="h" for="ch" forName="ConnectLine" refType="h" fact="0.08"/>
-                      <dgm:constr type="t" for="ch" forName="ConnectLine" refType="h" fact="0.37"/>
-                      <dgm:constr type="ctrX" for="ch" forName="ConnectLine" refType="w" fact="0.5"/>
-                      <dgm:constr type="w" for="ch" forName="ConnectLineEnd" refType="h" fact="0.02"/>
-                      <dgm:constr type="h" for="ch" forName="ConnectLineEnd" refType="h" fact="0.02"/>
-                      <dgm:constr type="t" for="ch" forName="ConnectLineEnd" refType="h" fact="0.35"/>
-                      <dgm:constr type="ctrX" for="ch" forName="ConnectLineEnd" refType="w" fact="0.5"/>
-                      <dgm:constr type="w" for="ch" forName="EmptyPane" refType="w"/>
-                      <dgm:constr type="t" for="ch" forName="EmptyPane" refType="h" fact="0.55"/>
-                      <dgm:constr type="h" for="ch" forName="EmptyPane" refType="h" fact="0.45"/>
-                    </dgm:constrLst>
-                  </dgm:else>
-                </dgm:choose>
-              </dgm:if>
-              <dgm:else name="notStartNode1">
-                <dgm:constrLst>
-                  <dgm:constr type="w" for="ch" forName="parent" refType="w" fact="0.6"/>
-                  <dgm:constr type="l" for="ch" forName="parent" refType="w" fact="0.2"/>
-                  <dgm:constr type="t" for="ch" forName="parent" refType="h" fact="0.45"/>
-                  <dgm:constr type="h" for="ch" forName="parent" refType="h" fact="0.1"/>
-                  <dgm:constr type="l" for="ch" forName="Childtext" refType="w" fact="0.2"/>
-                  <dgm:constr type="w" for="ch" forName="Childtext" refType="w" fact="0.6"/>
-                  <dgm:constr type="h" for="ch" forName="Childtext" refType="h" fact="0.35"/>
-                  <dgm:constr type="t" for="ch" forName="Childtext" refType="h" fact="0.65"/>
-                  <dgm:constr type="w" for="ch" forName="ConnectLine"/>
-                  <dgm:constr type="h" for="ch" forName="ConnectLine" refType="h" fact="0.08"/>
-                  <dgm:constr type="t" for="ch" forName="ConnectLine" refType="h" fact="0.55"/>
-                  <dgm:constr type="ctrX" for="ch" forName="ConnectLine" refType="w" fact="0.5"/>
-                  <dgm:constr type="w" for="ch" forName="ConnectLineEnd" refType="h" fact="0.02"/>
-                  <dgm:constr type="h" for="ch" forName="ConnectLineEnd" refType="h" fact="0.02"/>
-                  <dgm:constr type="b" for="ch" forName="ConnectLineEnd" refType="h" fact="0.65"/>
-                  <dgm:constr type="ctrX" for="ch" forName="ConnectLineEnd" refType="w" fact="0.5"/>
-                  <dgm:constr type="w" for="ch" forName="EmptyPane" refType="w"/>
-                  <dgm:constr type="h" for="ch" forName="EmptyPane" refType="h" fact="0.45"/>
-                </dgm:constrLst>
-              </dgm:else>
-            </dgm:choose>
-            <dgm:layoutNode name="parent" styleLbl="alignNode1">
-              <dgm:varLst>
-                <dgm:chMax val="1"/>
-                <dgm:chPref val="1"/>
-                <dgm:bulletEnabled val="1"/>
-              </dgm:varLst>
-              <dgm:alg type="tx">
-                <dgm:param type="txAnchorHorz" val="ctr"/>
-                <dgm:param type="txAnchorVert" val="mid"/>
-                <dgm:param type="parTxLTRAlign" val="ctr"/>
-                <dgm:param type="parTxRTLAlign" val="ctr"/>
-              </dgm:alg>
-              <dgm:choose name="casesForFirstAndLastNode">
-                <dgm:if name="startNode" axis="self" ptType="node" func="pos" op="equ" val="1">
-                  <dgm:choose name="removeLineWhenOnlyOneNode">
-                    <dgm:if name="ifOnlyOneNode" axis="followSib" ptType="node" func="cnt" op="equ" val="0">
-                      <dgm:shape xmlns:r="http://schemas.openxmlformats.org/officeDocument/2006/relationships" type="roundRect" r:blip="">
-                        <dgm:adjLst/>
-                      </dgm:shape>
-                    </dgm:if>
-                    <dgm:else name="ifMoreThanOneNode">
-                      <dgm:choose name="Name18">
-                        <dgm:if name="Name19" func="var" arg="dir" op="equ" val="norm">
-                          <dgm:shape xmlns:r="http://schemas.openxmlformats.org/officeDocument/2006/relationships" rot="-90" type="round2SameRect" r:blip="">
-                            <dgm:adjLst/>
-                          </dgm:shape>
-                        </dgm:if>
-                        <dgm:else name="Name20">
-                          <dgm:shape xmlns:r="http://schemas.openxmlformats.org/officeDocument/2006/relationships" rot="90" type="round2SameRect" r:blip="">
-                            <dgm:adjLst/>
-                          </dgm:shape>
-                        </dgm:else>
-                      </dgm:choose>
-                    </dgm:else>
-                  </dgm:choose>
-                </dgm:if>
-                <dgm:else name="notStartNode">
-                  <dgm:choose name="Name22">
-                    <dgm:if name="Name23" axis="self" ptType="node" func="revPos" op="equ" val="1">
-                      <dgm:choose name="Name24">
-                        <dgm:if name="Name25" func="var" arg="dir" op="equ" val="norm">
-                          <dgm:shape xmlns:r="http://schemas.openxmlformats.org/officeDocument/2006/relationships" rot="90" type="round2SameRect" r:blip="">
-                            <dgm:adjLst/>
-                          </dgm:shape>
-                        </dgm:if>
-                        <dgm:else name="Name26">
-                          <dgm:shape xmlns:r="http://schemas.openxmlformats.org/officeDocument/2006/relationships" rot="-90" type="round2SameRect" r:blip="">
-                            <dgm:adjLst/>
-                          </dgm:shape>
-                        </dgm:else>
-                      </dgm:choose>
-                    </dgm:if>
-                    <dgm:else name="Name27">
-                      <dgm:shape xmlns:r="http://schemas.openxmlformats.org/officeDocument/2006/relationships" type="rect" r:blip="">
-                        <dgm:adjLst/>
-                      </dgm:shape>
-                    </dgm:else>
-                  </dgm:choose>
-                </dgm:else>
-              </dgm:choose>
-              <dgm:presOf axis="self" ptType="node"/>
-              <dgm:constrLst>
-                <dgm:constr type="lMarg" refType="primFontSz" fact="0.6"/>
-                <dgm:constr type="rMarg" refType="primFontSz" fact="0.6"/>
-                <dgm:constr type="tMarg" refType="primFontSz" fact="0.6"/>
-                <dgm:constr type="bMarg" refType="primFontSz" fact="0.6"/>
-              </dgm:constrLst>
-              <dgm:ruleLst>
-                <dgm:rule type="primFontSz" val="11" fact="NaN" max="NaN"/>
-              </dgm:ruleLst>
-            </dgm:layoutNode>
-            <dgm:layoutNode name="Childtext" styleLbl="revTx">
-              <dgm:varLst>
-                <dgm:bulletEnabled val="1"/>
-              </dgm:varLst>
-              <dgm:choose name="casesForTxtDirLogic">
-                <dgm:if name="Name77" axis="self" ptType="node" func="posOdd" op="equ" val="1">
-                  <dgm:alg type="tx">
-                    <dgm:param type="txAnchorVert" val="b"/>
-                    <dgm:param type="txAnchorHorz" val="ctr"/>
-                    <dgm:param type="parTxLTRAlign" val="ctr"/>
-                    <dgm:param type="parTxRTLAlign" val="ctr"/>
-                  </dgm:alg>
-                  <dgm:constrLst>
-                    <dgm:constr type="lMarg"/>
-                    <dgm:constr type="rMarg"/>
-                    <dgm:constr type="tMarg"/>
-                    <dgm:constr type="bMarg" refType="primFontSz" fact="0.6"/>
-                  </dgm:constrLst>
-                </dgm:if>
-                <dgm:else name="Name88">
-                  <dgm:alg type="tx">
-                    <dgm:param type="txAnchorVert" val="t"/>
-                    <dgm:param type="txAnchorHorz" val="ctr"/>
-                    <dgm:param type="parTxLTRAlign" val="ctr"/>
-                    <dgm:param type="parTxRTLAlign" val="ctr"/>
-                  </dgm:alg>
-                  <dgm:constrLst>
-                    <dgm:constr type="lMarg"/>
-                    <dgm:constr type="rMarg"/>
-                    <dgm:constr type="tMarg" refType="primFontSz" fact="0.6"/>
-                    <dgm:constr type="bMarg"/>
-                  </dgm:constrLst>
-                </dgm:else>
-              </dgm:choose>
-              <dgm:shape xmlns:r="http://schemas.openxmlformats.org/officeDocument/2006/relationships" type="rect" r:blip="">
-                <dgm:adjLst/>
-              </dgm:shape>
-              <dgm:presOf axis="ch" ptType="node"/>
-              <dgm:ruleLst>
-                <dgm:rule type="primFontSz" val="11" fact="NaN" max="NaN"/>
-              </dgm:ruleLst>
-            </dgm:layoutNode>
-            <dgm:layoutNode name="ConnectLine" styleLbl="sibTrans1D1">
-              <dgm:alg type="sp"/>
-              <dgm:shape xmlns:r="http://schemas.openxmlformats.org/officeDocument/2006/relationships" type="line" r:blip="">
-                <dgm:adjLst/>
-                <dgm:extLst>
-                  <a:ext uri="{B698B0E9-8C71-41B9-8309-B3DCBF30829C}">
-                    <dgm1612:spPr xmlns:dgm1612="http://schemas.microsoft.com/office/drawing/2016/12/diagram">
-                      <a:ln>
-                        <a:prstDash val="dash"/>
-                      </a:ln>
-                    </dgm1612:spPr>
-                  </a:ext>
-                </dgm:extLst>
-              </dgm:shape>
-              <dgm:presOf/>
-              <dgm:constrLst/>
-            </dgm:layoutNode>
-            <dgm:layoutNode name="ConnectLineEnd" styleLbl="lnNode1">
-              <dgm:alg type="sp"/>
-              <dgm:shape xmlns:r="http://schemas.openxmlformats.org/officeDocument/2006/relationships" type="ellipse" r:blip="">
-                <dgm:adjLst/>
-              </dgm:shape>
-              <dgm:presOf/>
-              <dgm:constrLst/>
-            </dgm:layoutNode>
-            <dgm:layoutNode name="EmptyPane">
-              <dgm:alg type="sp"/>
-              <dgm:shape xmlns:r="http://schemas.openxmlformats.org/officeDocument/2006/relationships" r:blip="">
-                <dgm:adjLst/>
-              </dgm:shape>
-              <dgm:presOf/>
-              <dgm:constrLst/>
-            </dgm:layoutNode>
-          </dgm:layoutNode>
-          <dgm:forEach name="Name28" axis="followSib" ptType="sibTrans" cnt="1">
-            <dgm:layoutNode name="spaceBetweenRectangles">
-              <dgm:alg type="sp"/>
-              <dgm:shape xmlns:r="http://schemas.openxmlformats.org/officeDocument/2006/relationships" r:blip="">
-                <dgm:adjLst/>
-              </dgm:shape>
-              <dgm:presOf/>
-              <dgm:constrLst/>
-              <dgm:ruleLst/>
-            </dgm:layoutNode>
-          </dgm:forEach>
-        </dgm:forEach>
-      </dgm:if>
-      <dgm:else name="moreThanTwoNodes">
-        <dgm:forEach name="nodesForEach1" axis="ch" ptType="node">
-          <dgm:layoutNode name="composite1">
-            <dgm:alg type="composite"/>
-            <dgm:shape xmlns:r="http://schemas.openxmlformats.org/officeDocument/2006/relationships" r:blip="">
-              <dgm:adjLst/>
-            </dgm:shape>
-            <dgm:choose name="casesForSnakingLogic21">
-              <dgm:if name="oddNode21" axis="self" ptType="node" func="posOdd" op="equ" val="1">
-                <dgm:constrLst>
-                  <dgm:constr type="w" for="ch" forName="parent1" refType="w" fact="0.6"/>
-                  <dgm:constr type="l" for="ch" forName="parent1" refType="w" fact="0.2"/>
-                  <dgm:constr type="t" for="ch" forName="parent1" refType="h" fact="0.45"/>
-                  <dgm:constr type="h" for="ch" forName="parent1" refType="h" fact="0.1"/>
-                  <dgm:constr type="w" for="ch" forName="Childtext1" refType="w"/>
-                  <dgm:constr type="h" for="ch" forName="Childtext1" refType="h" fact="0.35"/>
-                  <dgm:constr type="w" for="ch" forName="ConnectLine1"/>
-                  <dgm:constr type="h" for="ch" forName="ConnectLine1" refType="h" fact="0.08"/>
-                  <dgm:constr type="t" for="ch" forName="ConnectLine1" refType="h" fact="0.37"/>
-                  <dgm:constr type="ctrX" for="ch" forName="ConnectLine1" refType="w" fact="0.5"/>
-                  <dgm:constr type="w" for="ch" forName="ConnectLineEnd1" refType="h" fact="0.02"/>
-                  <dgm:constr type="h" for="ch" forName="ConnectLineEnd1" refType="h" fact="0.02"/>
-                  <dgm:constr type="t" for="ch" forName="ConnectLineEnd1" refType="h" fact="0.35"/>
-                  <dgm:constr type="ctrX" for="ch" forName="ConnectLineEnd1" refType="w" fact="0.5"/>
-                  <dgm:constr type="w" for="ch" forName="EmptyPane1" refType="w"/>
-                  <dgm:constr type="t" for="ch" forName="EmptyPane1" refType="h" fact="0.55"/>
-                  <dgm:constr type="h" for="ch" forName="EmptyPane1" refType="h" fact="0.45"/>
-                </dgm:constrLst>
-              </dgm:if>
-              <dgm:else name="evenNode2">
-                <dgm:constrLst>
-                  <dgm:constr type="w" for="ch" forName="parent1" refType="w" fact="0.6"/>
-                  <dgm:constr type="l" for="ch" forName="parent1" refType="w" fact="0.2"/>
-                  <dgm:constr type="t" for="ch" forName="parent1" refType="h" fact="0.45"/>
-                  <dgm:constr type="h" for="ch" forName="parent1" refType="h" fact="0.1"/>
-                  <dgm:constr type="w" for="ch" forName="Childtext1" refType="w"/>
-                  <dgm:constr type="h" for="ch" forName="Childtext1" refType="h" fact="0.35"/>
-                  <dgm:constr type="t" for="ch" forName="Childtext1" refType="h" fact="0.65"/>
-                  <dgm:constr type="w" for="ch" forName="ConnectLine1"/>
-                  <dgm:constr type="h" for="ch" forName="ConnectLine1" refType="h" fact="0.08"/>
-                  <dgm:constr type="t" for="ch" forName="ConnectLine1" refType="h" fact="0.55"/>
-                  <dgm:constr type="ctrX" for="ch" forName="ConnectLine1" refType="w" fact="0.5"/>
-                  <dgm:constr type="w" for="ch" forName="ConnectLineEnd1" refType="h" fact="0.02"/>
-                  <dgm:constr type="h" for="ch" forName="ConnectLineEnd1" refType="h" fact="0.02"/>
-                  <dgm:constr type="b" for="ch" forName="ConnectLineEnd1" refType="h" fact="0.65"/>
-                  <dgm:constr type="ctrX" for="ch" forName="ConnectLineEnd1" refType="w" fact="0.5"/>
-                  <dgm:constr type="w" for="ch" forName="EmptyPane1" refType="w"/>
-                  <dgm:constr type="h" for="ch" forName="EmptyPane1" refType="h" fact="0.45"/>
-                </dgm:constrLst>
-              </dgm:else>
-            </dgm:choose>
-            <dgm:layoutNode name="parent1" styleLbl="alignNode1">
-              <dgm:varLst>
-                <dgm:chMax val="1"/>
-                <dgm:chPref val="1"/>
-                <dgm:bulletEnabled val="1"/>
-              </dgm:varLst>
-              <dgm:alg type="tx">
-                <dgm:param type="txAnchorHorz" val="ctr"/>
-                <dgm:param type="txAnchorVert" val="mid"/>
-                <dgm:param type="parTxLTRAlign" val="ctr"/>
-                <dgm:param type="parTxRTLAlign" val="ctr"/>
-              </dgm:alg>
-              <dgm:choose name="casesForFirstAndLastNode12">
-                <dgm:if name="startNode12" axis="self" ptType="node" func="pos" op="equ" val="1">
-                  <dgm:choose name="removeLineWhenOnlyOneNode12">
-                    <dgm:if name="ifOnlyOneNode12" axis="followSib" ptType="node" func="cnt" op="equ" val="0">
-                      <dgm:shape xmlns:r="http://schemas.openxmlformats.org/officeDocument/2006/relationships" type="roundRect" r:blip="">
-                        <dgm:adjLst/>
-                      </dgm:shape>
-                    </dgm:if>
-                    <dgm:else name="ifMoreThanOneNode12">
-                      <dgm:choose name="Name181">
-                        <dgm:if name="Name191" func="var" arg="dir" op="equ" val="norm">
-                          <dgm:shape xmlns:r="http://schemas.openxmlformats.org/officeDocument/2006/relationships" rot="-90" type="round2SameRect" r:blip="">
-                            <dgm:adjLst/>
-                          </dgm:shape>
-                        </dgm:if>
-                        <dgm:else name="Name201">
-                          <dgm:shape xmlns:r="http://schemas.openxmlformats.org/officeDocument/2006/relationships" rot="90" type="round2SameRect" r:blip="">
-                            <dgm:adjLst/>
-                          </dgm:shape>
-                        </dgm:else>
-                      </dgm:choose>
-                    </dgm:else>
-                  </dgm:choose>
-                </dgm:if>
-                <dgm:else name="notStartNode12">
-                  <dgm:choose name="Name221">
-                    <dgm:if name="Name231" axis="self" ptType="node" func="revPos" op="equ" val="1">
-                      <dgm:choose name="Name241">
-                        <dgm:if name="Name251" func="var" arg="dir" op="equ" val="norm">
-                          <dgm:shape xmlns:r="http://schemas.openxmlformats.org/officeDocument/2006/relationships" rot="90" type="round2SameRect" r:blip="">
-                            <dgm:adjLst/>
-                          </dgm:shape>
-                        </dgm:if>
-                        <dgm:else name="Name261">
-                          <dgm:shape xmlns:r="http://schemas.openxmlformats.org/officeDocument/2006/relationships" rot="-90" type="round2SameRect" r:blip="">
-                            <dgm:adjLst/>
-                          </dgm:shape>
-                        </dgm:else>
-                      </dgm:choose>
-                    </dgm:if>
-                    <dgm:else name="Name271">
-                      <dgm:shape xmlns:r="http://schemas.openxmlformats.org/officeDocument/2006/relationships" type="rect" r:blip="">
-                        <dgm:adjLst/>
-                      </dgm:shape>
-                    </dgm:else>
-                  </dgm:choose>
-                </dgm:else>
-              </dgm:choose>
-              <dgm:presOf axis="self" ptType="node"/>
-              <dgm:constrLst>
-                <dgm:constr type="lMarg" refType="primFontSz" fact="0.6"/>
-                <dgm:constr type="rMarg" refType="primFontSz" fact="0.6"/>
-                <dgm:constr type="tMarg" refType="primFontSz" fact="0.6"/>
-                <dgm:constr type="bMarg" refType="primFontSz" fact="0.6"/>
-              </dgm:constrLst>
-              <dgm:ruleLst>
-                <dgm:rule type="primFontSz" val="11" fact="NaN" max="NaN"/>
-              </dgm:ruleLst>
-            </dgm:layoutNode>
-            <dgm:layoutNode name="Childtext1" styleLbl="revTx">
-              <dgm:varLst>
-                <dgm:bulletEnabled val="1"/>
-              </dgm:varLst>
-              <dgm:choose name="casesForTxtDirLogic1">
-                <dgm:if name="Name771" axis="self" ptType="node" func="posOdd" op="equ" val="1">
-                  <dgm:alg type="tx">
-                    <dgm:param type="txAnchorVert" val="b"/>
-                    <dgm:param type="txAnchorHorz" val="ctr"/>
-                    <dgm:param type="parTxLTRAlign" val="ctr"/>
-                    <dgm:param type="parTxRTLAlign" val="ctr"/>
-                  </dgm:alg>
-                  <dgm:constrLst>
-                    <dgm:constr type="lMarg"/>
-                    <dgm:constr type="rMarg"/>
-                    <dgm:constr type="tMarg"/>
-                    <dgm:constr type="bMarg" refType="primFontSz" fact="0.6"/>
-                  </dgm:constrLst>
-                </dgm:if>
-                <dgm:else name="Name881">
-                  <dgm:alg type="tx">
-                    <dgm:param type="txAnchorVert" val="t"/>
-                    <dgm:param type="txAnchorHorz" val="ctr"/>
-                    <dgm:param type="parTxLTRAlign" val="ctr"/>
-                    <dgm:param type="parTxRTLAlign" val="ctr"/>
-                  </dgm:alg>
-                  <dgm:constrLst>
-                    <dgm:constr type="lMarg"/>
-                    <dgm:constr type="rMarg"/>
-                    <dgm:constr type="tMarg" refType="primFontSz" fact="0.6"/>
-                    <dgm:constr type="bMarg"/>
-                  </dgm:constrLst>
-                </dgm:else>
-              </dgm:choose>
-              <dgm:shape xmlns:r="http://schemas.openxmlformats.org/officeDocument/2006/relationships" type="rect" r:blip="">
-                <dgm:adjLst/>
-              </dgm:shape>
-              <dgm:presOf axis="ch" ptType="node"/>
-              <dgm:ruleLst>
-                <dgm:rule type="primFontSz" val="11" fact="NaN" max="NaN"/>
-              </dgm:ruleLst>
-            </dgm:layoutNode>
-            <dgm:layoutNode name="ConnectLine1" styleLbl="sibTrans1D1">
-              <dgm:alg type="sp"/>
-              <dgm:shape xmlns:r="http://schemas.openxmlformats.org/officeDocument/2006/relationships" type="line" r:blip="">
-                <dgm:adjLst/>
-                <dgm:extLst>
-                  <a:ext uri="{B698B0E9-8C71-41B9-8309-B3DCBF30829C}">
-                    <dgm1612:spPr xmlns:dgm1612="http://schemas.microsoft.com/office/drawing/2016/12/diagram">
-                      <a:ln>
-                        <a:prstDash val="dash"/>
-                      </a:ln>
-                    </dgm1612:spPr>
-                  </a:ext>
-                </dgm:extLst>
-              </dgm:shape>
-              <dgm:presOf/>
-              <dgm:constrLst/>
-            </dgm:layoutNode>
-            <dgm:layoutNode name="ConnectLineEnd1" styleLbl="lnNode1">
-              <dgm:alg type="sp"/>
-              <dgm:shape xmlns:r="http://schemas.openxmlformats.org/officeDocument/2006/relationships" type="ellipse" r:blip="">
-                <dgm:adjLst/>
-              </dgm:shape>
-              <dgm:presOf/>
-              <dgm:constrLst/>
-            </dgm:layoutNode>
-            <dgm:layoutNode name="EmptyPane1">
-              <dgm:alg type="sp"/>
-              <dgm:shape xmlns:r="http://schemas.openxmlformats.org/officeDocument/2006/relationships" r:blip="">
-                <dgm:adjLst/>
-              </dgm:shape>
-              <dgm:presOf/>
-              <dgm:constrLst/>
-            </dgm:layoutNode>
-          </dgm:layoutNode>
-          <dgm:forEach name="Name281" axis="followSib" ptType="sibTrans" cnt="1">
-            <dgm:layoutNode name="spaceBetweenRectangles1">
-              <dgm:alg type="sp"/>
-              <dgm:shape xmlns:r="http://schemas.openxmlformats.org/officeDocument/2006/relationships" r:blip="">
-                <dgm:adjLst/>
-              </dgm:shape>
-              <dgm:presOf/>
-              <dgm:constrLst/>
-              <dgm:ruleLst/>
-            </dgm:layoutNode>
-          </dgm:forEach>
-        </dgm:forEach>
-      </dgm:else>
-    </dgm:choose>
-  </dgm:layoutNode>
-</dgm:layoutDef>
-</file>
-
-<file path=ppt/diagrams/quickStyle1.xml><?xml version="1.0" encoding="utf-8"?>
-<dgm:styleDef xmlns:dgm="http://schemas.openxmlformats.org/drawingml/2006/diagram" xmlns:a="http://schemas.openxmlformats.org/drawingml/2006/main" uniqueId="urn:microsoft.com/office/officeart/2005/8/quickstyle/simple1">
-  <dgm:title val=""/>
-  <dgm:desc val=""/>
-  <dgm:catLst>
-    <dgm:cat type="simple" pri="10100"/>
-  </dgm:catLst>
-  <dgm:scene3d>
-    <a:camera prst="orthographicFront"/>
-    <a:lightRig rig="threePt" dir="t"/>
-  </dgm:scene3d>
-  <dgm:styleLbl name="node0">
-    <dgm:scene3d>
-      <a:camera prst="orthographicFront"/>
-      <a:lightRig rig="threePt" dir="t"/>
-    </dgm:scene3d>
-    <dgm:sp3d/>
-    <dgm:txPr/>
-    <dgm:style>
-      <a:lnRef idx="2">
-        <a:scrgbClr r="0" g="0" b="0"/>
-      </a:lnRef>
-      <a:fillRef idx="1">
-        <a:scrgbClr r="0" g="0" b="0"/>
-      </a:fillRef>
-      <a:effectRef idx="0">
-        <a:scrgbClr r="0" g="0" b="0"/>
-      </a:effectRef>
-      <a:fontRef idx="minor">
-        <a:schemeClr val="lt1"/>
-      </a:fontRef>
-    </dgm:style>
-  </dgm:styleLbl>
-  <dgm:styleLbl name="lnNode1">
-    <dgm:scene3d>
-      <a:camera prst="orthographicFront"/>
-      <a:lightRig rig="threePt" dir="t"/>
-    </dgm:scene3d>
-    <dgm:sp3d/>
-    <dgm:txPr/>
-    <dgm:style>
-      <a:lnRef idx="2">
-        <a:scrgbClr r="0" g="0" b="0"/>
-      </a:lnRef>
-      <a:fillRef idx="1">
-        <a:scrgbClr r="0" g="0" b="0"/>
-      </a:fillRef>
-      <a:effectRef idx="0">
-        <a:scrgbClr r="0" g="0" b="0"/>
-      </a:effectRef>
-      <a:fontRef idx="minor">
-        <a:schemeClr val="lt1"/>
-      </a:fontRef>
-    </dgm:style>
-  </dgm:styleLbl>
-  <dgm:styleLbl name="vennNode1">
-    <dgm:scene3d>
-      <a:camera prst="orthographicFront"/>
-      <a:lightRig rig="threePt" dir="t"/>
-    </dgm:scene3d>
-    <dgm:sp3d/>
-    <dgm:txPr/>
-    <dgm:style>
-      <a:lnRef idx="2">
-        <a:scrgbClr r="0" g="0" b="0"/>
-      </a:lnRef>
-      <a:fillRef idx="1">
-        <a:scrgbClr r="0" g="0" b="0"/>
-      </a:fillRef>
-      <a:effectRef idx="0">
-        <a:scrgbClr r="0" g="0" b="0"/>
-      </a:effectRef>
-      <a:fontRef idx="minor">
-        <a:schemeClr val="tx1"/>
-      </a:fontRef>
-    </dgm:style>
-  </dgm:styleLbl>
-  <dgm:styleLbl name="alignNode1">
-    <dgm:scene3d>
-      <a:camera prst="orthographicFront"/>
-      <a:lightRig rig="threePt" dir="t"/>
-    </dgm:scene3d>
-    <dgm:sp3d/>
-    <dgm:txPr/>
-    <dgm:style>
-      <a:lnRef idx="2">
-        <a:scrgbClr r="0" g="0" b="0"/>
-      </a:lnRef>
-      <a:fillRef idx="1">
-        <a:scrgbClr r="0" g="0" b="0"/>
-      </a:fillRef>
-      <a:effectRef idx="0">
-        <a:scrgbClr r="0" g="0" b="0"/>
-      </a:effectRef>
-      <a:fontRef idx="minor">
-        <a:schemeClr val="lt1"/>
-      </a:fontRef>
-    </dgm:style>
-  </dgm:styleLbl>
-  <dgm:styleLbl name="node1">
-    <dgm:scene3d>
-      <a:camera prst="orthographicFront"/>
-      <a:lightRig rig="threePt" dir="t"/>
-    </dgm:scene3d>
-    <dgm:sp3d/>
-    <dgm:txPr/>
-    <dgm:style>
-      <a:lnRef idx="2">
-        <a:scrgbClr r="0" g="0" b="0"/>
-      </a:lnRef>
-      <a:fillRef idx="1">
-        <a:scrgbClr r="0" g="0" b="0"/>
-      </a:fillRef>
-      <a:effectRef idx="0">
-        <a:scrgbClr r="0" g="0" b="0"/>
-      </a:effectRef>
-      <a:fontRef idx="minor">
-        <a:schemeClr val="lt1"/>
-      </a:fontRef>
-    </dgm:style>
-  </dgm:styleLbl>
-  <dgm:styleLbl name="node2">
-    <dgm:scene3d>
-      <a:camera prst="orthographicFront"/>
-      <a:lightRig rig="threePt" dir="t"/>
-    </dgm:scene3d>
-    <dgm:sp3d/>
-    <dgm:txPr/>
-    <dgm:style>
-      <a:lnRef idx="2">
-        <a:scrgbClr r="0" g="0" b="0"/>
-      </a:lnRef>
-      <a:fillRef idx="1">
-        <a:scrgbClr r="0" g="0" b="0"/>
-      </a:fillRef>
-      <a:effectRef idx="0">
-        <a:scrgbClr r="0" g="0" b="0"/>
-      </a:effectRef>
-      <a:fontRef idx="minor">
-        <a:schemeClr val="lt1"/>
-      </a:fontRef>
-    </dgm:style>
-  </dgm:styleLbl>
-  <dgm:styleLbl name="node3">
-    <dgm:scene3d>
-      <a:camera prst="orthographicFront"/>
-      <a:lightRig rig="threePt" dir="t"/>
-    </dgm:scene3d>
-    <dgm:sp3d/>
-    <dgm:txPr/>
-    <dgm:style>
-      <a:lnRef idx="2">
-        <a:scrgbClr r="0" g="0" b="0"/>
-      </a:lnRef>
-      <a:fillRef idx="1">
-        <a:scrgbClr r="0" g="0" b="0"/>
-      </a:fillRef>
-      <a:effectRef idx="0">
-        <a:scrgbClr r="0" g="0" b="0"/>
-      </a:effectRef>
-      <a:fontRef idx="minor">
-        <a:schemeClr val="lt1"/>
-      </a:fontRef>
-    </dgm:style>
-  </dgm:styleLbl>
-  <dgm:styleLbl name="node4">
-    <dgm:scene3d>
-      <a:camera prst="orthographicFront"/>
-      <a:lightRig rig="threePt" dir="t"/>
-    </dgm:scene3d>
-    <dgm:sp3d/>
-    <dgm:txPr/>
-    <dgm:style>
-      <a:lnRef idx="2">
-        <a:scrgbClr r="0" g="0" b="0"/>
-      </a:lnRef>
-      <a:fillRef idx="1">
-        <a:scrgbClr r="0" g="0" b="0"/>
-      </a:fillRef>
-      <a:effectRef idx="0">
-        <a:scrgbClr r="0" g="0" b="0"/>
-      </a:effectRef>
-      <a:fontRef idx="minor">
-        <a:schemeClr val="lt1"/>
-      </a:fontRef>
-    </dgm:style>
-  </dgm:styleLbl>
-  <dgm:styleLbl name="fgImgPlace1">
-    <dgm:scene3d>
-      <a:camera prst="orthographicFront"/>
-      <a:lightRig rig="threePt" dir="t"/>
-    </dgm:scene3d>
-    <dgm:sp3d/>
-    <dgm:txPr/>
-    <dgm:style>
-      <a:lnRef idx="2">
-        <a:scrgbClr r="0" g="0" b="0"/>
-      </a:lnRef>
-      <a:fillRef idx="1">
-        <a:scrgbClr r="0" g="0" b="0"/>
-      </a:fillRef>
-      <a:effectRef idx="0">
-        <a:scrgbClr r="0" g="0" b="0"/>
-      </a:effectRef>
-      <a:fontRef idx="minor"/>
-    </dgm:style>
-  </dgm:styleLbl>
-  <dgm:styleLbl name="alignImgPlace1">
-    <dgm:scene3d>
-      <a:camera prst="orthographicFront"/>
-      <a:lightRig rig="threePt" dir="t"/>
-    </dgm:scene3d>
-    <dgm:sp3d/>
-    <dgm:txPr/>
-    <dgm:style>
-      <a:lnRef idx="2">
-        <a:scrgbClr r="0" g="0" b="0"/>
-      </a:lnRef>
-      <a:fillRef idx="1">
-        <a:scrgbClr r="0" g="0" b="0"/>
-      </a:fillRef>
-      <a:effectRef idx="0">
-        <a:scrgbClr r="0" g="0" b="0"/>
-      </a:effectRef>
-      <a:fontRef idx="minor"/>
-    </dgm:style>
-  </dgm:styleLbl>
-  <dgm:styleLbl name="bgImgPlace1">
-    <dgm:scene3d>
-      <a:camera prst="orthographicFront"/>
-      <a:lightRig rig="threePt" dir="t"/>
-    </dgm:scene3d>
-    <dgm:sp3d/>
-    <dgm:txPr/>
-    <dgm:style>
-      <a:lnRef idx="2">
-        <a:scrgbClr r="0" g="0" b="0"/>
-      </a:lnRef>
-      <a:fillRef idx="1">
-        <a:scrgbClr r="0" g="0" b="0"/>
-      </a:fillRef>
-      <a:effectRef idx="0">
-        <a:scrgbClr r="0" g="0" b="0"/>
-      </a:effectRef>
-      <a:fontRef idx="minor"/>
-    </dgm:style>
-  </dgm:styleLbl>
-  <dgm:styleLbl name="sibTrans2D1">
-    <dgm:scene3d>
-      <a:camera prst="orthographicFront"/>
-      <a:lightRig rig="threePt" dir="t"/>
-    </dgm:scene3d>
-    <dgm:sp3d/>
-    <dgm:txPr/>
-    <dgm:style>
-      <a:lnRef idx="0">
-        <a:scrgbClr r="0" g="0" b="0"/>
-      </a:lnRef>
-      <a:fillRef idx="1">
-        <a:scrgbClr r="0" g="0" b="0"/>
-      </a:fillRef>
-      <a:effectRef idx="0">
-        <a:scrgbClr r="0" g="0" b="0"/>
-      </a:effectRef>
-      <a:fontRef idx="minor">
-        <a:schemeClr val="lt1"/>
-      </a:fontRef>
-    </dgm:style>
-  </dgm:styleLbl>
-  <dgm:styleLbl name="fgSibTrans2D1">
-    <dgm:scene3d>
-      <a:camera prst="orthographicFront"/>
-      <a:lightRig rig="threePt" dir="t"/>
-    </dgm:scene3d>
-    <dgm:sp3d/>
-    <dgm:txPr/>
-    <dgm:style>
-      <a:lnRef idx="0">
-        <a:scrgbClr r="0" g="0" b="0"/>
-      </a:lnRef>
-      <a:fillRef idx="1">
-        <a:scrgbClr r="0" g="0" b="0"/>
-      </a:fillRef>
-      <a:effectRef idx="0">
-        <a:scrgbClr r="0" g="0" b="0"/>
-      </a:effectRef>
-      <a:fontRef idx="minor">
-        <a:schemeClr val="lt1"/>
-      </a:fontRef>
-    </dgm:style>
-  </dgm:styleLbl>
-  <dgm:styleLbl name="bgSibTrans2D1">
-    <dgm:scene3d>
-      <a:camera prst="orthographicFront"/>
-      <a:lightRig rig="threePt" dir="t"/>
-    </dgm:scene3d>
-    <dgm:sp3d/>
-    <dgm:txPr/>
-    <dgm:style>
-      <a:lnRef idx="0">
-        <a:scrgbClr r="0" g="0" b="0"/>
-      </a:lnRef>
-      <a:fillRef idx="1">
-        <a:scrgbClr r="0" g="0" b="0"/>
-      </a:fillRef>
-      <a:effectRef idx="0">
-        <a:scrgbClr r="0" g="0" b="0"/>
-      </a:effectRef>
-      <a:fontRef idx="minor">
-        <a:schemeClr val="lt1"/>
-      </a:fontRef>
-    </dgm:style>
-  </dgm:styleLbl>
-  <dgm:styleLbl name="sibTrans1D1">
-    <dgm:scene3d>
-      <a:camera prst="orthographicFront"/>
-      <a:lightRig rig="threePt" dir="t"/>
-    </dgm:scene3d>
-    <dgm:sp3d/>
-    <dgm:txPr/>
-    <dgm:style>
-      <a:lnRef idx="1">
-        <a:scrgbClr r="0" g="0" b="0"/>
-      </a:lnRef>
-      <a:fillRef idx="0">
-        <a:scrgbClr r="0" g="0" b="0"/>
-      </a:fillRef>
-      <a:effectRef idx="0">
-        <a:scrgbClr r="0" g="0" b="0"/>
-      </a:effectRef>
-      <a:fontRef idx="minor"/>
-    </dgm:style>
-  </dgm:styleLbl>
-  <dgm:styleLbl name="callout">
-    <dgm:scene3d>
-      <a:camera prst="orthographicFront"/>
-      <a:lightRig rig="threePt" dir="t"/>
-    </dgm:scene3d>
-    <dgm:sp3d/>
-    <dgm:txPr/>
-    <dgm:style>
-      <a:lnRef idx="2">
-        <a:scrgbClr r="0" g="0" b="0"/>
-      </a:lnRef>
-      <a:fillRef idx="1">
-        <a:scrgbClr r="0" g="0" b="0"/>
-      </a:fillRef>
-      <a:effectRef idx="0">
-        <a:scrgbClr r="0" g="0" b="0"/>
-      </a:effectRef>
-      <a:fontRef idx="minor"/>
-    </dgm:style>
-  </dgm:styleLbl>
-  <dgm:styleLbl name="asst0">
-    <dgm:scene3d>
-      <a:camera prst="orthographicFront"/>
-      <a:lightRig rig="threePt" dir="t"/>
-    </dgm:scene3d>
-    <dgm:sp3d/>
-    <dgm:txPr/>
-    <dgm:style>
-      <a:lnRef idx="2">
-        <a:scrgbClr r="0" g="0" b="0"/>
-      </a:lnRef>
-      <a:fillRef idx="1">
-        <a:scrgbClr r="0" g="0" b="0"/>
-      </a:fillRef>
-      <a:effectRef idx="0">
-        <a:scrgbClr r="0" g="0" b="0"/>
-      </a:effectRef>
-      <a:fontRef idx="minor">
-        <a:schemeClr val="lt1"/>
-      </a:fontRef>
-    </dgm:style>
-  </dgm:styleLbl>
-  <dgm:styleLbl name="asst1">
-    <dgm:scene3d>
-      <a:camera prst="orthographicFront"/>
-      <a:lightRig rig="threePt" dir="t"/>
-    </dgm:scene3d>
-    <dgm:sp3d/>
-    <dgm:txPr/>
-    <dgm:style>
-      <a:lnRef idx="2">
-        <a:scrgbClr r="0" g="0" b="0"/>
-      </a:lnRef>
-      <a:fillRef idx="1">
-        <a:scrgbClr r="0" g="0" b="0"/>
-      </a:fillRef>
-      <a:effectRef idx="0">
-        <a:scrgbClr r="0" g="0" b="0"/>
-      </a:effectRef>
-      <a:fontRef idx="minor">
-        <a:schemeClr val="lt1"/>
-      </a:fontRef>
-    </dgm:style>
-  </dgm:styleLbl>
-  <dgm:styleLbl name="asst2">
-    <dgm:scene3d>
-      <a:camera prst="orthographicFront"/>
-      <a:lightRig rig="threePt" dir="t"/>
-    </dgm:scene3d>
-    <dgm:sp3d/>
-    <dgm:txPr/>
-    <dgm:style>
-      <a:lnRef idx="2">
-        <a:scrgbClr r="0" g="0" b="0"/>
-      </a:lnRef>
-      <a:fillRef idx="1">
-        <a:scrgbClr r="0" g="0" b="0"/>
-      </a:fillRef>
-      <a:effectRef idx="0">
-        <a:scrgbClr r="0" g="0" b="0"/>
-      </a:effectRef>
-      <a:fontRef idx="minor">
-        <a:schemeClr val="lt1"/>
-      </a:fontRef>
-    </dgm:style>
-  </dgm:styleLbl>
-  <dgm:styleLbl name="asst3">
-    <dgm:scene3d>
-      <a:camera prst="orthographicFront"/>
-      <a:lightRig rig="threePt" dir="t"/>
-    </dgm:scene3d>
-    <dgm:sp3d/>
-    <dgm:txPr/>
-    <dgm:style>
-      <a:lnRef idx="2">
-        <a:scrgbClr r="0" g="0" b="0"/>
-      </a:lnRef>
-      <a:fillRef idx="1">
-        <a:scrgbClr r="0" g="0" b="0"/>
-      </a:fillRef>
-      <a:effectRef idx="0">
-        <a:scrgbClr r="0" g="0" b="0"/>
-      </a:effectRef>
-      <a:fontRef idx="minor">
-        <a:schemeClr val="lt1"/>
-      </a:fontRef>
-    </dgm:style>
-  </dgm:styleLbl>
-  <dgm:styleLbl name="asst4">
-    <dgm:scene3d>
-      <a:camera prst="orthographicFront"/>
-      <a:lightRig rig="threePt" dir="t"/>
-    </dgm:scene3d>
-    <dgm:sp3d/>
-    <dgm:txPr/>
-    <dgm:style>
-      <a:lnRef idx="2">
-        <a:scrgbClr r="0" g="0" b="0"/>
-      </a:lnRef>
-      <a:fillRef idx="1">
-        <a:scrgbClr r="0" g="0" b="0"/>
-      </a:fillRef>
-      <a:effectRef idx="0">
-        <a:scrgbClr r="0" g="0" b="0"/>
-      </a:effectRef>
-      <a:fontRef idx="minor">
-        <a:schemeClr val="lt1"/>
-      </a:fontRef>
-    </dgm:style>
-  </dgm:styleLbl>
-  <dgm:styleLbl name="parChTrans2D1">
-    <dgm:scene3d>
-      <a:camera prst="orthographicFront"/>
-      <a:lightRig rig="threePt" dir="t"/>
-    </dgm:scene3d>
-    <dgm:sp3d/>
-    <dgm:txPr/>
-    <dgm:style>
-      <a:lnRef idx="2">
-        <a:scrgbClr r="0" g="0" b="0"/>
-      </a:lnRef>
-      <a:fillRef idx="1">
-        <a:scrgbClr r="0" g="0" b="0"/>
-      </a:fillRef>
-      <a:effectRef idx="0">
-        <a:scrgbClr r="0" g="0" b="0"/>
-      </a:effectRef>
-      <a:fontRef idx="minor">
-        <a:schemeClr val="lt1"/>
-      </a:fontRef>
-    </dgm:style>
-  </dgm:styleLbl>
-  <dgm:styleLbl name="parChTrans2D2">
-    <dgm:scene3d>
-      <a:camera prst="orthographicFront"/>
-      <a:lightRig rig="threePt" dir="t"/>
-    </dgm:scene3d>
-    <dgm:sp3d/>
-    <dgm:txPr/>
-    <dgm:style>
-      <a:lnRef idx="2">
-        <a:scrgbClr r="0" g="0" b="0"/>
-      </a:lnRef>
-      <a:fillRef idx="1">
-        <a:scrgbClr r="0" g="0" b="0"/>
-      </a:fillRef>
-      <a:effectRef idx="0">
-        <a:scrgbClr r="0" g="0" b="0"/>
-      </a:effectRef>
-      <a:fontRef idx="minor">
-        <a:schemeClr val="lt1"/>
-      </a:fontRef>
-    </dgm:style>
-  </dgm:styleLbl>
-  <dgm:styleLbl name="parChTrans2D3">
-    <dgm:scene3d>
-      <a:camera prst="orthographicFront"/>
-      <a:lightRig rig="threePt" dir="t"/>
-    </dgm:scene3d>
-    <dgm:sp3d/>
-    <dgm:txPr/>
-    <dgm:style>
-      <a:lnRef idx="2">
-        <a:scrgbClr r="0" g="0" b="0"/>
-      </a:lnRef>
-      <a:fillRef idx="1">
-        <a:scrgbClr r="0" g="0" b="0"/>
-      </a:fillRef>
-      <a:effectRef idx="0">
-        <a:scrgbClr r="0" g="0" b="0"/>
-      </a:effectRef>
-      <a:fontRef idx="minor">
-        <a:schemeClr val="lt1"/>
-      </a:fontRef>
-    </dgm:style>
-  </dgm:styleLbl>
-  <dgm:styleLbl name="parChTrans2D4">
-    <dgm:scene3d>
-      <a:camera prst="orthographicFront"/>
-      <a:lightRig rig="threePt" dir="t"/>
-    </dgm:scene3d>
-    <dgm:sp3d/>
-    <dgm:txPr/>
-    <dgm:style>
-      <a:lnRef idx="2">
-        <a:scrgbClr r="0" g="0" b="0"/>
-      </a:lnRef>
-      <a:fillRef idx="1">
-        <a:scrgbClr r="0" g="0" b="0"/>
-      </a:fillRef>
-      <a:effectRef idx="0">
-        <a:scrgbClr r="0" g="0" b="0"/>
-      </a:effectRef>
-      <a:fontRef idx="minor">
-        <a:schemeClr val="lt1"/>
-      </a:fontRef>
-    </dgm:style>
-  </dgm:styleLbl>
-  <dgm:styleLbl name="parChTrans1D1">
-    <dgm:scene3d>
-      <a:camera prst="orthographicFront"/>
-      <a:lightRig rig="threePt" dir="t"/>
-    </dgm:scene3d>
-    <dgm:sp3d/>
-    <dgm:txPr/>
-    <dgm:style>
-      <a:lnRef idx="2">
-        <a:scrgbClr r="0" g="0" b="0"/>
-      </a:lnRef>
-      <a:fillRef idx="0">
-        <a:scrgbClr r="0" g="0" b="0"/>
-      </a:fillRef>
-      <a:effectRef idx="0">
-        <a:scrgbClr r="0" g="0" b="0"/>
-      </a:effectRef>
-      <a:fontRef idx="minor"/>
-    </dgm:style>
-  </dgm:styleLbl>
-  <dgm:styleLbl name="parChTrans1D2">
-    <dgm:scene3d>
-      <a:camera prst="orthographicFront"/>
-      <a:lightRig rig="threePt" dir="t"/>
-    </dgm:scene3d>
-    <dgm:sp3d/>
-    <dgm:txPr/>
-    <dgm:style>
-      <a:lnRef idx="2">
-        <a:scrgbClr r="0" g="0" b="0"/>
-      </a:lnRef>
-      <a:fillRef idx="0">
-        <a:scrgbClr r="0" g="0" b="0"/>
-      </a:fillRef>
-      <a:effectRef idx="0">
-        <a:scrgbClr r="0" g="0" b="0"/>
-      </a:effectRef>
-      <a:fontRef idx="minor"/>
-    </dgm:style>
-  </dgm:styleLbl>
-  <dgm:styleLbl name="parChTrans1D3">
-    <dgm:scene3d>
-      <a:camera prst="orthographicFront"/>
-      <a:lightRig rig="threePt" dir="t"/>
-    </dgm:scene3d>
-    <dgm:sp3d/>
-    <dgm:txPr/>
-    <dgm:style>
-      <a:lnRef idx="2">
-        <a:scrgbClr r="0" g="0" b="0"/>
-      </a:lnRef>
-      <a:fillRef idx="0">
-        <a:scrgbClr r="0" g="0" b="0"/>
-      </a:fillRef>
-      <a:effectRef idx="0">
-        <a:scrgbClr r="0" g="0" b="0"/>
-      </a:effectRef>
-      <a:fontRef idx="minor"/>
-    </dgm:style>
-  </dgm:styleLbl>
-  <dgm:styleLbl name="parChTrans1D4">
-    <dgm:scene3d>
-      <a:camera prst="orthographicFront"/>
-      <a:lightRig rig="threePt" dir="t"/>
-    </dgm:scene3d>
-    <dgm:sp3d/>
-    <dgm:txPr/>
-    <dgm:style>
-      <a:lnRef idx="2">
-        <a:scrgbClr r="0" g="0" b="0"/>
-      </a:lnRef>
-      <a:fillRef idx="0">
-        <a:scrgbClr r="0" g="0" b="0"/>
-      </a:fillRef>
-      <a:effectRef idx="0">
-        <a:scrgbClr r="0" g="0" b="0"/>
-      </a:effectRef>
-      <a:fontRef idx="minor"/>
-    </dgm:style>
-  </dgm:styleLbl>
-  <dgm:styleLbl name="fgAcc1">
-    <dgm:scene3d>
-      <a:camera prst="orthographicFront"/>
-      <a:lightRig rig="threePt" dir="t"/>
-    </dgm:scene3d>
-    <dgm:sp3d/>
-    <dgm:txPr/>
-    <dgm:style>
-      <a:lnRef idx="2">
-        <a:scrgbClr r="0" g="0" b="0"/>
-      </a:lnRef>
-      <a:fillRef idx="1">
-        <a:scrgbClr r="0" g="0" b="0"/>
-      </a:fillRef>
-      <a:effectRef idx="0">
-        <a:scrgbClr r="0" g="0" b="0"/>
-      </a:effectRef>
-      <a:fontRef idx="minor"/>
-    </dgm:style>
-  </dgm:styleLbl>
-  <dgm:styleLbl name="conFgAcc1">
-    <dgm:scene3d>
-      <a:camera prst="orthographicFront"/>
-      <a:lightRig rig="threePt" dir="t"/>
-    </dgm:scene3d>
-    <dgm:sp3d/>
-    <dgm:txPr/>
-    <dgm:style>
-      <a:lnRef idx="2">
-        <a:scrgbClr r="0" g="0" b="0"/>
-      </a:lnRef>
-      <a:fillRef idx="1">
-        <a:scrgbClr r="0" g="0" b="0"/>
-      </a:fillRef>
-      <a:effectRef idx="0">
-        <a:scrgbClr r="0" g="0" b="0"/>
-      </a:effectRef>
-      <a:fontRef idx="minor"/>
-    </dgm:style>
-  </dgm:styleLbl>
-  <dgm:styleLbl name="alignAcc1">
-    <dgm:scene3d>
-      <a:camera prst="orthographicFront"/>
-      <a:lightRig rig="threePt" dir="t"/>
-    </dgm:scene3d>
-    <dgm:sp3d/>
-    <dgm:txPr/>
-    <dgm:style>
-      <a:lnRef idx="2">
-        <a:scrgbClr r="0" g="0" b="0"/>
-      </a:lnRef>
-      <a:fillRef idx="1">
-        <a:scrgbClr r="0" g="0" b="0"/>
-      </a:fillRef>
-      <a:effectRef idx="0">
-        <a:scrgbClr r="0" g="0" b="0"/>
-      </a:effectRef>
-      <a:fontRef idx="minor"/>
-    </dgm:style>
-  </dgm:styleLbl>
-  <dgm:styleLbl name="trAlignAcc1">
-    <dgm:scene3d>
-      <a:camera prst="orthographicFront"/>
-      <a:lightRig rig="threePt" dir="t"/>
-    </dgm:scene3d>
-    <dgm:sp3d/>
-    <dgm:txPr/>
-    <dgm:style>
-      <a:lnRef idx="1">
-        <a:scrgbClr r="0" g="0" b="0"/>
-      </a:lnRef>
-      <a:fillRef idx="1">
-        <a:scrgbClr r="0" g="0" b="0"/>
-      </a:fillRef>
-      <a:effectRef idx="0">
-        <a:scrgbClr r="0" g="0" b="0"/>
-      </a:effectRef>
-      <a:fontRef idx="minor"/>
-    </dgm:style>
-  </dgm:styleLbl>
-  <dgm:styleLbl name="bgAcc1">
-    <dgm:scene3d>
-      <a:camera prst="orthographicFront"/>
-      <a:lightRig rig="threePt" dir="t"/>
-    </dgm:scene3d>
-    <dgm:sp3d/>
-    <dgm:txPr/>
-    <dgm:style>
-      <a:lnRef idx="2">
-        <a:scrgbClr r="0" g="0" b="0"/>
-      </a:lnRef>
-      <a:fillRef idx="1">
-        <a:scrgbClr r="0" g="0" b="0"/>
-      </a:fillRef>
-      <a:effectRef idx="0">
-        <a:scrgbClr r="0" g="0" b="0"/>
-      </a:effectRef>
-      <a:fontRef idx="minor"/>
-    </dgm:style>
-  </dgm:styleLbl>
-  <dgm:styleLbl name="solidFgAcc1">
-    <dgm:scene3d>
-      <a:camera prst="orthographicFront"/>
-      <a:lightRig rig="threePt" dir="t"/>
-    </dgm:scene3d>
-    <dgm:sp3d/>
-    <dgm:txPr/>
-    <dgm:style>
-      <a:lnRef idx="2">
-        <a:scrgbClr r="0" g="0" b="0"/>
-      </a:lnRef>
-      <a:fillRef idx="1">
-        <a:scrgbClr r="0" g="0" b="0"/>
-      </a:fillRef>
-      <a:effectRef idx="0">
-        <a:scrgbClr r="0" g="0" b="0"/>
-      </a:effectRef>
-      <a:fontRef idx="minor"/>
-    </dgm:style>
-  </dgm:styleLbl>
-  <dgm:styleLbl name="solidAlignAcc1">
-    <dgm:scene3d>
-      <a:camera prst="orthographicFront"/>
-      <a:lightRig rig="threePt" dir="t"/>
-    </dgm:scene3d>
-    <dgm:sp3d/>
-    <dgm:txPr/>
-    <dgm:style>
-      <a:lnRef idx="2">
-        <a:scrgbClr r="0" g="0" b="0"/>
-      </a:lnRef>
-      <a:fillRef idx="1">
-        <a:scrgbClr r="0" g="0" b="0"/>
-      </a:fillRef>
-      <a:effectRef idx="0">
-        <a:scrgbClr r="0" g="0" b="0"/>
-      </a:effectRef>
-      <a:fontRef idx="minor"/>
-    </dgm:style>
-  </dgm:styleLbl>
-  <dgm:styleLbl name="solidBgAcc1">
-    <dgm:scene3d>
-      <a:camera prst="orthographicFront"/>
-      <a:lightRig rig="threePt" dir="t"/>
-    </dgm:scene3d>
-    <dgm:sp3d/>
-    <dgm:txPr/>
-    <dgm:style>
-      <a:lnRef idx="2">
-        <a:scrgbClr r="0" g="0" b="0"/>
-      </a:lnRef>
-      <a:fillRef idx="1">
-        <a:scrgbClr r="0" g="0" b="0"/>
-      </a:fillRef>
-      <a:effectRef idx="0">
-        <a:scrgbClr r="0" g="0" b="0"/>
-      </a:effectRef>
-      <a:fontRef idx="minor"/>
-    </dgm:style>
-  </dgm:styleLbl>
-  <dgm:styleLbl name="fgAccFollowNode1">
-    <dgm:scene3d>
-      <a:camera prst="orthographicFront"/>
-      <a:lightRig rig="threePt" dir="t"/>
-    </dgm:scene3d>
-    <dgm:sp3d/>
-    <dgm:txPr/>
-    <dgm:style>
-      <a:lnRef idx="2">
-        <a:scrgbClr r="0" g="0" b="0"/>
-      </a:lnRef>
-      <a:fillRef idx="1">
-        <a:scrgbClr r="0" g="0" b="0"/>
-      </a:fillRef>
-      <a:effectRef idx="0">
-        <a:scrgbClr r="0" g="0" b="0"/>
-      </a:effectRef>
-      <a:fontRef idx="minor"/>
-    </dgm:style>
-  </dgm:styleLbl>
-  <dgm:styleLbl name="alignAccFollowNode1">
-    <dgm:scene3d>
-      <a:camera prst="orthographicFront"/>
-      <a:lightRig rig="threePt" dir="t"/>
-    </dgm:scene3d>
-    <dgm:sp3d/>
-    <dgm:txPr/>
-    <dgm:style>
-      <a:lnRef idx="2">
-        <a:scrgbClr r="0" g="0" b="0"/>
-      </a:lnRef>
-      <a:fillRef idx="1">
-        <a:scrgbClr r="0" g="0" b="0"/>
-      </a:fillRef>
-      <a:effectRef idx="0">
-        <a:scrgbClr r="0" g="0" b="0"/>
-      </a:effectRef>
-      <a:fontRef idx="minor"/>
-    </dgm:style>
-  </dgm:styleLbl>
-  <dgm:styleLbl name="bgAccFollowNode1">
-    <dgm:scene3d>
-      <a:camera prst="orthographicFront"/>
-      <a:lightRig rig="threePt" dir="t"/>
-    </dgm:scene3d>
-    <dgm:sp3d/>
-    <dgm:txPr/>
-    <dgm:style>
-      <a:lnRef idx="2">
-        <a:scrgbClr r="0" g="0" b="0"/>
-      </a:lnRef>
-      <a:fillRef idx="1">
-        <a:scrgbClr r="0" g="0" b="0"/>
-      </a:fillRef>
-      <a:effectRef idx="0">
-        <a:scrgbClr r="0" g="0" b="0"/>
-      </a:effectRef>
-      <a:fontRef idx="minor"/>
-    </dgm:style>
-  </dgm:styleLbl>
-  <dgm:styleLbl name="fgAcc0">
-    <dgm:scene3d>
-      <a:camera prst="orthographicFront"/>
-      <a:lightRig rig="threePt" dir="t"/>
-    </dgm:scene3d>
-    <dgm:sp3d/>
-    <dgm:txPr/>
-    <dgm:style>
-      <a:lnRef idx="2">
-        <a:scrgbClr r="0" g="0" b="0"/>
-      </a:lnRef>
-      <a:fillRef idx="1">
-        <a:scrgbClr r="0" g="0" b="0"/>
-      </a:fillRef>
-      <a:effectRef idx="0">
-        <a:scrgbClr r="0" g="0" b="0"/>
-      </a:effectRef>
-      <a:fontRef idx="minor"/>
-    </dgm:style>
-  </dgm:styleLbl>
-  <dgm:styleLbl name="fgAcc2">
-    <dgm:scene3d>
-      <a:camera prst="orthographicFront"/>
-      <a:lightRig rig="threePt" dir="t"/>
-    </dgm:scene3d>
-    <dgm:sp3d/>
-    <dgm:txPr/>
-    <dgm:style>
-      <a:lnRef idx="2">
-        <a:scrgbClr r="0" g="0" b="0"/>
-      </a:lnRef>
-      <a:fillRef idx="1">
-        <a:scrgbClr r="0" g="0" b="0"/>
-      </a:fillRef>
-      <a:effectRef idx="0">
-        <a:scrgbClr r="0" g="0" b="0"/>
-      </a:effectRef>
-      <a:fontRef idx="minor"/>
-    </dgm:style>
-  </dgm:styleLbl>
-  <dgm:styleLbl name="fgAcc3">
-    <dgm:scene3d>
-      <a:camera prst="orthographicFront"/>
-      <a:lightRig rig="threePt" dir="t"/>
-    </dgm:scene3d>
-    <dgm:sp3d/>
-    <dgm:txPr/>
-    <dgm:style>
-      <a:lnRef idx="2">
-        <a:scrgbClr r="0" g="0" b="0"/>
-      </a:lnRef>
-      <a:fillRef idx="1">
-        <a:scrgbClr r="0" g="0" b="0"/>
-      </a:fillRef>
-      <a:effectRef idx="0">
-        <a:scrgbClr r="0" g="0" b="0"/>
-      </a:effectRef>
-      <a:fontRef idx="minor"/>
-    </dgm:style>
-  </dgm:styleLbl>
-  <dgm:styleLbl name="fgAcc4">
-    <dgm:scene3d>
-      <a:camera prst="orthographicFront"/>
-      <a:lightRig rig="threePt" dir="t"/>
-    </dgm:scene3d>
-    <dgm:sp3d/>
-    <dgm:txPr/>
-    <dgm:style>
-      <a:lnRef idx="2">
-        <a:scrgbClr r="0" g="0" b="0"/>
-      </a:lnRef>
-      <a:fillRef idx="1">
-        <a:scrgbClr r="0" g="0" b="0"/>
-      </a:fillRef>
-      <a:effectRef idx="0">
-        <a:scrgbClr r="0" g="0" b="0"/>
-      </a:effectRef>
-      <a:fontRef idx="minor"/>
-    </dgm:style>
-  </dgm:styleLbl>
-  <dgm:styleLbl name="bgShp">
-    <dgm:scene3d>
-      <a:camera prst="orthographicFront"/>
-      <a:lightRig rig="threePt" dir="t"/>
-    </dgm:scene3d>
-    <dgm:sp3d/>
-    <dgm:txPr/>
-    <dgm:style>
-      <a:lnRef idx="0">
-        <a:scrgbClr r="0" g="0" b="0"/>
-      </a:lnRef>
-      <a:fillRef idx="1">
-        <a:scrgbClr r="0" g="0" b="0"/>
-      </a:fillRef>
-      <a:effectRef idx="0">
-        <a:scrgbClr r="0" g="0" b="0"/>
-      </a:effectRef>
-      <a:fontRef idx="minor"/>
-    </dgm:style>
-  </dgm:styleLbl>
-  <dgm:styleLbl name="dkBgShp">
-    <dgm:scene3d>
-      <a:camera prst="orthographicFront"/>
-      <a:lightRig rig="threePt" dir="t"/>
-    </dgm:scene3d>
-    <dgm:sp3d/>
-    <dgm:txPr/>
-    <dgm:style>
-      <a:lnRef idx="0">
-        <a:scrgbClr r="0" g="0" b="0"/>
-      </a:lnRef>
-      <a:fillRef idx="1">
-        <a:scrgbClr r="0" g="0" b="0"/>
-      </a:fillRef>
-      <a:effectRef idx="0">
-        <a:scrgbClr r="0" g="0" b="0"/>
-      </a:effectRef>
-      <a:fontRef idx="minor"/>
-    </dgm:style>
-  </dgm:styleLbl>
-  <dgm:styleLbl name="trBgShp">
-    <dgm:scene3d>
-      <a:camera prst="orthographicFront"/>
-      <a:lightRig rig="threePt" dir="t"/>
-    </dgm:scene3d>
-    <dgm:sp3d/>
-    <dgm:txPr/>
-    <dgm:style>
-      <a:lnRef idx="0">
-        <a:scrgbClr r="0" g="0" b="0"/>
-      </a:lnRef>
-      <a:fillRef idx="1">
-        <a:scrgbClr r="0" g="0" b="0"/>
-      </a:fillRef>
-      <a:effectRef idx="0">
-        <a:scrgbClr r="0" g="0" b="0"/>
-      </a:effectRef>
-      <a:fontRef idx="minor"/>
-    </dgm:style>
-  </dgm:styleLbl>
-  <dgm:styleLbl name="fgShp">
-    <dgm:scene3d>
-      <a:camera prst="orthographicFront"/>
-      <a:lightRig rig="threePt" dir="t"/>
-    </dgm:scene3d>
-    <dgm:sp3d/>
-    <dgm:txPr/>
-    <dgm:style>
-      <a:lnRef idx="2">
-        <a:scrgbClr r="0" g="0" b="0"/>
-      </a:lnRef>
-      <a:fillRef idx="1">
-        <a:scrgbClr r="0" g="0" b="0"/>
-      </a:fillRef>
-      <a:effectRef idx="0">
-        <a:scrgbClr r="0" g="0" b="0"/>
-      </a:effectRef>
-      <a:fontRef idx="minor"/>
-    </dgm:style>
-  </dgm:styleLbl>
-  <dgm:styleLbl name="revTx">
-    <dgm:scene3d>
-      <a:camera prst="orthographicFront"/>
-      <a:lightRig rig="threePt" dir="t"/>
-    </dgm:scene3d>
-    <dgm:sp3d/>
-    <dgm:txPr/>
-    <dgm:style>
-      <a:lnRef idx="0">
-        <a:scrgbClr r="0" g="0" b="0"/>
-      </a:lnRef>
-      <a:fillRef idx="0">
-        <a:scrgbClr r="0" g="0" b="0"/>
-      </a:fillRef>
-      <a:effectRef idx="0">
-        <a:scrgbClr r="0" g="0" b="0"/>
-      </a:effectRef>
-      <a:fontRef idx="minor"/>
-    </dgm:style>
-  </dgm:styleLbl>
-</dgm:styleDef>
-</file>
-
 <file path=ppt/handoutMasters/handoutMaster1.xml><?xml version="1.0" encoding="utf-8"?>
 <p:handoutMaster xmlns:a="http://schemas.openxmlformats.org/drawingml/2006/main" xmlns:r="http://schemas.openxmlformats.org/officeDocument/2006/relationships" xmlns:p="http://schemas.openxmlformats.org/presentationml/2006/main">
   <p:cSld>
@@ -4610,7 +232,7 @@
           <a:p>
             <a:fld id="{C17F2C1D-F243-42AB-ADF2-E7CB4E04900E}" type="datetimeFigureOut">
               <a:rPr lang="en-US" smtClean="0"/>
-              <a:t>12/11/2022</a:t>
+              <a:t>12/14/2022</a:t>
             </a:fld>
             <a:endParaRPr lang="en-US"/>
           </a:p>
@@ -4787,7 +409,7 @@
           <a:p>
             <a:fld id="{020CE34E-5667-4A32-A6BA-10C7A552BC63}" type="datetimeFigureOut">
               <a:rPr lang="en-US" smtClean="0"/>
-              <a:t>12/11/2022</a:t>
+              <a:t>12/14/2022</a:t>
             </a:fld>
             <a:endParaRPr lang="en-US"/>
           </a:p>
@@ -5372,258 +994,6 @@
             <a:fld id="{1983A999-5E0E-42CA-8400-604AE921FF7C}" type="slidenum">
               <a:rPr lang="en-US" smtClean="0"/>
               <a:t>6</a:t>
-            </a:fld>
-            <a:endParaRPr lang="en-US"/>
-          </a:p>
-        </p:txBody>
-      </p:sp>
-    </p:spTree>
-    <p:extLst>
-      <p:ext uri="{BB962C8B-B14F-4D97-AF65-F5344CB8AC3E}">
-        <p14:creationId xmlns:p14="http://schemas.microsoft.com/office/powerpoint/2010/main" val="396330408"/>
-      </p:ext>
-    </p:extLst>
-  </p:cSld>
-  <p:clrMapOvr>
-    <a:masterClrMapping/>
-  </p:clrMapOvr>
-</p:notes>
-</file>
-
-<file path=ppt/notesSlides/notesSlide5.xml><?xml version="1.0" encoding="utf-8"?>
-<p:notes xmlns:a="http://schemas.openxmlformats.org/drawingml/2006/main" xmlns:r="http://schemas.openxmlformats.org/officeDocument/2006/relationships" xmlns:p="http://schemas.openxmlformats.org/presentationml/2006/main">
-  <p:cSld>
-    <p:spTree>
-      <p:nvGrpSpPr>
-        <p:cNvPr id="1" name=""/>
-        <p:cNvGrpSpPr/>
-        <p:nvPr/>
-      </p:nvGrpSpPr>
-      <p:grpSpPr>
-        <a:xfrm>
-          <a:off x="0" y="0"/>
-          <a:ext cx="0" cy="0"/>
-          <a:chOff x="0" y="0"/>
-          <a:chExt cx="0" cy="0"/>
-        </a:xfrm>
-      </p:grpSpPr>
-      <p:sp>
-        <p:nvSpPr>
-          <p:cNvPr id="2" name="Slide Image Placeholder 1"/>
-          <p:cNvSpPr>
-            <a:spLocks noGrp="1" noRot="1" noChangeAspect="1"/>
-          </p:cNvSpPr>
-          <p:nvPr>
-            <p:ph type="sldImg"/>
-          </p:nvPr>
-        </p:nvSpPr>
-        <p:spPr/>
-      </p:sp>
-      <p:sp>
-        <p:nvSpPr>
-          <p:cNvPr id="3" name="Notes Placeholder 2"/>
-          <p:cNvSpPr>
-            <a:spLocks noGrp="1"/>
-          </p:cNvSpPr>
-          <p:nvPr>
-            <p:ph type="body" idx="1"/>
-          </p:nvPr>
-        </p:nvSpPr>
-        <p:spPr/>
-        <p:txBody>
-          <a:bodyPr/>
-          <a:lstStyle/>
-          <a:p>
-            <a:endParaRPr lang="en-US"/>
-          </a:p>
-        </p:txBody>
-      </p:sp>
-      <p:sp>
-        <p:nvSpPr>
-          <p:cNvPr id="4" name="Slide Number Placeholder 3"/>
-          <p:cNvSpPr>
-            <a:spLocks noGrp="1"/>
-          </p:cNvSpPr>
-          <p:nvPr>
-            <p:ph type="sldNum" sz="quarter" idx="10"/>
-          </p:nvPr>
-        </p:nvSpPr>
-        <p:spPr/>
-        <p:txBody>
-          <a:bodyPr/>
-          <a:lstStyle/>
-          <a:p>
-            <a:fld id="{32DC0559-D619-4E56-BF6F-3712370C2150}" type="slidenum">
-              <a:rPr lang="en-US" smtClean="0"/>
-              <a:t>7</a:t>
-            </a:fld>
-            <a:endParaRPr lang="en-US"/>
-          </a:p>
-        </p:txBody>
-      </p:sp>
-    </p:spTree>
-    <p:extLst>
-      <p:ext uri="{BB962C8B-B14F-4D97-AF65-F5344CB8AC3E}">
-        <p14:creationId xmlns:p14="http://schemas.microsoft.com/office/powerpoint/2010/main" val="514541281"/>
-      </p:ext>
-    </p:extLst>
-  </p:cSld>
-  <p:clrMapOvr>
-    <a:masterClrMapping/>
-  </p:clrMapOvr>
-</p:notes>
-</file>
-
-<file path=ppt/notesSlides/notesSlide6.xml><?xml version="1.0" encoding="utf-8"?>
-<p:notes xmlns:a="http://schemas.openxmlformats.org/drawingml/2006/main" xmlns:r="http://schemas.openxmlformats.org/officeDocument/2006/relationships" xmlns:p="http://schemas.openxmlformats.org/presentationml/2006/main">
-  <p:cSld>
-    <p:spTree>
-      <p:nvGrpSpPr>
-        <p:cNvPr id="1" name=""/>
-        <p:cNvGrpSpPr/>
-        <p:nvPr/>
-      </p:nvGrpSpPr>
-      <p:grpSpPr>
-        <a:xfrm>
-          <a:off x="0" y="0"/>
-          <a:ext cx="0" cy="0"/>
-          <a:chOff x="0" y="0"/>
-          <a:chExt cx="0" cy="0"/>
-        </a:xfrm>
-      </p:grpSpPr>
-      <p:sp>
-        <p:nvSpPr>
-          <p:cNvPr id="2" name="Slide Image Placeholder 1"/>
-          <p:cNvSpPr>
-            <a:spLocks noGrp="1" noRot="1" noChangeAspect="1"/>
-          </p:cNvSpPr>
-          <p:nvPr>
-            <p:ph type="sldImg"/>
-          </p:nvPr>
-        </p:nvSpPr>
-        <p:spPr/>
-      </p:sp>
-      <p:sp>
-        <p:nvSpPr>
-          <p:cNvPr id="3" name="Notes Placeholder 2"/>
-          <p:cNvSpPr>
-            <a:spLocks noGrp="1"/>
-          </p:cNvSpPr>
-          <p:nvPr>
-            <p:ph type="body" idx="1"/>
-          </p:nvPr>
-        </p:nvSpPr>
-        <p:spPr/>
-        <p:txBody>
-          <a:bodyPr/>
-          <a:lstStyle/>
-          <a:p>
-            <a:endParaRPr lang="en-US" dirty="0"/>
-          </a:p>
-        </p:txBody>
-      </p:sp>
-      <p:sp>
-        <p:nvSpPr>
-          <p:cNvPr id="4" name="Slide Number Placeholder 3"/>
-          <p:cNvSpPr>
-            <a:spLocks noGrp="1"/>
-          </p:cNvSpPr>
-          <p:nvPr>
-            <p:ph type="sldNum" sz="quarter" idx="5"/>
-          </p:nvPr>
-        </p:nvSpPr>
-        <p:spPr/>
-        <p:txBody>
-          <a:bodyPr/>
-          <a:lstStyle/>
-          <a:p>
-            <a:fld id="{1983A999-5E0E-42CA-8400-604AE921FF7C}" type="slidenum">
-              <a:rPr lang="en-US" smtClean="0"/>
-              <a:t>8</a:t>
-            </a:fld>
-            <a:endParaRPr lang="en-US"/>
-          </a:p>
-        </p:txBody>
-      </p:sp>
-    </p:spTree>
-    <p:extLst>
-      <p:ext uri="{BB962C8B-B14F-4D97-AF65-F5344CB8AC3E}">
-        <p14:creationId xmlns:p14="http://schemas.microsoft.com/office/powerpoint/2010/main" val="404304175"/>
-      </p:ext>
-    </p:extLst>
-  </p:cSld>
-  <p:clrMapOvr>
-    <a:masterClrMapping/>
-  </p:clrMapOvr>
-</p:notes>
-</file>
-
-<file path=ppt/notesSlides/notesSlide7.xml><?xml version="1.0" encoding="utf-8"?>
-<p:notes xmlns:a="http://schemas.openxmlformats.org/drawingml/2006/main" xmlns:r="http://schemas.openxmlformats.org/officeDocument/2006/relationships" xmlns:p="http://schemas.openxmlformats.org/presentationml/2006/main">
-  <p:cSld>
-    <p:spTree>
-      <p:nvGrpSpPr>
-        <p:cNvPr id="1" name=""/>
-        <p:cNvGrpSpPr/>
-        <p:nvPr/>
-      </p:nvGrpSpPr>
-      <p:grpSpPr>
-        <a:xfrm>
-          <a:off x="0" y="0"/>
-          <a:ext cx="0" cy="0"/>
-          <a:chOff x="0" y="0"/>
-          <a:chExt cx="0" cy="0"/>
-        </a:xfrm>
-      </p:grpSpPr>
-      <p:sp>
-        <p:nvSpPr>
-          <p:cNvPr id="2" name="Slide Image Placeholder 1"/>
-          <p:cNvSpPr>
-            <a:spLocks noGrp="1" noRot="1" noChangeAspect="1"/>
-          </p:cNvSpPr>
-          <p:nvPr>
-            <p:ph type="sldImg"/>
-          </p:nvPr>
-        </p:nvSpPr>
-        <p:spPr/>
-      </p:sp>
-      <p:sp>
-        <p:nvSpPr>
-          <p:cNvPr id="3" name="Notes Placeholder 2"/>
-          <p:cNvSpPr>
-            <a:spLocks noGrp="1"/>
-          </p:cNvSpPr>
-          <p:nvPr>
-            <p:ph type="body" idx="1"/>
-          </p:nvPr>
-        </p:nvSpPr>
-        <p:spPr/>
-        <p:txBody>
-          <a:bodyPr/>
-          <a:lstStyle/>
-          <a:p>
-            <a:endParaRPr lang="en-US" dirty="0"/>
-          </a:p>
-        </p:txBody>
-      </p:sp>
-      <p:sp>
-        <p:nvSpPr>
-          <p:cNvPr id="4" name="Slide Number Placeholder 3"/>
-          <p:cNvSpPr>
-            <a:spLocks noGrp="1"/>
-          </p:cNvSpPr>
-          <p:nvPr>
-            <p:ph type="sldNum" sz="quarter" idx="5"/>
-          </p:nvPr>
-        </p:nvSpPr>
-        <p:spPr/>
-        <p:txBody>
-          <a:bodyPr/>
-          <a:lstStyle/>
-          <a:p>
-            <a:fld id="{1983A999-5E0E-42CA-8400-604AE921FF7C}" type="slidenum">
-              <a:rPr lang="en-US" smtClean="0"/>
-              <a:t>10</a:t>
             </a:fld>
             <a:endParaRPr lang="en-US"/>
           </a:p>
@@ -17803,511 +13173,6 @@
 </p:sld>
 </file>
 
-<file path=ppt/slides/slide10.xml><?xml version="1.0" encoding="utf-8"?>
-<p:sld xmlns:a="http://schemas.openxmlformats.org/drawingml/2006/main" xmlns:r="http://schemas.openxmlformats.org/officeDocument/2006/relationships" xmlns:p="http://schemas.openxmlformats.org/presentationml/2006/main">
-  <p:cSld>
-    <p:spTree>
-      <p:nvGrpSpPr>
-        <p:cNvPr id="1" name=""/>
-        <p:cNvGrpSpPr/>
-        <p:nvPr/>
-      </p:nvGrpSpPr>
-      <p:grpSpPr>
-        <a:xfrm>
-          <a:off x="0" y="0"/>
-          <a:ext cx="0" cy="0"/>
-          <a:chOff x="0" y="0"/>
-          <a:chExt cx="0" cy="0"/>
-        </a:xfrm>
-      </p:grpSpPr>
-      <p:sp>
-        <p:nvSpPr>
-          <p:cNvPr id="11" name="Title 10">
-            <a:extLst>
-              <a:ext uri="{FF2B5EF4-FFF2-40B4-BE49-F238E27FC236}">
-                <a16:creationId xmlns:a16="http://schemas.microsoft.com/office/drawing/2014/main" id="{581E8936-2270-47FE-94A4-398CB123EF90}"/>
-              </a:ext>
-            </a:extLst>
-          </p:cNvPr>
-          <p:cNvSpPr>
-            <a:spLocks noGrp="1"/>
-          </p:cNvSpPr>
-          <p:nvPr>
-            <p:ph type="title"/>
-          </p:nvPr>
-        </p:nvSpPr>
-        <p:spPr>
-          <a:xfrm>
-            <a:off x="550863" y="4508500"/>
-            <a:ext cx="4500562" cy="1562959"/>
-          </a:xfrm>
-        </p:spPr>
-        <p:txBody>
-          <a:bodyPr/>
-          <a:lstStyle/>
-          <a:p>
-            <a:r>
-              <a:rPr lang="en-US" dirty="0"/>
-              <a:t>Summary</a:t>
-            </a:r>
-          </a:p>
-        </p:txBody>
-      </p:sp>
-      <p:pic>
-        <p:nvPicPr>
-          <p:cNvPr id="16" name="Picture Placeholder 15" descr="Data Points Digital background">
-            <a:extLst>
-              <a:ext uri="{FF2B5EF4-FFF2-40B4-BE49-F238E27FC236}">
-                <a16:creationId xmlns:a16="http://schemas.microsoft.com/office/drawing/2014/main" id="{361E9ADB-7377-4CF1-9AE4-AEFBDEBEEEEC}"/>
-              </a:ext>
-            </a:extLst>
-          </p:cNvPr>
-          <p:cNvPicPr>
-            <a:picLocks noGrp="1" noChangeAspect="1"/>
-          </p:cNvPicPr>
-          <p:nvPr>
-            <p:ph type="pic" sz="quarter" idx="13"/>
-          </p:nvPr>
-        </p:nvPicPr>
-        <p:blipFill rotWithShape="1">
-          <a:blip r:embed="rId3" cstate="screen">
-            <a:extLst>
-              <a:ext uri="{28A0092B-C50C-407E-A947-70E740481C1C}">
-                <a14:useLocalDpi xmlns:a14="http://schemas.microsoft.com/office/drawing/2010/main" val="0"/>
-              </a:ext>
-            </a:extLst>
-          </a:blip>
-          <a:srcRect/>
-          <a:stretch/>
-        </p:blipFill>
-        <p:spPr>
-          <a:xfrm>
-            <a:off x="0" y="0"/>
-            <a:ext cx="12192000" cy="3776472"/>
-          </a:xfrm>
-        </p:spPr>
-      </p:pic>
-      <p:sp>
-        <p:nvSpPr>
-          <p:cNvPr id="13" name="Content Placeholder 12">
-            <a:extLst>
-              <a:ext uri="{FF2B5EF4-FFF2-40B4-BE49-F238E27FC236}">
-                <a16:creationId xmlns:a16="http://schemas.microsoft.com/office/drawing/2014/main" id="{C0287FEC-3826-4868-8D93-52429C6156F5}"/>
-              </a:ext>
-            </a:extLst>
-          </p:cNvPr>
-          <p:cNvSpPr>
-            <a:spLocks noGrp="1"/>
-          </p:cNvSpPr>
-          <p:nvPr>
-            <p:ph sz="quarter" idx="15"/>
-          </p:nvPr>
-        </p:nvSpPr>
-        <p:spPr>
-          <a:xfrm>
-            <a:off x="5262411" y="4508500"/>
-            <a:ext cx="6221412" cy="1563688"/>
-          </a:xfrm>
-        </p:spPr>
-        <p:txBody>
-          <a:bodyPr>
-            <a:normAutofit/>
-          </a:bodyPr>
-          <a:lstStyle/>
-          <a:p>
-            <a:endParaRPr lang="en-US" dirty="0"/>
-          </a:p>
-        </p:txBody>
-      </p:sp>
-      <p:sp>
-        <p:nvSpPr>
-          <p:cNvPr id="4" name="Date Placeholder 3">
-            <a:extLst>
-              <a:ext uri="{FF2B5EF4-FFF2-40B4-BE49-F238E27FC236}">
-                <a16:creationId xmlns:a16="http://schemas.microsoft.com/office/drawing/2014/main" id="{0C329F70-04F7-4C70-BCF8-D4371F54EF2F}"/>
-              </a:ext>
-            </a:extLst>
-          </p:cNvPr>
-          <p:cNvSpPr>
-            <a:spLocks noGrp="1"/>
-          </p:cNvSpPr>
-          <p:nvPr>
-            <p:ph type="dt" sz="half" idx="10"/>
-          </p:nvPr>
-        </p:nvSpPr>
-        <p:spPr>
-          <a:xfrm>
-            <a:off x="550863" y="6507212"/>
-            <a:ext cx="2628900" cy="153888"/>
-          </a:xfrm>
-        </p:spPr>
-        <p:txBody>
-          <a:bodyPr/>
-          <a:lstStyle/>
-          <a:p>
-            <a:r>
-              <a:rPr lang="en-US"/>
-              <a:t>Tuesday, February 2, 20XX</a:t>
-            </a:r>
-            <a:endParaRPr lang="en-US" dirty="0"/>
-          </a:p>
-        </p:txBody>
-      </p:sp>
-      <p:sp>
-        <p:nvSpPr>
-          <p:cNvPr id="5" name="Footer Placeholder 4">
-            <a:extLst>
-              <a:ext uri="{FF2B5EF4-FFF2-40B4-BE49-F238E27FC236}">
-                <a16:creationId xmlns:a16="http://schemas.microsoft.com/office/drawing/2014/main" id="{06A3302E-502D-4151-81C9-5FD6AF9596D6}"/>
-              </a:ext>
-            </a:extLst>
-          </p:cNvPr>
-          <p:cNvSpPr>
-            <a:spLocks noGrp="1"/>
-          </p:cNvSpPr>
-          <p:nvPr>
-            <p:ph type="ftr" sz="quarter" idx="11"/>
-          </p:nvPr>
-        </p:nvSpPr>
-        <p:spPr>
-          <a:xfrm>
-            <a:off x="3359150" y="6507212"/>
-            <a:ext cx="6379210" cy="153888"/>
-          </a:xfrm>
-        </p:spPr>
-        <p:txBody>
-          <a:bodyPr/>
-          <a:lstStyle/>
-          <a:p>
-            <a:r>
-              <a:rPr lang="en-US"/>
-              <a:t>Sample Footer Text</a:t>
-            </a:r>
-          </a:p>
-        </p:txBody>
-      </p:sp>
-      <p:sp>
-        <p:nvSpPr>
-          <p:cNvPr id="6" name="Slide Number Placeholder 5">
-            <a:extLst>
-              <a:ext uri="{FF2B5EF4-FFF2-40B4-BE49-F238E27FC236}">
-                <a16:creationId xmlns:a16="http://schemas.microsoft.com/office/drawing/2014/main" id="{9ED907F8-C614-4D59-A03F-BF9CD5E35703}"/>
-              </a:ext>
-            </a:extLst>
-          </p:cNvPr>
-          <p:cNvSpPr>
-            <a:spLocks noGrp="1"/>
-          </p:cNvSpPr>
-          <p:nvPr>
-            <p:ph type="sldNum" sz="quarter" idx="12"/>
-          </p:nvPr>
-        </p:nvSpPr>
-        <p:spPr>
-          <a:xfrm>
-            <a:off x="9948863" y="6507212"/>
-            <a:ext cx="1692274" cy="153888"/>
-          </a:xfrm>
-        </p:spPr>
-        <p:txBody>
-          <a:bodyPr/>
-          <a:lstStyle/>
-          <a:p>
-            <a:fld id="{DBA1B0FB-D917-4C8C-928F-313BD683BF39}" type="slidenum">
-              <a:rPr lang="en-US" smtClean="0"/>
-              <a:pPr/>
-              <a:t>10</a:t>
-            </a:fld>
-            <a:endParaRPr lang="en-US"/>
-          </a:p>
-        </p:txBody>
-      </p:sp>
-    </p:spTree>
-    <p:extLst>
-      <p:ext uri="{BB962C8B-B14F-4D97-AF65-F5344CB8AC3E}">
-        <p14:creationId xmlns:p14="http://schemas.microsoft.com/office/powerpoint/2010/main" val="3521561301"/>
-      </p:ext>
-    </p:extLst>
-  </p:cSld>
-  <p:clrMapOvr>
-    <a:masterClrMapping/>
-  </p:clrMapOvr>
-</p:sld>
-</file>
-
-<file path=ppt/slides/slide11.xml><?xml version="1.0" encoding="utf-8"?>
-<p:sld xmlns:a="http://schemas.openxmlformats.org/drawingml/2006/main" xmlns:r="http://schemas.openxmlformats.org/officeDocument/2006/relationships" xmlns:p="http://schemas.openxmlformats.org/presentationml/2006/main">
-  <p:cSld>
-    <p:spTree>
-      <p:nvGrpSpPr>
-        <p:cNvPr id="1" name=""/>
-        <p:cNvGrpSpPr/>
-        <p:nvPr/>
-      </p:nvGrpSpPr>
-      <p:grpSpPr>
-        <a:xfrm>
-          <a:off x="0" y="0"/>
-          <a:ext cx="0" cy="0"/>
-          <a:chOff x="0" y="0"/>
-          <a:chExt cx="0" cy="0"/>
-        </a:xfrm>
-      </p:grpSpPr>
-      <p:sp>
-        <p:nvSpPr>
-          <p:cNvPr id="22" name="Title 21">
-            <a:extLst>
-              <a:ext uri="{FF2B5EF4-FFF2-40B4-BE49-F238E27FC236}">
-                <a16:creationId xmlns:a16="http://schemas.microsoft.com/office/drawing/2014/main" id="{F8FAEED9-1ECD-45F9-87A0-9394BAEABB79}"/>
-              </a:ext>
-            </a:extLst>
-          </p:cNvPr>
-          <p:cNvSpPr>
-            <a:spLocks noGrp="1"/>
-          </p:cNvSpPr>
-          <p:nvPr>
-            <p:ph type="ctrTitle"/>
-          </p:nvPr>
-        </p:nvSpPr>
-        <p:spPr>
-          <a:xfrm>
-            <a:off x="550863" y="549275"/>
-            <a:ext cx="5437187" cy="2986234"/>
-          </a:xfrm>
-        </p:spPr>
-        <p:txBody>
-          <a:bodyPr/>
-          <a:lstStyle/>
-          <a:p>
-            <a:r>
-              <a:rPr lang="en-US" dirty="0"/>
-              <a:t>Thank You</a:t>
-            </a:r>
-          </a:p>
-        </p:txBody>
-      </p:sp>
-      <p:sp>
-        <p:nvSpPr>
-          <p:cNvPr id="23" name="Subtitle 22">
-            <a:extLst>
-              <a:ext uri="{FF2B5EF4-FFF2-40B4-BE49-F238E27FC236}">
-                <a16:creationId xmlns:a16="http://schemas.microsoft.com/office/drawing/2014/main" id="{8E5E4638-9BCB-4C2E-914F-CC868E2020D5}"/>
-              </a:ext>
-            </a:extLst>
-          </p:cNvPr>
-          <p:cNvSpPr>
-            <a:spLocks noGrp="1"/>
-          </p:cNvSpPr>
-          <p:nvPr>
-            <p:ph type="subTitle" idx="1"/>
-          </p:nvPr>
-        </p:nvSpPr>
-        <p:spPr>
-          <a:xfrm>
-            <a:off x="550863" y="3827610"/>
-            <a:ext cx="5437187" cy="2265216"/>
-          </a:xfrm>
-        </p:spPr>
-        <p:txBody>
-          <a:bodyPr/>
-          <a:lstStyle/>
-          <a:p>
-            <a:r>
-              <a:rPr lang="en-US" dirty="0"/>
-              <a:t>Donal Howe</a:t>
-            </a:r>
-          </a:p>
-          <a:p>
-            <a:r>
-              <a:rPr lang="en-US" dirty="0"/>
-              <a:t>c00249662</a:t>
-            </a:r>
-          </a:p>
-          <a:p>
-            <a:endParaRPr lang="en-US" dirty="0"/>
-          </a:p>
-        </p:txBody>
-      </p:sp>
-      <p:pic>
-        <p:nvPicPr>
-          <p:cNvPr id="27" name="Picture Placeholder 26" descr="Data Points Digital background">
-            <a:extLst>
-              <a:ext uri="{FF2B5EF4-FFF2-40B4-BE49-F238E27FC236}">
-                <a16:creationId xmlns:a16="http://schemas.microsoft.com/office/drawing/2014/main" id="{9E660784-34E2-4CDA-926A-DDD6AAF35046}"/>
-              </a:ext>
-            </a:extLst>
-          </p:cNvPr>
-          <p:cNvPicPr>
-            <a:picLocks noGrp="1" noChangeAspect="1"/>
-          </p:cNvPicPr>
-          <p:nvPr>
-            <p:ph type="pic" sz="quarter" idx="15"/>
-          </p:nvPr>
-        </p:nvPicPr>
-        <p:blipFill rotWithShape="1">
-          <a:blip r:embed="rId2" cstate="screen">
-            <a:extLst>
-              <a:ext uri="{28A0092B-C50C-407E-A947-70E740481C1C}">
-                <a14:useLocalDpi xmlns:a14="http://schemas.microsoft.com/office/drawing/2010/main" val="0"/>
-              </a:ext>
-            </a:extLst>
-          </a:blip>
-          <a:srcRect/>
-          <a:stretch/>
-        </p:blipFill>
-        <p:spPr>
-          <a:xfrm>
-            <a:off x="6556248" y="548640"/>
-            <a:ext cx="5084064" cy="2880360"/>
-          </a:xfrm>
-        </p:spPr>
-      </p:pic>
-      <p:pic>
-        <p:nvPicPr>
-          <p:cNvPr id="33" name="Picture Placeholder 32" descr="Data Points Digital background">
-            <a:extLst>
-              <a:ext uri="{FF2B5EF4-FFF2-40B4-BE49-F238E27FC236}">
-                <a16:creationId xmlns:a16="http://schemas.microsoft.com/office/drawing/2014/main" id="{48106962-23C6-4DFE-BB3A-E5FFF03F38CE}"/>
-              </a:ext>
-            </a:extLst>
-          </p:cNvPr>
-          <p:cNvPicPr>
-            <a:picLocks noGrp="1" noChangeAspect="1"/>
-          </p:cNvPicPr>
-          <p:nvPr>
-            <p:ph type="pic" sz="quarter" idx="16"/>
-          </p:nvPr>
-        </p:nvPicPr>
-        <p:blipFill rotWithShape="1">
-          <a:blip r:embed="rId3" cstate="screen">
-            <a:extLst>
-              <a:ext uri="{28A0092B-C50C-407E-A947-70E740481C1C}">
-                <a14:useLocalDpi xmlns:a14="http://schemas.microsoft.com/office/drawing/2010/main" val="0"/>
-              </a:ext>
-            </a:extLst>
-          </a:blip>
-          <a:srcRect/>
-          <a:stretch/>
-        </p:blipFill>
-        <p:spPr>
-          <a:xfrm>
-            <a:off x="6556248" y="3429000"/>
-            <a:ext cx="5084064" cy="2880360"/>
-          </a:xfrm>
-        </p:spPr>
-      </p:pic>
-      <p:sp>
-        <p:nvSpPr>
-          <p:cNvPr id="4" name="Date Placeholder 3">
-            <a:extLst>
-              <a:ext uri="{FF2B5EF4-FFF2-40B4-BE49-F238E27FC236}">
-                <a16:creationId xmlns:a16="http://schemas.microsoft.com/office/drawing/2014/main" id="{7823E305-6365-4345-8BD1-4A31C61D96CB}"/>
-              </a:ext>
-            </a:extLst>
-          </p:cNvPr>
-          <p:cNvSpPr>
-            <a:spLocks noGrp="1"/>
-          </p:cNvSpPr>
-          <p:nvPr>
-            <p:ph type="dt" sz="half" idx="10"/>
-          </p:nvPr>
-        </p:nvSpPr>
-        <p:spPr>
-          <a:xfrm>
-            <a:off x="550863" y="6507212"/>
-            <a:ext cx="2628900" cy="153888"/>
-          </a:xfrm>
-        </p:spPr>
-        <p:txBody>
-          <a:bodyPr/>
-          <a:lstStyle/>
-          <a:p>
-            <a:r>
-              <a:rPr lang="en-US"/>
-              <a:t>Tuesday, February 2, 20XX</a:t>
-            </a:r>
-          </a:p>
-        </p:txBody>
-      </p:sp>
-      <p:sp>
-        <p:nvSpPr>
-          <p:cNvPr id="5" name="Footer Placeholder 4">
-            <a:extLst>
-              <a:ext uri="{FF2B5EF4-FFF2-40B4-BE49-F238E27FC236}">
-                <a16:creationId xmlns:a16="http://schemas.microsoft.com/office/drawing/2014/main" id="{0B37A3FF-ED32-4C4A-A21F-848A3BF6F896}"/>
-              </a:ext>
-            </a:extLst>
-          </p:cNvPr>
-          <p:cNvSpPr>
-            <a:spLocks noGrp="1"/>
-          </p:cNvSpPr>
-          <p:nvPr>
-            <p:ph type="ftr" sz="quarter" idx="11"/>
-          </p:nvPr>
-        </p:nvSpPr>
-        <p:spPr>
-          <a:xfrm>
-            <a:off x="3359150" y="6507212"/>
-            <a:ext cx="6379210" cy="153888"/>
-          </a:xfrm>
-        </p:spPr>
-        <p:txBody>
-          <a:bodyPr/>
-          <a:lstStyle/>
-          <a:p>
-            <a:r>
-              <a:rPr lang="en-US"/>
-              <a:t>Sample Footer Text</a:t>
-            </a:r>
-          </a:p>
-        </p:txBody>
-      </p:sp>
-      <p:sp>
-        <p:nvSpPr>
-          <p:cNvPr id="6" name="Slide Number Placeholder 5">
-            <a:extLst>
-              <a:ext uri="{FF2B5EF4-FFF2-40B4-BE49-F238E27FC236}">
-                <a16:creationId xmlns:a16="http://schemas.microsoft.com/office/drawing/2014/main" id="{36E60F23-FB58-4EF8-82FD-E86CED25FDD4}"/>
-              </a:ext>
-            </a:extLst>
-          </p:cNvPr>
-          <p:cNvSpPr>
-            <a:spLocks noGrp="1"/>
-          </p:cNvSpPr>
-          <p:nvPr>
-            <p:ph type="sldNum" sz="quarter" idx="12"/>
-          </p:nvPr>
-        </p:nvSpPr>
-        <p:spPr>
-          <a:xfrm>
-            <a:off x="9948863" y="6507212"/>
-            <a:ext cx="1692274" cy="153888"/>
-          </a:xfrm>
-        </p:spPr>
-        <p:txBody>
-          <a:bodyPr/>
-          <a:lstStyle/>
-          <a:p>
-            <a:fld id="{DBA1B0FB-D917-4C8C-928F-313BD683BF39}" type="slidenum">
-              <a:rPr lang="en-US" smtClean="0"/>
-              <a:pPr/>
-              <a:t>11</a:t>
-            </a:fld>
-            <a:endParaRPr lang="en-US"/>
-          </a:p>
-        </p:txBody>
-      </p:sp>
-    </p:spTree>
-    <p:extLst>
-      <p:ext uri="{BB962C8B-B14F-4D97-AF65-F5344CB8AC3E}">
-        <p14:creationId xmlns:p14="http://schemas.microsoft.com/office/powerpoint/2010/main" val="3247798845"/>
-      </p:ext>
-    </p:extLst>
-  </p:cSld>
-  <p:clrMapOvr>
-    <a:masterClrMapping/>
-  </p:clrMapOvr>
-</p:sld>
-</file>
-
 <file path=ppt/slides/slide2.xml><?xml version="1.0" encoding="utf-8"?>
 <p:sld xmlns:a="http://schemas.openxmlformats.org/drawingml/2006/main" xmlns:r="http://schemas.openxmlformats.org/officeDocument/2006/relationships" xmlns:p="http://schemas.openxmlformats.org/presentationml/2006/main">
   <p:cSld>
@@ -20401,7 +15266,7 @@
           <a:p>
             <a:r>
               <a:rPr lang="en-US" dirty="0"/>
-              <a:t>The way to get started is to quit talking and begin doing.</a:t>
+              <a:t>Currently implementing my D* function </a:t>
             </a:r>
           </a:p>
         </p:txBody>
@@ -20434,8 +15299,13 @@
           <a:p>
             <a:r>
               <a:rPr lang="en-US" dirty="0"/>
-              <a:t>Walt Disney</a:t>
-            </a:r>
+              <a:t>I will then go on to test and store the information inside of a database</a:t>
+            </a:r>
+            <a:r>
+              <a:rPr lang="en-US"/>
+              <a:t>/excel file and </a:t>
+            </a:r>
+            <a:endParaRPr lang="en-US" dirty="0"/>
           </a:p>
           <a:p>
             <a:endParaRPr lang="en-US" dirty="0"/>
@@ -20610,10 +15480,10 @@
       </p:grpSpPr>
       <p:sp>
         <p:nvSpPr>
-          <p:cNvPr id="6" name="Title 5">
-            <a:extLst>
-              <a:ext uri="{FF2B5EF4-FFF2-40B4-BE49-F238E27FC236}">
-                <a16:creationId xmlns:a16="http://schemas.microsoft.com/office/drawing/2014/main" id="{ED2A30C0-1BC4-4764-9C0F-5D811CAB8312}"/>
+          <p:cNvPr id="11" name="Title 10">
+            <a:extLst>
+              <a:ext uri="{FF2B5EF4-FFF2-40B4-BE49-F238E27FC236}">
+                <a16:creationId xmlns:a16="http://schemas.microsoft.com/office/drawing/2014/main" id="{581E8936-2270-47FE-94A4-398CB123EF90}"/>
               </a:ext>
             </a:extLst>
           </p:cNvPr>
@@ -20621,13 +15491,13 @@
             <a:spLocks noGrp="1"/>
           </p:cNvSpPr>
           <p:nvPr>
-            <p:ph type="ctrTitle"/>
+            <p:ph type="title"/>
           </p:nvPr>
         </p:nvSpPr>
         <p:spPr>
           <a:xfrm>
-            <a:off x="548640" y="548640"/>
-            <a:ext cx="8281987" cy="1253041"/>
+            <a:off x="550863" y="4508500"/>
+            <a:ext cx="4500562" cy="1562959"/>
           </a:xfrm>
         </p:spPr>
         <p:txBody>
@@ -20636,17 +15506,17 @@
           <a:p>
             <a:r>
               <a:rPr lang="en-US" dirty="0"/>
-              <a:t>Team</a:t>
+              <a:t>Questions ??????</a:t>
             </a:r>
           </a:p>
         </p:txBody>
       </p:sp>
       <p:pic>
         <p:nvPicPr>
-          <p:cNvPr id="17" name="Picture Placeholder 16" descr="A man smiling in the office">
-            <a:extLst>
-              <a:ext uri="{FF2B5EF4-FFF2-40B4-BE49-F238E27FC236}">
-                <a16:creationId xmlns:a16="http://schemas.microsoft.com/office/drawing/2014/main" id="{05ED5B1E-974F-476C-A3C9-572D3602E95E}"/>
+          <p:cNvPr id="16" name="Picture Placeholder 15" descr="Data Points Digital background">
+            <a:extLst>
+              <a:ext uri="{FF2B5EF4-FFF2-40B4-BE49-F238E27FC236}">
+                <a16:creationId xmlns:a16="http://schemas.microsoft.com/office/drawing/2014/main" id="{361E9ADB-7377-4CF1-9AE4-AEFBDEBEEEEC}"/>
               </a:ext>
             </a:extLst>
           </p:cNvPr>
@@ -20670,383 +15540,49 @@
         </p:blipFill>
         <p:spPr>
           <a:xfrm>
-            <a:off x="1078992" y="1990724"/>
-            <a:ext cx="1691640" cy="1435608"/>
+            <a:off x="0" y="0"/>
+            <a:ext cx="12192000" cy="3776472"/>
           </a:xfrm>
         </p:spPr>
       </p:pic>
-      <p:pic>
-        <p:nvPicPr>
-          <p:cNvPr id="36" name="Picture Placeholder 35" descr="A lady smiling in the office">
-            <a:extLst>
-              <a:ext uri="{FF2B5EF4-FFF2-40B4-BE49-F238E27FC236}">
-                <a16:creationId xmlns:a16="http://schemas.microsoft.com/office/drawing/2014/main" id="{F3CCCCDF-EA66-4F5E-98F3-A05239CBBAC4}"/>
-              </a:ext>
-            </a:extLst>
-          </p:cNvPr>
-          <p:cNvPicPr>
-            <a:picLocks noGrp="1" noChangeAspect="1"/>
-          </p:cNvPicPr>
-          <p:nvPr>
-            <p:ph type="pic" sz="quarter" idx="14"/>
-          </p:nvPr>
-        </p:nvPicPr>
-        <p:blipFill rotWithShape="1">
-          <a:blip r:embed="rId4" cstate="screen">
-            <a:extLst>
-              <a:ext uri="{28A0092B-C50C-407E-A947-70E740481C1C}">
-                <a14:useLocalDpi xmlns:a14="http://schemas.microsoft.com/office/drawing/2010/main" val="0"/>
-              </a:ext>
-            </a:extLst>
-          </a:blip>
-          <a:srcRect/>
-          <a:stretch/>
-        </p:blipFill>
+      <p:sp>
+        <p:nvSpPr>
+          <p:cNvPr id="13" name="Content Placeholder 12">
+            <a:extLst>
+              <a:ext uri="{FF2B5EF4-FFF2-40B4-BE49-F238E27FC236}">
+                <a16:creationId xmlns:a16="http://schemas.microsoft.com/office/drawing/2014/main" id="{C0287FEC-3826-4868-8D93-52429C6156F5}"/>
+              </a:ext>
+            </a:extLst>
+          </p:cNvPr>
+          <p:cNvSpPr>
+            <a:spLocks noGrp="1"/>
+          </p:cNvSpPr>
+          <p:nvPr>
+            <p:ph sz="quarter" idx="15"/>
+          </p:nvPr>
+        </p:nvSpPr>
         <p:spPr>
           <a:xfrm>
-            <a:off x="3838384" y="1990724"/>
-            <a:ext cx="1691640" cy="1435608"/>
+            <a:off x="5262411" y="4508500"/>
+            <a:ext cx="6221412" cy="1563688"/>
           </a:xfrm>
         </p:spPr>
-      </p:pic>
-      <p:pic>
-        <p:nvPicPr>
-          <p:cNvPr id="38" name="Picture Placeholder 37" descr="A lady in the office smiling at the camera&#10;">
-            <a:extLst>
-              <a:ext uri="{FF2B5EF4-FFF2-40B4-BE49-F238E27FC236}">
-                <a16:creationId xmlns:a16="http://schemas.microsoft.com/office/drawing/2014/main" id="{8A6BB597-41F4-432E-8432-8F39511B2941}"/>
-              </a:ext>
-            </a:extLst>
-          </p:cNvPr>
-          <p:cNvPicPr>
-            <a:picLocks noGrp="1" noChangeAspect="1"/>
-          </p:cNvPicPr>
-          <p:nvPr>
-            <p:ph type="pic" sz="quarter" idx="15"/>
-          </p:nvPr>
-        </p:nvPicPr>
-        <p:blipFill rotWithShape="1">
-          <a:blip r:embed="rId5" cstate="screen">
-            <a:extLst>
-              <a:ext uri="{28A0092B-C50C-407E-A947-70E740481C1C}">
-                <a14:useLocalDpi xmlns:a14="http://schemas.microsoft.com/office/drawing/2010/main" val="0"/>
-              </a:ext>
-            </a:extLst>
-          </a:blip>
-          <a:srcRect/>
-          <a:stretch/>
-        </p:blipFill>
-        <p:spPr>
-          <a:xfrm>
-            <a:off x="6661976" y="1993392"/>
-            <a:ext cx="1691640" cy="1435608"/>
-          </a:xfrm>
-        </p:spPr>
-      </p:pic>
-      <p:pic>
-        <p:nvPicPr>
-          <p:cNvPr id="40" name="Picture Placeholder 39" descr="Smiling man with a beard">
-            <a:extLst>
-              <a:ext uri="{FF2B5EF4-FFF2-40B4-BE49-F238E27FC236}">
-                <a16:creationId xmlns:a16="http://schemas.microsoft.com/office/drawing/2014/main" id="{76B2FC80-9F3B-46D8-94D9-882D90A858F6}"/>
-              </a:ext>
-            </a:extLst>
-          </p:cNvPr>
-          <p:cNvPicPr>
-            <a:picLocks noGrp="1" noChangeAspect="1"/>
-          </p:cNvPicPr>
-          <p:nvPr>
-            <p:ph type="pic" sz="quarter" idx="16"/>
-          </p:nvPr>
-        </p:nvPicPr>
-        <p:blipFill rotWithShape="1">
-          <a:blip r:embed="rId6" cstate="screen">
-            <a:extLst>
-              <a:ext uri="{28A0092B-C50C-407E-A947-70E740481C1C}">
-                <a14:useLocalDpi xmlns:a14="http://schemas.microsoft.com/office/drawing/2010/main" val="0"/>
-              </a:ext>
-            </a:extLst>
-          </a:blip>
-          <a:srcRect/>
-          <a:stretch/>
-        </p:blipFill>
-        <p:spPr>
-          <a:xfrm>
-            <a:off x="9485568" y="1990724"/>
-            <a:ext cx="1691640" cy="1435608"/>
-          </a:xfrm>
-        </p:spPr>
-      </p:pic>
-      <p:sp>
-        <p:nvSpPr>
-          <p:cNvPr id="41" name="Text Placeholder 40">
-            <a:extLst>
-              <a:ext uri="{FF2B5EF4-FFF2-40B4-BE49-F238E27FC236}">
-                <a16:creationId xmlns:a16="http://schemas.microsoft.com/office/drawing/2014/main" id="{91181F6D-A54F-4289-8C36-80ECE3B2C8E2}"/>
-              </a:ext>
-            </a:extLst>
-          </p:cNvPr>
-          <p:cNvSpPr>
-            <a:spLocks noGrp="1"/>
-          </p:cNvSpPr>
-          <p:nvPr>
-            <p:ph type="body" sz="quarter" idx="18"/>
-          </p:nvPr>
-        </p:nvSpPr>
-        <p:spPr>
-          <a:xfrm>
-            <a:off x="1079500" y="3781425"/>
-            <a:ext cx="1711325" cy="365760"/>
-          </a:xfrm>
-        </p:spPr>
-        <p:txBody>
-          <a:bodyPr/>
+        <p:txBody>
+          <a:bodyPr>
+            <a:normAutofit/>
+          </a:bodyPr>
           <a:lstStyle/>
           <a:p>
-            <a:r>
-              <a:rPr lang="en-US" dirty="0"/>
-              <a:t>Name</a:t>
-            </a:r>
-          </a:p>
-        </p:txBody>
-      </p:sp>
-      <p:sp>
-        <p:nvSpPr>
-          <p:cNvPr id="15" name="Subtitle 14">
-            <a:extLst>
-              <a:ext uri="{FF2B5EF4-FFF2-40B4-BE49-F238E27FC236}">
-                <a16:creationId xmlns:a16="http://schemas.microsoft.com/office/drawing/2014/main" id="{84D39D81-9726-4BD7-BDC0-FA0B2AD0D219}"/>
-              </a:ext>
-            </a:extLst>
-          </p:cNvPr>
-          <p:cNvSpPr>
-            <a:spLocks noGrp="1"/>
-          </p:cNvSpPr>
-          <p:nvPr>
-            <p:ph type="body" sz="quarter" idx="17"/>
-          </p:nvPr>
-        </p:nvSpPr>
-        <p:spPr>
-          <a:xfrm>
-            <a:off x="1078733" y="4232949"/>
-            <a:ext cx="1711572" cy="638175"/>
-          </a:xfrm>
-        </p:spPr>
-        <p:txBody>
-          <a:bodyPr/>
-          <a:lstStyle/>
-          <a:p>
-            <a:r>
-              <a:rPr lang="en-US" dirty="0"/>
-              <a:t>Title</a:t>
-            </a:r>
-          </a:p>
-        </p:txBody>
-      </p:sp>
-      <p:sp>
-        <p:nvSpPr>
-          <p:cNvPr id="43" name="Text Placeholder 42">
-            <a:extLst>
-              <a:ext uri="{FF2B5EF4-FFF2-40B4-BE49-F238E27FC236}">
-                <a16:creationId xmlns:a16="http://schemas.microsoft.com/office/drawing/2014/main" id="{E4387CED-5FBE-4AFF-B64D-975B5574F16F}"/>
-              </a:ext>
-            </a:extLst>
-          </p:cNvPr>
-          <p:cNvSpPr>
-            <a:spLocks noGrp="1"/>
-          </p:cNvSpPr>
-          <p:nvPr>
-            <p:ph type="body" sz="quarter" idx="20"/>
-          </p:nvPr>
-        </p:nvSpPr>
-        <p:spPr>
-          <a:xfrm>
-            <a:off x="3839151" y="3781425"/>
-            <a:ext cx="1711325" cy="365760"/>
-          </a:xfrm>
-        </p:spPr>
-        <p:txBody>
-          <a:bodyPr/>
-          <a:lstStyle/>
-          <a:p>
-            <a:r>
-              <a:rPr lang="en-US" dirty="0"/>
-              <a:t>Name</a:t>
-            </a:r>
-          </a:p>
-        </p:txBody>
-      </p:sp>
-      <p:sp>
-        <p:nvSpPr>
-          <p:cNvPr id="42" name="Text Placeholder 41">
-            <a:extLst>
-              <a:ext uri="{FF2B5EF4-FFF2-40B4-BE49-F238E27FC236}">
-                <a16:creationId xmlns:a16="http://schemas.microsoft.com/office/drawing/2014/main" id="{CCDF84CD-BC27-4182-9FBA-9D4FEED95410}"/>
-              </a:ext>
-            </a:extLst>
-          </p:cNvPr>
-          <p:cNvSpPr>
-            <a:spLocks noGrp="1"/>
-          </p:cNvSpPr>
-          <p:nvPr>
-            <p:ph type="body" sz="quarter" idx="19"/>
-          </p:nvPr>
-        </p:nvSpPr>
-        <p:spPr>
-          <a:xfrm>
-            <a:off x="3838384" y="4232949"/>
-            <a:ext cx="1711572" cy="638175"/>
-          </a:xfrm>
-        </p:spPr>
-        <p:txBody>
-          <a:bodyPr/>
-          <a:lstStyle/>
-          <a:p>
-            <a:r>
-              <a:rPr lang="en-US" dirty="0"/>
-              <a:t>Title</a:t>
-            </a:r>
-          </a:p>
-        </p:txBody>
-      </p:sp>
-      <p:sp>
-        <p:nvSpPr>
-          <p:cNvPr id="45" name="Text Placeholder 44">
-            <a:extLst>
-              <a:ext uri="{FF2B5EF4-FFF2-40B4-BE49-F238E27FC236}">
-                <a16:creationId xmlns:a16="http://schemas.microsoft.com/office/drawing/2014/main" id="{FE5CD03B-066A-46AF-8FB8-E8A78074ABEF}"/>
-              </a:ext>
-            </a:extLst>
-          </p:cNvPr>
-          <p:cNvSpPr>
-            <a:spLocks noGrp="1"/>
-          </p:cNvSpPr>
-          <p:nvPr>
-            <p:ph type="body" sz="quarter" idx="22"/>
-          </p:nvPr>
-        </p:nvSpPr>
-        <p:spPr>
-          <a:xfrm>
-            <a:off x="6662743" y="3781425"/>
-            <a:ext cx="1711325" cy="365760"/>
-          </a:xfrm>
-        </p:spPr>
-        <p:txBody>
-          <a:bodyPr/>
-          <a:lstStyle/>
-          <a:p>
-            <a:r>
-              <a:rPr lang="en-US" dirty="0"/>
-              <a:t>Name</a:t>
-            </a:r>
-          </a:p>
-        </p:txBody>
-      </p:sp>
-      <p:sp>
-        <p:nvSpPr>
-          <p:cNvPr id="44" name="Text Placeholder 43">
-            <a:extLst>
-              <a:ext uri="{FF2B5EF4-FFF2-40B4-BE49-F238E27FC236}">
-                <a16:creationId xmlns:a16="http://schemas.microsoft.com/office/drawing/2014/main" id="{10E83414-3440-46C7-8C07-7D073B69C422}"/>
-              </a:ext>
-            </a:extLst>
-          </p:cNvPr>
-          <p:cNvSpPr>
-            <a:spLocks noGrp="1"/>
-          </p:cNvSpPr>
-          <p:nvPr>
-            <p:ph type="body" sz="quarter" idx="21"/>
-          </p:nvPr>
-        </p:nvSpPr>
-        <p:spPr>
-          <a:xfrm>
-            <a:off x="6661976" y="4232949"/>
-            <a:ext cx="1711572" cy="638175"/>
-          </a:xfrm>
-        </p:spPr>
-        <p:txBody>
-          <a:bodyPr/>
-          <a:lstStyle/>
-          <a:p>
-            <a:r>
-              <a:rPr lang="en-US" dirty="0"/>
-              <a:t>Title</a:t>
-            </a:r>
-          </a:p>
-        </p:txBody>
-      </p:sp>
-      <p:sp>
-        <p:nvSpPr>
-          <p:cNvPr id="47" name="Text Placeholder 46">
-            <a:extLst>
-              <a:ext uri="{FF2B5EF4-FFF2-40B4-BE49-F238E27FC236}">
-                <a16:creationId xmlns:a16="http://schemas.microsoft.com/office/drawing/2014/main" id="{F4640D91-CB97-4FCC-8FEF-F4B22B844DC4}"/>
-              </a:ext>
-            </a:extLst>
-          </p:cNvPr>
-          <p:cNvSpPr>
-            <a:spLocks noGrp="1"/>
-          </p:cNvSpPr>
-          <p:nvPr>
-            <p:ph type="body" sz="quarter" idx="24"/>
-          </p:nvPr>
-        </p:nvSpPr>
-        <p:spPr>
-          <a:xfrm>
-            <a:off x="9433112" y="3787288"/>
-            <a:ext cx="1711325" cy="365760"/>
-          </a:xfrm>
-        </p:spPr>
-        <p:txBody>
-          <a:bodyPr/>
-          <a:lstStyle/>
-          <a:p>
-            <a:r>
-              <a:rPr lang="en-US" dirty="0"/>
-              <a:t>Name</a:t>
-            </a:r>
-          </a:p>
-        </p:txBody>
-      </p:sp>
-      <p:sp>
-        <p:nvSpPr>
-          <p:cNvPr id="3" name="Text Placeholder 2">
-            <a:extLst>
-              <a:ext uri="{FF2B5EF4-FFF2-40B4-BE49-F238E27FC236}">
-                <a16:creationId xmlns:a16="http://schemas.microsoft.com/office/drawing/2014/main" id="{B1C6A53C-7538-4FF9-BC09-EFC116FE7054}"/>
-              </a:ext>
-            </a:extLst>
-          </p:cNvPr>
-          <p:cNvSpPr>
-            <a:spLocks noGrp="1"/>
-          </p:cNvSpPr>
-          <p:nvPr>
-            <p:ph type="body" sz="quarter" idx="23"/>
-          </p:nvPr>
-        </p:nvSpPr>
-        <p:spPr>
-          <a:xfrm>
-            <a:off x="9432345" y="4238812"/>
-            <a:ext cx="1711572" cy="638175"/>
-          </a:xfrm>
-        </p:spPr>
-        <p:txBody>
-          <a:bodyPr/>
-          <a:lstStyle/>
-          <a:p>
-            <a:r>
-              <a:rPr lang="en-US" dirty="0"/>
-              <a:t>Title</a:t>
-            </a:r>
-          </a:p>
-        </p:txBody>
-      </p:sp>
-      <p:sp>
-        <p:nvSpPr>
-          <p:cNvPr id="7" name="Date Placeholder 6">
-            <a:extLst>
-              <a:ext uri="{FF2B5EF4-FFF2-40B4-BE49-F238E27FC236}">
-                <a16:creationId xmlns:a16="http://schemas.microsoft.com/office/drawing/2014/main" id="{45F69D6A-822D-4DB9-A2CC-D9106F1F2B68}"/>
+            <a:endParaRPr lang="en-US" dirty="0"/>
+          </a:p>
+        </p:txBody>
+      </p:sp>
+      <p:sp>
+        <p:nvSpPr>
+          <p:cNvPr id="4" name="Date Placeholder 3">
+            <a:extLst>
+              <a:ext uri="{FF2B5EF4-FFF2-40B4-BE49-F238E27FC236}">
+                <a16:creationId xmlns:a16="http://schemas.microsoft.com/office/drawing/2014/main" id="{0C329F70-04F7-4C70-BCF8-D4371F54EF2F}"/>
               </a:ext>
             </a:extLst>
           </p:cNvPr>
@@ -21077,10 +15613,10 @@
       </p:sp>
       <p:sp>
         <p:nvSpPr>
-          <p:cNvPr id="8" name="Footer Placeholder 7">
-            <a:extLst>
-              <a:ext uri="{FF2B5EF4-FFF2-40B4-BE49-F238E27FC236}">
-                <a16:creationId xmlns:a16="http://schemas.microsoft.com/office/drawing/2014/main" id="{6375D7F3-165A-439B-8D1D-6553B68C2886}"/>
+          <p:cNvPr id="5" name="Footer Placeholder 4">
+            <a:extLst>
+              <a:ext uri="{FF2B5EF4-FFF2-40B4-BE49-F238E27FC236}">
+                <a16:creationId xmlns:a16="http://schemas.microsoft.com/office/drawing/2014/main" id="{06A3302E-502D-4151-81C9-5FD6AF9596D6}"/>
               </a:ext>
             </a:extLst>
           </p:cNvPr>
@@ -21110,10 +15646,10 @@
       </p:sp>
       <p:sp>
         <p:nvSpPr>
-          <p:cNvPr id="9" name="Slide Number Placeholder 8">
-            <a:extLst>
-              <a:ext uri="{FF2B5EF4-FFF2-40B4-BE49-F238E27FC236}">
-                <a16:creationId xmlns:a16="http://schemas.microsoft.com/office/drawing/2014/main" id="{7AF9A883-CC44-4401-AE67-8FCEACB7DDDA}"/>
+          <p:cNvPr id="6" name="Slide Number Placeholder 5">
+            <a:extLst>
+              <a:ext uri="{FF2B5EF4-FFF2-40B4-BE49-F238E27FC236}">
+                <a16:creationId xmlns:a16="http://schemas.microsoft.com/office/drawing/2014/main" id="{9ED907F8-C614-4D59-A03F-BF9CD5E35703}"/>
               </a:ext>
             </a:extLst>
           </p:cNvPr>
@@ -21146,7 +15682,7 @@
     </p:spTree>
     <p:extLst>
       <p:ext uri="{BB962C8B-B14F-4D97-AF65-F5344CB8AC3E}">
-        <p14:creationId xmlns:p14="http://schemas.microsoft.com/office/powerpoint/2010/main" val="2979876663"/>
+        <p14:creationId xmlns:p14="http://schemas.microsoft.com/office/powerpoint/2010/main" val="3521561301"/>
       </p:ext>
     </p:extLst>
   </p:cSld>
@@ -21175,10 +15711,10 @@
       </p:grpSpPr>
       <p:sp>
         <p:nvSpPr>
-          <p:cNvPr id="3" name="Title 2">
-            <a:extLst>
-              <a:ext uri="{FF2B5EF4-FFF2-40B4-BE49-F238E27FC236}">
-                <a16:creationId xmlns:a16="http://schemas.microsoft.com/office/drawing/2014/main" id="{FAD72D26-24EF-4CBD-9431-A558CB7CA906}"/>
+          <p:cNvPr id="22" name="Title 21">
+            <a:extLst>
+              <a:ext uri="{FF2B5EF4-FFF2-40B4-BE49-F238E27FC236}">
+                <a16:creationId xmlns:a16="http://schemas.microsoft.com/office/drawing/2014/main" id="{F8FAEED9-1ECD-45F9-87A0-9394BAEABB79}"/>
               </a:ext>
             </a:extLst>
           </p:cNvPr>
@@ -21186,13 +15722,13 @@
             <a:spLocks noGrp="1"/>
           </p:cNvSpPr>
           <p:nvPr>
-            <p:ph type="title"/>
+            <p:ph type="ctrTitle"/>
           </p:nvPr>
         </p:nvSpPr>
         <p:spPr>
           <a:xfrm>
-            <a:off x="550862" y="549275"/>
-            <a:ext cx="11091600" cy="1332000"/>
+            <a:off x="550863" y="549275"/>
+            <a:ext cx="5437187" cy="2986234"/>
           </a:xfrm>
         </p:spPr>
         <p:txBody>
@@ -21201,48 +15737,127 @@
           <a:p>
             <a:r>
               <a:rPr lang="en-US" dirty="0"/>
-              <a:t>Timeline</a:t>
-            </a:r>
-          </a:p>
-        </p:txBody>
-      </p:sp>
-      <p:graphicFrame>
-        <p:nvGraphicFramePr>
-          <p:cNvPr id="4" name="Content Placeholder 3" descr="Timeline Smart Art Placeholder ">
-            <a:extLst>
-              <a:ext uri="{FF2B5EF4-FFF2-40B4-BE49-F238E27FC236}">
-                <a16:creationId xmlns:a16="http://schemas.microsoft.com/office/drawing/2014/main" id="{93897051-DA8D-4072-A594-51769F8D52F5}"/>
-              </a:ext>
-            </a:extLst>
-          </p:cNvPr>
-          <p:cNvGraphicFramePr>
-            <a:graphicFrameLocks noGrp="1"/>
-          </p:cNvGraphicFramePr>
-          <p:nvPr>
-            <p:ph idx="1"/>
-            <p:extLst>
-              <p:ext uri="{D42A27DB-BD31-4B8C-83A1-F6EECF244321}">
-                <p14:modId xmlns:p14="http://schemas.microsoft.com/office/powerpoint/2010/main" val="3844914864"/>
-              </p:ext>
-            </p:extLst>
-          </p:nvPr>
-        </p:nvGraphicFramePr>
-        <p:xfrm>
-          <a:off x="550863" y="2112963"/>
-          <a:ext cx="11090275" cy="3979862"/>
-        </p:xfrm>
-        <a:graphic>
-          <a:graphicData uri="http://schemas.openxmlformats.org/drawingml/2006/diagram">
-            <dgm:relIds xmlns:dgm="http://schemas.openxmlformats.org/drawingml/2006/diagram" xmlns:r="http://schemas.openxmlformats.org/officeDocument/2006/relationships" r:dm="rId3" r:lo="rId4" r:qs="rId5" r:cs="rId6"/>
-          </a:graphicData>
-        </a:graphic>
-      </p:graphicFrame>
-      <p:sp>
-        <p:nvSpPr>
-          <p:cNvPr id="2" name="Date Placeholder 1">
-            <a:extLst>
-              <a:ext uri="{FF2B5EF4-FFF2-40B4-BE49-F238E27FC236}">
-                <a16:creationId xmlns:a16="http://schemas.microsoft.com/office/drawing/2014/main" id="{81FCAF0A-629F-4EC6-B3E6-563ED999F360}"/>
+              <a:t>Thank You</a:t>
+            </a:r>
+          </a:p>
+        </p:txBody>
+      </p:sp>
+      <p:sp>
+        <p:nvSpPr>
+          <p:cNvPr id="23" name="Subtitle 22">
+            <a:extLst>
+              <a:ext uri="{FF2B5EF4-FFF2-40B4-BE49-F238E27FC236}">
+                <a16:creationId xmlns:a16="http://schemas.microsoft.com/office/drawing/2014/main" id="{8E5E4638-9BCB-4C2E-914F-CC868E2020D5}"/>
+              </a:ext>
+            </a:extLst>
+          </p:cNvPr>
+          <p:cNvSpPr>
+            <a:spLocks noGrp="1"/>
+          </p:cNvSpPr>
+          <p:nvPr>
+            <p:ph type="subTitle" idx="1"/>
+          </p:nvPr>
+        </p:nvSpPr>
+        <p:spPr>
+          <a:xfrm>
+            <a:off x="550863" y="3827610"/>
+            <a:ext cx="5437187" cy="2265216"/>
+          </a:xfrm>
+        </p:spPr>
+        <p:txBody>
+          <a:bodyPr/>
+          <a:lstStyle/>
+          <a:p>
+            <a:r>
+              <a:rPr lang="en-US" dirty="0"/>
+              <a:t>Donal Howe</a:t>
+            </a:r>
+          </a:p>
+          <a:p>
+            <a:r>
+              <a:rPr lang="en-US" dirty="0"/>
+              <a:t>c00249662</a:t>
+            </a:r>
+          </a:p>
+          <a:p>
+            <a:endParaRPr lang="en-US" dirty="0"/>
+          </a:p>
+        </p:txBody>
+      </p:sp>
+      <p:pic>
+        <p:nvPicPr>
+          <p:cNvPr id="27" name="Picture Placeholder 26" descr="Data Points Digital background">
+            <a:extLst>
+              <a:ext uri="{FF2B5EF4-FFF2-40B4-BE49-F238E27FC236}">
+                <a16:creationId xmlns:a16="http://schemas.microsoft.com/office/drawing/2014/main" id="{9E660784-34E2-4CDA-926A-DDD6AAF35046}"/>
+              </a:ext>
+            </a:extLst>
+          </p:cNvPr>
+          <p:cNvPicPr>
+            <a:picLocks noGrp="1" noChangeAspect="1"/>
+          </p:cNvPicPr>
+          <p:nvPr>
+            <p:ph type="pic" sz="quarter" idx="15"/>
+          </p:nvPr>
+        </p:nvPicPr>
+        <p:blipFill rotWithShape="1">
+          <a:blip r:embed="rId2" cstate="screen">
+            <a:extLst>
+              <a:ext uri="{28A0092B-C50C-407E-A947-70E740481C1C}">
+                <a14:useLocalDpi xmlns:a14="http://schemas.microsoft.com/office/drawing/2010/main" val="0"/>
+              </a:ext>
+            </a:extLst>
+          </a:blip>
+          <a:srcRect/>
+          <a:stretch/>
+        </p:blipFill>
+        <p:spPr>
+          <a:xfrm>
+            <a:off x="6556248" y="548640"/>
+            <a:ext cx="5084064" cy="2880360"/>
+          </a:xfrm>
+        </p:spPr>
+      </p:pic>
+      <p:pic>
+        <p:nvPicPr>
+          <p:cNvPr id="33" name="Picture Placeholder 32" descr="Data Points Digital background">
+            <a:extLst>
+              <a:ext uri="{FF2B5EF4-FFF2-40B4-BE49-F238E27FC236}">
+                <a16:creationId xmlns:a16="http://schemas.microsoft.com/office/drawing/2014/main" id="{48106962-23C6-4DFE-BB3A-E5FFF03F38CE}"/>
+              </a:ext>
+            </a:extLst>
+          </p:cNvPr>
+          <p:cNvPicPr>
+            <a:picLocks noGrp="1" noChangeAspect="1"/>
+          </p:cNvPicPr>
+          <p:nvPr>
+            <p:ph type="pic" sz="quarter" idx="16"/>
+          </p:nvPr>
+        </p:nvPicPr>
+        <p:blipFill rotWithShape="1">
+          <a:blip r:embed="rId3" cstate="screen">
+            <a:extLst>
+              <a:ext uri="{28A0092B-C50C-407E-A947-70E740481C1C}">
+                <a14:useLocalDpi xmlns:a14="http://schemas.microsoft.com/office/drawing/2010/main" val="0"/>
+              </a:ext>
+            </a:extLst>
+          </a:blip>
+          <a:srcRect/>
+          <a:stretch/>
+        </p:blipFill>
+        <p:spPr>
+          <a:xfrm>
+            <a:off x="6556248" y="3429000"/>
+            <a:ext cx="5084064" cy="2880360"/>
+          </a:xfrm>
+        </p:spPr>
+      </p:pic>
+      <p:sp>
+        <p:nvSpPr>
+          <p:cNvPr id="4" name="Date Placeholder 3">
+            <a:extLst>
+              <a:ext uri="{FF2B5EF4-FFF2-40B4-BE49-F238E27FC236}">
+                <a16:creationId xmlns:a16="http://schemas.microsoft.com/office/drawing/2014/main" id="{7823E305-6365-4345-8BD1-4A31C61D96CB}"/>
               </a:ext>
             </a:extLst>
           </p:cNvPr>
@@ -21267,16 +15882,15 @@
               <a:rPr lang="en-US"/>
               <a:t>Tuesday, February 2, 20XX</a:t>
             </a:r>
-            <a:endParaRPr lang="en-US" dirty="0"/>
-          </a:p>
-        </p:txBody>
-      </p:sp>
-      <p:sp>
-        <p:nvSpPr>
-          <p:cNvPr id="7" name="Footer Placeholder 6">
-            <a:extLst>
-              <a:ext uri="{FF2B5EF4-FFF2-40B4-BE49-F238E27FC236}">
-                <a16:creationId xmlns:a16="http://schemas.microsoft.com/office/drawing/2014/main" id="{920A7C57-D6C5-4BA0-AB3C-41D4E3436B0E}"/>
+          </a:p>
+        </p:txBody>
+      </p:sp>
+      <p:sp>
+        <p:nvSpPr>
+          <p:cNvPr id="5" name="Footer Placeholder 4">
+            <a:extLst>
+              <a:ext uri="{FF2B5EF4-FFF2-40B4-BE49-F238E27FC236}">
+                <a16:creationId xmlns:a16="http://schemas.microsoft.com/office/drawing/2014/main" id="{0B37A3FF-ED32-4C4A-A21F-848A3BF6F896}"/>
               </a:ext>
             </a:extLst>
           </p:cNvPr>
@@ -21309,7 +15923,7 @@
           <p:cNvPr id="6" name="Slide Number Placeholder 5">
             <a:extLst>
               <a:ext uri="{FF2B5EF4-FFF2-40B4-BE49-F238E27FC236}">
-                <a16:creationId xmlns:a16="http://schemas.microsoft.com/office/drawing/2014/main" id="{5E5CAC52-3FD1-464A-805A-B8F7AF04574A}"/>
+                <a16:creationId xmlns:a16="http://schemas.microsoft.com/office/drawing/2014/main" id="{36E60F23-FB58-4EF8-82FD-E86CED25FDD4}"/>
               </a:ext>
             </a:extLst>
           </p:cNvPr>
@@ -21342,1275 +15956,7 @@
     </p:spTree>
     <p:extLst>
       <p:ext uri="{BB962C8B-B14F-4D97-AF65-F5344CB8AC3E}">
-        <p14:creationId xmlns:p14="http://schemas.microsoft.com/office/powerpoint/2010/main" val="2624630061"/>
-      </p:ext>
-    </p:extLst>
-  </p:cSld>
-  <p:clrMapOvr>
-    <a:masterClrMapping/>
-  </p:clrMapOvr>
-</p:sld>
-</file>
-
-<file path=ppt/slides/slide8.xml><?xml version="1.0" encoding="utf-8"?>
-<p:sld xmlns:a="http://schemas.openxmlformats.org/drawingml/2006/main" xmlns:r="http://schemas.openxmlformats.org/officeDocument/2006/relationships" xmlns:p="http://schemas.openxmlformats.org/presentationml/2006/main">
-  <p:cSld>
-    <p:spTree>
-      <p:nvGrpSpPr>
-        <p:cNvPr id="1" name=""/>
-        <p:cNvGrpSpPr/>
-        <p:nvPr/>
-      </p:nvGrpSpPr>
-      <p:grpSpPr>
-        <a:xfrm>
-          <a:off x="0" y="0"/>
-          <a:ext cx="0" cy="0"/>
-          <a:chOff x="0" y="0"/>
-          <a:chExt cx="0" cy="0"/>
-        </a:xfrm>
-      </p:grpSpPr>
-      <p:grpSp>
-        <p:nvGrpSpPr>
-          <p:cNvPr id="25" name="Group 24">
-            <a:extLst>
-              <a:ext uri="{FF2B5EF4-FFF2-40B4-BE49-F238E27FC236}">
-                <a16:creationId xmlns:a16="http://schemas.microsoft.com/office/drawing/2014/main" id="{D10F3D66-0109-4903-90B9-66D0E288F721}"/>
-              </a:ext>
-              <a:ext uri="{C183D7F6-B498-43B3-948B-1728B52AA6E4}">
-                <adec:decorative xmlns:adec="http://schemas.microsoft.com/office/drawing/2017/decorative" val="1"/>
-              </a:ext>
-            </a:extLst>
-          </p:cNvPr>
-          <p:cNvGrpSpPr/>
-          <p:nvPr/>
-        </p:nvGrpSpPr>
-        <p:grpSpPr>
-          <a:xfrm>
-            <a:off x="10379261" y="2030035"/>
-            <a:ext cx="1335600" cy="1262947"/>
-            <a:chOff x="10145015" y="2343978"/>
-            <a:chExt cx="1335600" cy="1262947"/>
-          </a:xfrm>
-        </p:grpSpPr>
-        <p:sp>
-          <p:nvSpPr>
-            <p:cNvPr id="26" name="Freeform: Shape 25">
-              <a:extLst>
-                <a:ext uri="{FF2B5EF4-FFF2-40B4-BE49-F238E27FC236}">
-                  <a16:creationId xmlns:a16="http://schemas.microsoft.com/office/drawing/2014/main" id="{57DAB968-9B52-4EFF-AD39-7657DFEA6E48}"/>
-                </a:ext>
-              </a:extLst>
-            </p:cNvPr>
-            <p:cNvSpPr>
-              <a:spLocks noChangeAspect="1"/>
-            </p:cNvSpPr>
-            <p:nvPr/>
-          </p:nvSpPr>
-          <p:spPr>
-            <a:xfrm rot="8100000">
-              <a:off x="10400615" y="2343978"/>
-              <a:ext cx="1080000" cy="1262947"/>
-            </a:xfrm>
-            <a:custGeom>
-              <a:avLst/>
-              <a:gdLst>
-                <a:gd name="connsiteX0" fmla="*/ 540000 w 1080000"/>
-                <a:gd name="connsiteY0" fmla="*/ 0 h 1262947"/>
-                <a:gd name="connsiteX1" fmla="*/ 1080000 w 1080000"/>
-                <a:gd name="connsiteY1" fmla="*/ 931034 h 1262947"/>
-                <a:gd name="connsiteX2" fmla="*/ 1064374 w 1080000"/>
-                <a:gd name="connsiteY2" fmla="*/ 931034 h 1262947"/>
-                <a:gd name="connsiteX3" fmla="*/ 1069029 w 1080000"/>
-                <a:gd name="connsiteY3" fmla="*/ 938533 h 1262947"/>
-                <a:gd name="connsiteX4" fmla="*/ 1080000 w 1080000"/>
-                <a:gd name="connsiteY4" fmla="*/ 992947 h 1262947"/>
-                <a:gd name="connsiteX5" fmla="*/ 540000 w 1080000"/>
-                <a:gd name="connsiteY5" fmla="*/ 1262947 h 1262947"/>
-                <a:gd name="connsiteX6" fmla="*/ 0 w 1080000"/>
-                <a:gd name="connsiteY6" fmla="*/ 992947 h 1262947"/>
-                <a:gd name="connsiteX7" fmla="*/ 10971 w 1080000"/>
-                <a:gd name="connsiteY7" fmla="*/ 938533 h 1262947"/>
-                <a:gd name="connsiteX8" fmla="*/ 15626 w 1080000"/>
-                <a:gd name="connsiteY8" fmla="*/ 931034 h 1262947"/>
-                <a:gd name="connsiteX9" fmla="*/ 0 w 1080000"/>
-                <a:gd name="connsiteY9" fmla="*/ 931034 h 1262947"/>
-                <a:gd name="connsiteX0" fmla="*/ 540000 w 1080000"/>
-                <a:gd name="connsiteY0" fmla="*/ 0 h 1262947"/>
-                <a:gd name="connsiteX1" fmla="*/ 1080000 w 1080000"/>
-                <a:gd name="connsiteY1" fmla="*/ 931034 h 1262947"/>
-                <a:gd name="connsiteX2" fmla="*/ 1064374 w 1080000"/>
-                <a:gd name="connsiteY2" fmla="*/ 931034 h 1262947"/>
-                <a:gd name="connsiteX3" fmla="*/ 1069029 w 1080000"/>
-                <a:gd name="connsiteY3" fmla="*/ 938533 h 1262947"/>
-                <a:gd name="connsiteX4" fmla="*/ 1080000 w 1080000"/>
-                <a:gd name="connsiteY4" fmla="*/ 992947 h 1262947"/>
-                <a:gd name="connsiteX5" fmla="*/ 540000 w 1080000"/>
-                <a:gd name="connsiteY5" fmla="*/ 1262947 h 1262947"/>
-                <a:gd name="connsiteX6" fmla="*/ 0 w 1080000"/>
-                <a:gd name="connsiteY6" fmla="*/ 992947 h 1262947"/>
-                <a:gd name="connsiteX7" fmla="*/ 10971 w 1080000"/>
-                <a:gd name="connsiteY7" fmla="*/ 938533 h 1262947"/>
-                <a:gd name="connsiteX8" fmla="*/ 15626 w 1080000"/>
-                <a:gd name="connsiteY8" fmla="*/ 931034 h 1262947"/>
-                <a:gd name="connsiteX9" fmla="*/ 540000 w 1080000"/>
-                <a:gd name="connsiteY9" fmla="*/ 0 h 1262947"/>
-                <a:gd name="connsiteX0" fmla="*/ 540000 w 1080000"/>
-                <a:gd name="connsiteY0" fmla="*/ 0 h 1262947"/>
-                <a:gd name="connsiteX1" fmla="*/ 1064374 w 1080000"/>
-                <a:gd name="connsiteY1" fmla="*/ 931034 h 1262947"/>
-                <a:gd name="connsiteX2" fmla="*/ 1069029 w 1080000"/>
-                <a:gd name="connsiteY2" fmla="*/ 938533 h 1262947"/>
-                <a:gd name="connsiteX3" fmla="*/ 1080000 w 1080000"/>
-                <a:gd name="connsiteY3" fmla="*/ 992947 h 1262947"/>
-                <a:gd name="connsiteX4" fmla="*/ 540000 w 1080000"/>
-                <a:gd name="connsiteY4" fmla="*/ 1262947 h 1262947"/>
-                <a:gd name="connsiteX5" fmla="*/ 0 w 1080000"/>
-                <a:gd name="connsiteY5" fmla="*/ 992947 h 1262947"/>
-                <a:gd name="connsiteX6" fmla="*/ 10971 w 1080000"/>
-                <a:gd name="connsiteY6" fmla="*/ 938533 h 1262947"/>
-                <a:gd name="connsiteX7" fmla="*/ 15626 w 1080000"/>
-                <a:gd name="connsiteY7" fmla="*/ 931034 h 1262947"/>
-                <a:gd name="connsiteX8" fmla="*/ 540000 w 1080000"/>
-                <a:gd name="connsiteY8" fmla="*/ 0 h 1262947"/>
-              </a:gdLst>
-              <a:ahLst/>
-              <a:cxnLst>
-                <a:cxn ang="0">
-                  <a:pos x="connsiteX0" y="connsiteY0"/>
-                </a:cxn>
-                <a:cxn ang="0">
-                  <a:pos x="connsiteX1" y="connsiteY1"/>
-                </a:cxn>
-                <a:cxn ang="0">
-                  <a:pos x="connsiteX2" y="connsiteY2"/>
-                </a:cxn>
-                <a:cxn ang="0">
-                  <a:pos x="connsiteX3" y="connsiteY3"/>
-                </a:cxn>
-                <a:cxn ang="0">
-                  <a:pos x="connsiteX4" y="connsiteY4"/>
-                </a:cxn>
-                <a:cxn ang="0">
-                  <a:pos x="connsiteX5" y="connsiteY5"/>
-                </a:cxn>
-                <a:cxn ang="0">
-                  <a:pos x="connsiteX6" y="connsiteY6"/>
-                </a:cxn>
-                <a:cxn ang="0">
-                  <a:pos x="connsiteX7" y="connsiteY7"/>
-                </a:cxn>
-                <a:cxn ang="0">
-                  <a:pos x="connsiteX8" y="connsiteY8"/>
-                </a:cxn>
-              </a:cxnLst>
-              <a:rect l="l" t="t" r="r" b="b"/>
-              <a:pathLst>
-                <a:path w="1080000" h="1262947">
-                  <a:moveTo>
-                    <a:pt x="540000" y="0"/>
-                  </a:moveTo>
-                  <a:lnTo>
-                    <a:pt x="1064374" y="931034"/>
-                  </a:lnTo>
-                  <a:lnTo>
-                    <a:pt x="1069029" y="938533"/>
-                  </a:lnTo>
-                  <a:cubicBezTo>
-                    <a:pt x="1076223" y="956109"/>
-                    <a:pt x="1080000" y="974307"/>
-                    <a:pt x="1080000" y="992947"/>
-                  </a:cubicBezTo>
-                  <a:cubicBezTo>
-                    <a:pt x="1080000" y="1142064"/>
-                    <a:pt x="838234" y="1262947"/>
-                    <a:pt x="540000" y="1262947"/>
-                  </a:cubicBezTo>
-                  <a:cubicBezTo>
-                    <a:pt x="241766" y="1262947"/>
-                    <a:pt x="0" y="1142064"/>
-                    <a:pt x="0" y="992947"/>
-                  </a:cubicBezTo>
-                  <a:cubicBezTo>
-                    <a:pt x="0" y="974307"/>
-                    <a:pt x="3778" y="956109"/>
-                    <a:pt x="10971" y="938533"/>
-                  </a:cubicBezTo>
-                  <a:lnTo>
-                    <a:pt x="15626" y="931034"/>
-                  </a:lnTo>
-                  <a:lnTo>
-                    <a:pt x="540000" y="0"/>
-                  </a:lnTo>
-                  <a:close/>
-                </a:path>
-              </a:pathLst>
-            </a:custGeom>
-            <a:gradFill>
-              <a:gsLst>
-                <a:gs pos="60000">
-                  <a:schemeClr val="bg2">
-                    <a:lumMod val="90000"/>
-                    <a:lumOff val="10000"/>
-                  </a:schemeClr>
-                </a:gs>
-                <a:gs pos="30000">
-                  <a:schemeClr val="bg2">
-                    <a:lumMod val="90000"/>
-                    <a:lumOff val="10000"/>
-                  </a:schemeClr>
-                </a:gs>
-                <a:gs pos="40000">
-                  <a:schemeClr val="bg2">
-                    <a:lumMod val="80000"/>
-                    <a:lumOff val="20000"/>
-                  </a:schemeClr>
-                </a:gs>
-                <a:gs pos="100000">
-                  <a:schemeClr val="bg2"/>
-                </a:gs>
-              </a:gsLst>
-              <a:lin ang="600000" scaled="0"/>
-            </a:gradFill>
-            <a:ln>
-              <a:noFill/>
-            </a:ln>
-            <a:effectLst>
-              <a:innerShdw blurRad="254000" dist="101600" dir="7320000">
-                <a:schemeClr val="accent1">
-                  <a:lumMod val="60000"/>
-                  <a:lumOff val="40000"/>
-                  <a:alpha val="40000"/>
-                </a:schemeClr>
-              </a:innerShdw>
-            </a:effectLst>
-          </p:spPr>
-          <p:style>
-            <a:lnRef idx="2">
-              <a:schemeClr val="accent1">
-                <a:shade val="50000"/>
-              </a:schemeClr>
-            </a:lnRef>
-            <a:fillRef idx="1">
-              <a:schemeClr val="accent1"/>
-            </a:fillRef>
-            <a:effectRef idx="0">
-              <a:schemeClr val="accent1"/>
-            </a:effectRef>
-            <a:fontRef idx="minor">
-              <a:schemeClr val="lt1"/>
-            </a:fontRef>
-          </p:style>
-          <p:txBody>
-            <a:bodyPr rot="0" spcFirstLastPara="0" vertOverflow="overflow" horzOverflow="overflow" vert="horz" wrap="square" lIns="91440" tIns="45720" rIns="91440" bIns="45720" numCol="1" spcCol="0" rtlCol="0" fromWordArt="0" anchor="ctr" anchorCtr="0" forceAA="0" compatLnSpc="1">
-              <a:prstTxWarp prst="textNoShape">
-                <a:avLst/>
-              </a:prstTxWarp>
-              <a:noAutofit/>
-            </a:bodyPr>
-            <a:lstStyle/>
-            <a:p>
-              <a:pPr algn="ctr"/>
-              <a:endParaRPr lang="en-US"/>
-            </a:p>
-          </p:txBody>
-        </p:sp>
-        <p:sp>
-          <p:nvSpPr>
-            <p:cNvPr id="27" name="Oval 26">
-              <a:extLst>
-                <a:ext uri="{FF2B5EF4-FFF2-40B4-BE49-F238E27FC236}">
-                  <a16:creationId xmlns:a16="http://schemas.microsoft.com/office/drawing/2014/main" id="{962BE440-9634-4380-B142-5DB692420C52}"/>
-                </a:ext>
-              </a:extLst>
-            </p:cNvPr>
-            <p:cNvSpPr/>
-            <p:nvPr/>
-          </p:nvSpPr>
-          <p:spPr>
-            <a:xfrm rot="13500000">
-              <a:off x="10415015" y="2179851"/>
-              <a:ext cx="540000" cy="1080000"/>
-            </a:xfrm>
-            <a:prstGeom prst="ellipse">
-              <a:avLst/>
-            </a:prstGeom>
-            <a:gradFill>
-              <a:gsLst>
-                <a:gs pos="100000">
-                  <a:schemeClr val="accent1">
-                    <a:lumMod val="60000"/>
-                    <a:lumOff val="40000"/>
-                    <a:alpha val="0"/>
-                  </a:schemeClr>
-                </a:gs>
-                <a:gs pos="0">
-                  <a:schemeClr val="bg2">
-                    <a:lumMod val="75000"/>
-                    <a:lumOff val="25000"/>
-                    <a:alpha val="33000"/>
-                  </a:schemeClr>
-                </a:gs>
-              </a:gsLst>
-              <a:lin ang="5400000" scaled="0"/>
-            </a:gradFill>
-            <a:ln>
-              <a:noFill/>
-            </a:ln>
-            <a:effectLst>
-              <a:innerShdw blurRad="1270000" dist="2540000">
-                <a:schemeClr val="accent1">
-                  <a:lumMod val="60000"/>
-                  <a:lumOff val="40000"/>
-                  <a:alpha val="0"/>
-                </a:schemeClr>
-              </a:innerShdw>
-            </a:effectLst>
-          </p:spPr>
-          <p:style>
-            <a:lnRef idx="2">
-              <a:schemeClr val="accent1">
-                <a:shade val="50000"/>
-              </a:schemeClr>
-            </a:lnRef>
-            <a:fillRef idx="1">
-              <a:schemeClr val="accent1"/>
-            </a:fillRef>
-            <a:effectRef idx="0">
-              <a:schemeClr val="accent1"/>
-            </a:effectRef>
-            <a:fontRef idx="minor">
-              <a:schemeClr val="lt1"/>
-            </a:fontRef>
-          </p:style>
-          <p:txBody>
-            <a:bodyPr rot="0" spcFirstLastPara="0" vertOverflow="overflow" horzOverflow="overflow" vert="horz" wrap="square" lIns="91440" tIns="45720" rIns="91440" bIns="45720" numCol="1" spcCol="0" rtlCol="0" fromWordArt="0" anchor="ctr" anchorCtr="0" forceAA="0" compatLnSpc="1">
-              <a:prstTxWarp prst="textNoShape">
-                <a:avLst/>
-              </a:prstTxWarp>
-              <a:noAutofit/>
-            </a:bodyPr>
-            <a:lstStyle/>
-            <a:p>
-              <a:pPr algn="ctr"/>
-              <a:endParaRPr lang="en-US"/>
-            </a:p>
-          </p:txBody>
-        </p:sp>
-      </p:grpSp>
-      <p:sp>
-        <p:nvSpPr>
-          <p:cNvPr id="7" name="Title 6">
-            <a:extLst>
-              <a:ext uri="{FF2B5EF4-FFF2-40B4-BE49-F238E27FC236}">
-                <a16:creationId xmlns:a16="http://schemas.microsoft.com/office/drawing/2014/main" id="{4B18D636-CC10-4B1E-AA38-419DCCF2D9C9}"/>
-              </a:ext>
-            </a:extLst>
-          </p:cNvPr>
-          <p:cNvSpPr>
-            <a:spLocks noGrp="1"/>
-          </p:cNvSpPr>
-          <p:nvPr>
-            <p:ph type="title"/>
-          </p:nvPr>
-        </p:nvSpPr>
-        <p:spPr>
-          <a:xfrm>
-            <a:off x="550862" y="549275"/>
-            <a:ext cx="11097551" cy="1332000"/>
-          </a:xfrm>
-        </p:spPr>
-        <p:txBody>
-          <a:bodyPr>
-            <a:normAutofit/>
-          </a:bodyPr>
-          <a:lstStyle/>
-          <a:p>
-            <a:r>
-              <a:rPr lang="en-US" dirty="0"/>
-              <a:t>Content </a:t>
-            </a:r>
-          </a:p>
-        </p:txBody>
-      </p:sp>
-      <p:sp>
-        <p:nvSpPr>
-          <p:cNvPr id="9" name="Text Placeholder 8">
-            <a:extLst>
-              <a:ext uri="{FF2B5EF4-FFF2-40B4-BE49-F238E27FC236}">
-                <a16:creationId xmlns:a16="http://schemas.microsoft.com/office/drawing/2014/main" id="{0D098C43-2F2A-4100-89BC-5931039293FA}"/>
-              </a:ext>
-            </a:extLst>
-          </p:cNvPr>
-          <p:cNvSpPr>
-            <a:spLocks noGrp="1"/>
-          </p:cNvSpPr>
-          <p:nvPr>
-            <p:ph type="body" idx="1"/>
-          </p:nvPr>
-        </p:nvSpPr>
-        <p:spPr>
-          <a:xfrm>
-            <a:off x="550864" y="1731375"/>
-            <a:ext cx="5437186" cy="535354"/>
-          </a:xfrm>
-        </p:spPr>
-        <p:txBody>
-          <a:bodyPr/>
-          <a:lstStyle/>
-          <a:p>
-            <a:r>
-              <a:rPr lang="en-US"/>
-              <a:t>Subtitle</a:t>
-            </a:r>
-            <a:endParaRPr lang="en-US" dirty="0"/>
-          </a:p>
-        </p:txBody>
-      </p:sp>
-      <p:sp>
-        <p:nvSpPr>
-          <p:cNvPr id="10" name="Content Placeholder 9">
-            <a:extLst>
-              <a:ext uri="{FF2B5EF4-FFF2-40B4-BE49-F238E27FC236}">
-                <a16:creationId xmlns:a16="http://schemas.microsoft.com/office/drawing/2014/main" id="{1DB251F7-EBE7-46AC-A920-FFE2C5AF68EA}"/>
-              </a:ext>
-            </a:extLst>
-          </p:cNvPr>
-          <p:cNvSpPr>
-            <a:spLocks noGrp="1"/>
-          </p:cNvSpPr>
-          <p:nvPr>
-            <p:ph sz="half" idx="2"/>
-          </p:nvPr>
-        </p:nvSpPr>
-        <p:spPr>
-          <a:xfrm>
-            <a:off x="550863" y="2427370"/>
-            <a:ext cx="5429114" cy="3515555"/>
-          </a:xfrm>
-        </p:spPr>
-        <p:txBody>
-          <a:bodyPr/>
-          <a:lstStyle/>
-          <a:p>
-            <a:r>
-              <a:rPr lang="en-US" dirty="0"/>
-              <a:t>Add text, images, art, and videos. </a:t>
-            </a:r>
-          </a:p>
-          <a:p>
-            <a:r>
-              <a:rPr lang="en-US" dirty="0"/>
-              <a:t>Add transitions, animations, and motion. </a:t>
-            </a:r>
-          </a:p>
-          <a:p>
-            <a:r>
-              <a:rPr lang="en-US" dirty="0"/>
-              <a:t>Save to OneDrive, to get to your presentations from your computer, tablet, or phone. </a:t>
-            </a:r>
-          </a:p>
-        </p:txBody>
-      </p:sp>
-      <p:sp>
-        <p:nvSpPr>
-          <p:cNvPr id="11" name="Text Placeholder 10">
-            <a:extLst>
-              <a:ext uri="{FF2B5EF4-FFF2-40B4-BE49-F238E27FC236}">
-                <a16:creationId xmlns:a16="http://schemas.microsoft.com/office/drawing/2014/main" id="{60726BA7-44D6-4116-90E3-38325026EAAD}"/>
-              </a:ext>
-            </a:extLst>
-          </p:cNvPr>
-          <p:cNvSpPr>
-            <a:spLocks noGrp="1"/>
-          </p:cNvSpPr>
-          <p:nvPr>
-            <p:ph type="body" sz="quarter" idx="3"/>
-          </p:nvPr>
-        </p:nvSpPr>
-        <p:spPr>
-          <a:xfrm>
-            <a:off x="6212024" y="1731375"/>
-            <a:ext cx="5436392" cy="535354"/>
-          </a:xfrm>
-        </p:spPr>
-        <p:txBody>
-          <a:bodyPr/>
-          <a:lstStyle/>
-          <a:p>
-            <a:r>
-              <a:rPr lang="en-US" dirty="0"/>
-              <a:t>Subtitle</a:t>
-            </a:r>
-          </a:p>
-        </p:txBody>
-      </p:sp>
-      <p:sp>
-        <p:nvSpPr>
-          <p:cNvPr id="12" name="Content Placeholder 11">
-            <a:extLst>
-              <a:ext uri="{FF2B5EF4-FFF2-40B4-BE49-F238E27FC236}">
-                <a16:creationId xmlns:a16="http://schemas.microsoft.com/office/drawing/2014/main" id="{7FB7F30B-2A84-4C44-BC5A-E826ED6E74A2}"/>
-              </a:ext>
-            </a:extLst>
-          </p:cNvPr>
-          <p:cNvSpPr>
-            <a:spLocks noGrp="1"/>
-          </p:cNvSpPr>
-          <p:nvPr>
-            <p:ph sz="quarter" idx="4"/>
-          </p:nvPr>
-        </p:nvSpPr>
-        <p:spPr>
-          <a:xfrm>
-            <a:off x="6212023" y="2427370"/>
-            <a:ext cx="5436391" cy="3515555"/>
-          </a:xfrm>
-        </p:spPr>
-        <p:txBody>
-          <a:bodyPr/>
-          <a:lstStyle/>
-          <a:p>
-            <a:r>
-              <a:rPr lang="en-US" dirty="0"/>
-              <a:t>Open the Design Ideas pane for instant slide makeovers. </a:t>
-            </a:r>
-          </a:p>
-          <a:p>
-            <a:r>
-              <a:rPr lang="en-US" dirty="0"/>
-              <a:t>When we have design ideas, we’ll show them to you right there. </a:t>
-            </a:r>
-          </a:p>
-          <a:p>
-            <a:endParaRPr lang="en-US" dirty="0"/>
-          </a:p>
-        </p:txBody>
-      </p:sp>
-      <p:sp>
-        <p:nvSpPr>
-          <p:cNvPr id="4" name="Date Placeholder 3">
-            <a:extLst>
-              <a:ext uri="{FF2B5EF4-FFF2-40B4-BE49-F238E27FC236}">
-                <a16:creationId xmlns:a16="http://schemas.microsoft.com/office/drawing/2014/main" id="{0C329F70-04F7-4C70-BCF8-D4371F54EF2F}"/>
-              </a:ext>
-            </a:extLst>
-          </p:cNvPr>
-          <p:cNvSpPr>
-            <a:spLocks noGrp="1"/>
-          </p:cNvSpPr>
-          <p:nvPr>
-            <p:ph type="dt" sz="half" idx="10"/>
-          </p:nvPr>
-        </p:nvSpPr>
-        <p:spPr>
-          <a:xfrm>
-            <a:off x="550863" y="6507212"/>
-            <a:ext cx="2628900" cy="153888"/>
-          </a:xfrm>
-        </p:spPr>
-        <p:txBody>
-          <a:bodyPr/>
-          <a:lstStyle/>
-          <a:p>
-            <a:r>
-              <a:rPr lang="en-US"/>
-              <a:t>Tuesday, February 2, 20XX</a:t>
-            </a:r>
-            <a:endParaRPr lang="en-US" dirty="0"/>
-          </a:p>
-        </p:txBody>
-      </p:sp>
-      <p:sp>
-        <p:nvSpPr>
-          <p:cNvPr id="5" name="Footer Placeholder 4">
-            <a:extLst>
-              <a:ext uri="{FF2B5EF4-FFF2-40B4-BE49-F238E27FC236}">
-                <a16:creationId xmlns:a16="http://schemas.microsoft.com/office/drawing/2014/main" id="{06A3302E-502D-4151-81C9-5FD6AF9596D6}"/>
-              </a:ext>
-            </a:extLst>
-          </p:cNvPr>
-          <p:cNvSpPr>
-            <a:spLocks noGrp="1"/>
-          </p:cNvSpPr>
-          <p:nvPr>
-            <p:ph type="ftr" sz="quarter" idx="11"/>
-          </p:nvPr>
-        </p:nvSpPr>
-        <p:spPr>
-          <a:xfrm>
-            <a:off x="3359150" y="6507212"/>
-            <a:ext cx="6379210" cy="153888"/>
-          </a:xfrm>
-        </p:spPr>
-        <p:txBody>
-          <a:bodyPr/>
-          <a:lstStyle/>
-          <a:p>
-            <a:r>
-              <a:rPr lang="en-US"/>
-              <a:t>Sample Footer Text</a:t>
-            </a:r>
-          </a:p>
-        </p:txBody>
-      </p:sp>
-      <p:sp>
-        <p:nvSpPr>
-          <p:cNvPr id="6" name="Slide Number Placeholder 5">
-            <a:extLst>
-              <a:ext uri="{FF2B5EF4-FFF2-40B4-BE49-F238E27FC236}">
-                <a16:creationId xmlns:a16="http://schemas.microsoft.com/office/drawing/2014/main" id="{9ED907F8-C614-4D59-A03F-BF9CD5E35703}"/>
-              </a:ext>
-            </a:extLst>
-          </p:cNvPr>
-          <p:cNvSpPr>
-            <a:spLocks noGrp="1"/>
-          </p:cNvSpPr>
-          <p:nvPr>
-            <p:ph type="sldNum" sz="quarter" idx="12"/>
-          </p:nvPr>
-        </p:nvSpPr>
-        <p:spPr>
-          <a:xfrm>
-            <a:off x="9948863" y="6507212"/>
-            <a:ext cx="1692274" cy="153888"/>
-          </a:xfrm>
-        </p:spPr>
-        <p:txBody>
-          <a:bodyPr/>
-          <a:lstStyle/>
-          <a:p>
-            <a:fld id="{DBA1B0FB-D917-4C8C-928F-313BD683BF39}" type="slidenum">
-              <a:rPr lang="en-US" smtClean="0"/>
-              <a:pPr/>
-              <a:t>8</a:t>
-            </a:fld>
-            <a:endParaRPr lang="en-US"/>
-          </a:p>
-        </p:txBody>
-      </p:sp>
-      <p:sp>
-        <p:nvSpPr>
-          <p:cNvPr id="22" name="Freeform: Shape 21">
-            <a:extLst>
-              <a:ext uri="{FF2B5EF4-FFF2-40B4-BE49-F238E27FC236}">
-                <a16:creationId xmlns:a16="http://schemas.microsoft.com/office/drawing/2014/main" id="{C6F3814E-455F-456B-B1AF-7B993965A2C0}"/>
-              </a:ext>
-              <a:ext uri="{C183D7F6-B498-43B3-948B-1728B52AA6E4}">
-                <adec:decorative xmlns:adec="http://schemas.microsoft.com/office/drawing/2017/decorative" val="1"/>
-              </a:ext>
-            </a:extLst>
-          </p:cNvPr>
-          <p:cNvSpPr>
-            <a:spLocks noChangeAspect="1"/>
-          </p:cNvSpPr>
-          <p:nvPr/>
-        </p:nvSpPr>
-        <p:spPr>
-          <a:xfrm>
-            <a:off x="4295775" y="0"/>
-            <a:ext cx="360000" cy="274638"/>
-          </a:xfrm>
-          <a:custGeom>
-            <a:avLst/>
-            <a:gdLst>
-              <a:gd name="connsiteX0" fmla="*/ 30714 w 360000"/>
-              <a:gd name="connsiteY0" fmla="*/ 0 h 274638"/>
-              <a:gd name="connsiteX1" fmla="*/ 329286 w 360000"/>
-              <a:gd name="connsiteY1" fmla="*/ 0 h 274638"/>
-              <a:gd name="connsiteX2" fmla="*/ 345855 w 360000"/>
-              <a:gd name="connsiteY2" fmla="*/ 24574 h 274638"/>
-              <a:gd name="connsiteX3" fmla="*/ 360000 w 360000"/>
-              <a:gd name="connsiteY3" fmla="*/ 94638 h 274638"/>
-              <a:gd name="connsiteX4" fmla="*/ 180000 w 360000"/>
-              <a:gd name="connsiteY4" fmla="*/ 274638 h 274638"/>
-              <a:gd name="connsiteX5" fmla="*/ 0 w 360000"/>
-              <a:gd name="connsiteY5" fmla="*/ 94638 h 274638"/>
-              <a:gd name="connsiteX6" fmla="*/ 14145 w 360000"/>
-              <a:gd name="connsiteY6" fmla="*/ 24574 h 274638"/>
-            </a:gdLst>
-            <a:ahLst/>
-            <a:cxnLst>
-              <a:cxn ang="0">
-                <a:pos x="connsiteX0" y="connsiteY0"/>
-              </a:cxn>
-              <a:cxn ang="0">
-                <a:pos x="connsiteX1" y="connsiteY1"/>
-              </a:cxn>
-              <a:cxn ang="0">
-                <a:pos x="connsiteX2" y="connsiteY2"/>
-              </a:cxn>
-              <a:cxn ang="0">
-                <a:pos x="connsiteX3" y="connsiteY3"/>
-              </a:cxn>
-              <a:cxn ang="0">
-                <a:pos x="connsiteX4" y="connsiteY4"/>
-              </a:cxn>
-              <a:cxn ang="0">
-                <a:pos x="connsiteX5" y="connsiteY5"/>
-              </a:cxn>
-              <a:cxn ang="0">
-                <a:pos x="connsiteX6" y="connsiteY6"/>
-              </a:cxn>
-            </a:cxnLst>
-            <a:rect l="l" t="t" r="r" b="b"/>
-            <a:pathLst>
-              <a:path w="360000" h="274638">
-                <a:moveTo>
-                  <a:pt x="30714" y="0"/>
-                </a:moveTo>
-                <a:lnTo>
-                  <a:pt x="329286" y="0"/>
-                </a:lnTo>
-                <a:lnTo>
-                  <a:pt x="345855" y="24574"/>
-                </a:lnTo>
-                <a:cubicBezTo>
-                  <a:pt x="354963" y="46109"/>
-                  <a:pt x="360000" y="69785"/>
-                  <a:pt x="360000" y="94638"/>
-                </a:cubicBezTo>
-                <a:cubicBezTo>
-                  <a:pt x="360000" y="194049"/>
-                  <a:pt x="279411" y="274638"/>
-                  <a:pt x="180000" y="274638"/>
-                </a:cubicBezTo>
-                <a:cubicBezTo>
-                  <a:pt x="80589" y="274638"/>
-                  <a:pt x="0" y="194049"/>
-                  <a:pt x="0" y="94638"/>
-                </a:cubicBezTo>
-                <a:cubicBezTo>
-                  <a:pt x="0" y="69785"/>
-                  <a:pt x="5037" y="46109"/>
-                  <a:pt x="14145" y="24574"/>
-                </a:cubicBezTo>
-                <a:close/>
-              </a:path>
-            </a:pathLst>
-          </a:custGeom>
-          <a:gradFill flip="none" rotWithShape="1">
-            <a:gsLst>
-              <a:gs pos="100000">
-                <a:schemeClr val="bg2">
-                  <a:lumMod val="50000"/>
-                  <a:lumOff val="50000"/>
-                </a:schemeClr>
-              </a:gs>
-              <a:gs pos="60000">
-                <a:schemeClr val="bg2"/>
-              </a:gs>
-            </a:gsLst>
-            <a:path path="circle">
-              <a:fillToRect l="100000" b="100000"/>
-            </a:path>
-            <a:tileRect t="-100000" r="-100000"/>
-          </a:gradFill>
-          <a:ln>
-            <a:noFill/>
-          </a:ln>
-          <a:effectLst>
-            <a:innerShdw blurRad="127000" dist="63500" dir="2700000">
-              <a:schemeClr val="accent1">
-                <a:lumMod val="60000"/>
-                <a:lumOff val="40000"/>
-                <a:alpha val="20000"/>
-              </a:schemeClr>
-            </a:innerShdw>
-            <a:softEdge rad="0"/>
-          </a:effectLst>
-        </p:spPr>
-        <p:style>
-          <a:lnRef idx="2">
-            <a:schemeClr val="accent1">
-              <a:shade val="50000"/>
-            </a:schemeClr>
-          </a:lnRef>
-          <a:fillRef idx="1">
-            <a:schemeClr val="accent1"/>
-          </a:fillRef>
-          <a:effectRef idx="0">
-            <a:schemeClr val="accent1"/>
-          </a:effectRef>
-          <a:fontRef idx="minor">
-            <a:schemeClr val="lt1"/>
-          </a:fontRef>
-        </p:style>
-        <p:txBody>
-          <a:bodyPr rot="0" spcFirstLastPara="0" vertOverflow="overflow" horzOverflow="overflow" vert="horz" wrap="square" lIns="91440" tIns="45720" rIns="91440" bIns="45720" numCol="1" spcCol="0" rtlCol="0" fromWordArt="0" anchor="ctr" anchorCtr="0" forceAA="0" compatLnSpc="1">
-            <a:prstTxWarp prst="textNoShape">
-              <a:avLst/>
-            </a:prstTxWarp>
-            <a:noAutofit/>
-          </a:bodyPr>
-          <a:lstStyle/>
-          <a:p>
-            <a:pPr algn="ctr"/>
-            <a:endParaRPr lang="en-US"/>
-          </a:p>
-        </p:txBody>
-      </p:sp>
-    </p:spTree>
-    <p:extLst>
-      <p:ext uri="{BB962C8B-B14F-4D97-AF65-F5344CB8AC3E}">
-        <p14:creationId xmlns:p14="http://schemas.microsoft.com/office/powerpoint/2010/main" val="3891345585"/>
-      </p:ext>
-    </p:extLst>
-  </p:cSld>
-  <p:clrMapOvr>
-    <a:masterClrMapping/>
-  </p:clrMapOvr>
-</p:sld>
-</file>
-
-<file path=ppt/slides/slide9.xml><?xml version="1.0" encoding="utf-8"?>
-<p:sld xmlns:a="http://schemas.openxmlformats.org/drawingml/2006/main" xmlns:r="http://schemas.openxmlformats.org/officeDocument/2006/relationships" xmlns:p="http://schemas.openxmlformats.org/presentationml/2006/main">
-  <p:cSld>
-    <p:spTree>
-      <p:nvGrpSpPr>
-        <p:cNvPr id="1" name=""/>
-        <p:cNvGrpSpPr/>
-        <p:nvPr/>
-      </p:nvGrpSpPr>
-      <p:grpSpPr>
-        <a:xfrm>
-          <a:off x="0" y="0"/>
-          <a:ext cx="0" cy="0"/>
-          <a:chOff x="0" y="0"/>
-          <a:chExt cx="0" cy="0"/>
-        </a:xfrm>
-      </p:grpSpPr>
-      <p:sp>
-        <p:nvSpPr>
-          <p:cNvPr id="7" name="Title 6">
-            <a:extLst>
-              <a:ext uri="{FF2B5EF4-FFF2-40B4-BE49-F238E27FC236}">
-                <a16:creationId xmlns:a16="http://schemas.microsoft.com/office/drawing/2014/main" id="{47788B34-4190-4916-9048-47720EA5ABF1}"/>
-              </a:ext>
-            </a:extLst>
-          </p:cNvPr>
-          <p:cNvSpPr>
-            <a:spLocks noGrp="1"/>
-          </p:cNvSpPr>
-          <p:nvPr>
-            <p:ph type="title"/>
-          </p:nvPr>
-        </p:nvSpPr>
-        <p:spPr>
-          <a:xfrm>
-            <a:off x="550862" y="549275"/>
-            <a:ext cx="11097551" cy="1332000"/>
-          </a:xfrm>
-        </p:spPr>
-        <p:txBody>
-          <a:bodyPr/>
-          <a:lstStyle/>
-          <a:p>
-            <a:r>
-              <a:rPr lang="en-US" dirty="0"/>
-              <a:t>Content 2 </a:t>
-            </a:r>
-          </a:p>
-        </p:txBody>
-      </p:sp>
-      <p:sp>
-        <p:nvSpPr>
-          <p:cNvPr id="8" name="Text Placeholder 7">
-            <a:extLst>
-              <a:ext uri="{FF2B5EF4-FFF2-40B4-BE49-F238E27FC236}">
-                <a16:creationId xmlns:a16="http://schemas.microsoft.com/office/drawing/2014/main" id="{ABA415A0-3B77-43FB-A408-5F1DA4B0AAFA}"/>
-              </a:ext>
-            </a:extLst>
-          </p:cNvPr>
-          <p:cNvSpPr>
-            <a:spLocks noGrp="1"/>
-          </p:cNvSpPr>
-          <p:nvPr>
-            <p:ph type="body" idx="1"/>
-          </p:nvPr>
-        </p:nvSpPr>
-        <p:spPr>
-          <a:xfrm>
-            <a:off x="550864" y="1731375"/>
-            <a:ext cx="3563936" cy="535354"/>
-          </a:xfrm>
-        </p:spPr>
-        <p:txBody>
-          <a:bodyPr/>
-          <a:lstStyle/>
-          <a:p>
-            <a:r>
-              <a:rPr lang="en-US" dirty="0"/>
-              <a:t>Subtitle</a:t>
-            </a:r>
-          </a:p>
-        </p:txBody>
-      </p:sp>
-      <p:sp>
-        <p:nvSpPr>
-          <p:cNvPr id="9" name="Content Placeholder 8">
-            <a:extLst>
-              <a:ext uri="{FF2B5EF4-FFF2-40B4-BE49-F238E27FC236}">
-                <a16:creationId xmlns:a16="http://schemas.microsoft.com/office/drawing/2014/main" id="{8598ECEC-4413-4244-8F21-0076EC511806}"/>
-              </a:ext>
-            </a:extLst>
-          </p:cNvPr>
-          <p:cNvSpPr>
-            <a:spLocks noGrp="1"/>
-          </p:cNvSpPr>
-          <p:nvPr>
-            <p:ph sz="half" idx="2"/>
-          </p:nvPr>
-        </p:nvSpPr>
-        <p:spPr>
-          <a:xfrm>
-            <a:off x="559476" y="2432304"/>
-            <a:ext cx="3563936" cy="3515555"/>
-          </a:xfrm>
-        </p:spPr>
-        <p:txBody>
-          <a:bodyPr>
-            <a:normAutofit fontScale="92500" lnSpcReduction="20000"/>
-          </a:bodyPr>
-          <a:lstStyle/>
-          <a:p>
-            <a:pPr lvl="0"/>
-            <a:r>
-              <a:rPr lang="en-US" dirty="0"/>
-              <a:t>Add text, images, art, and videos. </a:t>
-            </a:r>
-          </a:p>
-          <a:p>
-            <a:pPr lvl="0"/>
-            <a:r>
-              <a:rPr lang="en-US" dirty="0"/>
-              <a:t>Add transitions, animations, and motion. </a:t>
-            </a:r>
-          </a:p>
-          <a:p>
-            <a:pPr lvl="0"/>
-            <a:r>
-              <a:rPr lang="en-US" dirty="0"/>
-              <a:t>Save to OneDrive, to get to your presentations from your computer, tablet, or phone. </a:t>
-            </a:r>
-          </a:p>
-          <a:p>
-            <a:r>
-              <a:rPr lang="en-US" dirty="0"/>
-              <a:t>Open the Design Ideas pane for instant slide makeovers. </a:t>
-            </a:r>
-          </a:p>
-          <a:p>
-            <a:r>
-              <a:rPr lang="en-US" dirty="0"/>
-              <a:t>When we have design ideas, we’ll show them to you right there. </a:t>
-            </a:r>
-          </a:p>
-          <a:p>
-            <a:pPr lvl="0"/>
-            <a:endParaRPr lang="en-US" dirty="0"/>
-          </a:p>
-          <a:p>
-            <a:endParaRPr lang="en-US" dirty="0"/>
-          </a:p>
-        </p:txBody>
-      </p:sp>
-      <p:sp>
-        <p:nvSpPr>
-          <p:cNvPr id="12" name="Text Placeholder 11">
-            <a:extLst>
-              <a:ext uri="{FF2B5EF4-FFF2-40B4-BE49-F238E27FC236}">
-                <a16:creationId xmlns:a16="http://schemas.microsoft.com/office/drawing/2014/main" id="{3A63626D-0E6E-4023-ABFC-A744C9862159}"/>
-              </a:ext>
-            </a:extLst>
-          </p:cNvPr>
-          <p:cNvSpPr>
-            <a:spLocks noGrp="1"/>
-          </p:cNvSpPr>
-          <p:nvPr>
-            <p:ph type="body" sz="quarter" idx="13"/>
-          </p:nvPr>
-        </p:nvSpPr>
-        <p:spPr>
-          <a:xfrm>
-            <a:off x="4341573" y="1731375"/>
-            <a:ext cx="3566160" cy="535354"/>
-          </a:xfrm>
-        </p:spPr>
-        <p:txBody>
-          <a:bodyPr/>
-          <a:lstStyle/>
-          <a:p>
-            <a:r>
-              <a:rPr lang="en-US" dirty="0"/>
-              <a:t>subtitle</a:t>
-            </a:r>
-          </a:p>
-        </p:txBody>
-      </p:sp>
-      <p:sp>
-        <p:nvSpPr>
-          <p:cNvPr id="13" name="Content Placeholder 12">
-            <a:extLst>
-              <a:ext uri="{FF2B5EF4-FFF2-40B4-BE49-F238E27FC236}">
-                <a16:creationId xmlns:a16="http://schemas.microsoft.com/office/drawing/2014/main" id="{258E9390-685C-4BAD-BFAD-EC56E81C4745}"/>
-              </a:ext>
-            </a:extLst>
-          </p:cNvPr>
-          <p:cNvSpPr>
-            <a:spLocks noGrp="1"/>
-          </p:cNvSpPr>
-          <p:nvPr>
-            <p:ph sz="quarter" idx="14"/>
-          </p:nvPr>
-        </p:nvSpPr>
-        <p:spPr>
-          <a:xfrm>
-            <a:off x="4341573" y="2427370"/>
-            <a:ext cx="3508755" cy="3515555"/>
-          </a:xfrm>
-        </p:spPr>
-        <p:txBody>
-          <a:bodyPr>
-            <a:normAutofit lnSpcReduction="10000"/>
-          </a:bodyPr>
-          <a:lstStyle/>
-          <a:p>
-            <a:pPr lvl="0"/>
-            <a:r>
-              <a:rPr lang="en-US" dirty="0"/>
-              <a:t>Add text, images, art, and videos. </a:t>
-            </a:r>
-          </a:p>
-          <a:p>
-            <a:pPr lvl="0"/>
-            <a:r>
-              <a:rPr lang="en-US" dirty="0"/>
-              <a:t>Add transitions, animations, and motion. </a:t>
-            </a:r>
-          </a:p>
-          <a:p>
-            <a:pPr lvl="0"/>
-            <a:r>
-              <a:rPr lang="en-US" dirty="0"/>
-              <a:t>Save to OneDrive, to get to your presentations from your computer, tablet, or phone. </a:t>
-            </a:r>
-          </a:p>
-          <a:p>
-            <a:r>
-              <a:rPr lang="en-US" dirty="0"/>
-              <a:t>Open the Design Ideas pane for instant slide makeovers. </a:t>
-            </a:r>
-          </a:p>
-          <a:p>
-            <a:r>
-              <a:rPr lang="en-US" dirty="0"/>
-              <a:t>When we have design ideas, we’ll show them to you right there.</a:t>
-            </a:r>
-          </a:p>
-        </p:txBody>
-      </p:sp>
-      <p:sp>
-        <p:nvSpPr>
-          <p:cNvPr id="10" name="Text Placeholder 9">
-            <a:extLst>
-              <a:ext uri="{FF2B5EF4-FFF2-40B4-BE49-F238E27FC236}">
-                <a16:creationId xmlns:a16="http://schemas.microsoft.com/office/drawing/2014/main" id="{34A9BC34-CFDB-4D7A-8D6C-1CE608D0909F}"/>
-              </a:ext>
-            </a:extLst>
-          </p:cNvPr>
-          <p:cNvSpPr>
-            <a:spLocks noGrp="1"/>
-          </p:cNvSpPr>
-          <p:nvPr>
-            <p:ph type="body" sz="quarter" idx="3"/>
-          </p:nvPr>
-        </p:nvSpPr>
-        <p:spPr>
-          <a:xfrm>
-            <a:off x="8139659" y="1731375"/>
-            <a:ext cx="3566160" cy="535354"/>
-          </a:xfrm>
-        </p:spPr>
-        <p:txBody>
-          <a:bodyPr/>
-          <a:lstStyle/>
-          <a:p>
-            <a:r>
-              <a:rPr lang="en-US"/>
-              <a:t>subtitle</a:t>
-            </a:r>
-            <a:endParaRPr lang="en-US" dirty="0"/>
-          </a:p>
-        </p:txBody>
-      </p:sp>
-      <p:sp>
-        <p:nvSpPr>
-          <p:cNvPr id="11" name="Content Placeholder 10">
-            <a:extLst>
-              <a:ext uri="{FF2B5EF4-FFF2-40B4-BE49-F238E27FC236}">
-                <a16:creationId xmlns:a16="http://schemas.microsoft.com/office/drawing/2014/main" id="{1D014E48-5DD9-49CE-AD5B-0FEF69204F68}"/>
-              </a:ext>
-            </a:extLst>
-          </p:cNvPr>
-          <p:cNvSpPr>
-            <a:spLocks noGrp="1"/>
-          </p:cNvSpPr>
-          <p:nvPr>
-            <p:ph sz="quarter" idx="4"/>
-          </p:nvPr>
-        </p:nvSpPr>
-        <p:spPr>
-          <a:xfrm>
-            <a:off x="8139659" y="2427370"/>
-            <a:ext cx="3508755" cy="3515555"/>
-          </a:xfrm>
-        </p:spPr>
-        <p:txBody>
-          <a:bodyPr>
-            <a:normAutofit lnSpcReduction="10000"/>
-          </a:bodyPr>
-          <a:lstStyle/>
-          <a:p>
-            <a:pPr lvl="0"/>
-            <a:r>
-              <a:rPr lang="en-US" dirty="0"/>
-              <a:t>Add text, images, art, and videos. </a:t>
-            </a:r>
-          </a:p>
-          <a:p>
-            <a:pPr lvl="0"/>
-            <a:r>
-              <a:rPr lang="en-US" dirty="0"/>
-              <a:t>Add transitions, animations, and motion. </a:t>
-            </a:r>
-          </a:p>
-          <a:p>
-            <a:pPr lvl="0"/>
-            <a:r>
-              <a:rPr lang="en-US" dirty="0"/>
-              <a:t>Save to OneDrive, to get to your presentations from your computer, tablet, or phone. </a:t>
-            </a:r>
-          </a:p>
-          <a:p>
-            <a:r>
-              <a:rPr lang="en-US" dirty="0"/>
-              <a:t>Open the Design Ideas pane for instant slide makeovers. </a:t>
-            </a:r>
-          </a:p>
-          <a:p>
-            <a:r>
-              <a:rPr lang="en-US" dirty="0"/>
-              <a:t>When we have design ideas, we’ll show them to you right there.</a:t>
-            </a:r>
-          </a:p>
-        </p:txBody>
-      </p:sp>
-      <p:sp>
-        <p:nvSpPr>
-          <p:cNvPr id="14" name="Date Placeholder 13">
-            <a:extLst>
-              <a:ext uri="{FF2B5EF4-FFF2-40B4-BE49-F238E27FC236}">
-                <a16:creationId xmlns:a16="http://schemas.microsoft.com/office/drawing/2014/main" id="{D236478C-E242-44E0-8357-C72C9B588CA7}"/>
-              </a:ext>
-            </a:extLst>
-          </p:cNvPr>
-          <p:cNvSpPr>
-            <a:spLocks noGrp="1"/>
-          </p:cNvSpPr>
-          <p:nvPr>
-            <p:ph type="dt" sz="half" idx="10"/>
-          </p:nvPr>
-        </p:nvSpPr>
-        <p:spPr>
-          <a:xfrm>
-            <a:off x="550863" y="6507212"/>
-            <a:ext cx="2628900" cy="153888"/>
-          </a:xfrm>
-        </p:spPr>
-        <p:txBody>
-          <a:bodyPr/>
-          <a:lstStyle/>
-          <a:p>
-            <a:r>
-              <a:rPr lang="en-US"/>
-              <a:t>Tuesday, February 2, 20XX</a:t>
-            </a:r>
-            <a:endParaRPr lang="en-US" dirty="0"/>
-          </a:p>
-        </p:txBody>
-      </p:sp>
-      <p:sp>
-        <p:nvSpPr>
-          <p:cNvPr id="15" name="Footer Placeholder 14">
-            <a:extLst>
-              <a:ext uri="{FF2B5EF4-FFF2-40B4-BE49-F238E27FC236}">
-                <a16:creationId xmlns:a16="http://schemas.microsoft.com/office/drawing/2014/main" id="{65A6DC02-681E-4AF7-AC6E-57CDDB2FBA28}"/>
-              </a:ext>
-            </a:extLst>
-          </p:cNvPr>
-          <p:cNvSpPr>
-            <a:spLocks noGrp="1"/>
-          </p:cNvSpPr>
-          <p:nvPr>
-            <p:ph type="ftr" sz="quarter" idx="11"/>
-          </p:nvPr>
-        </p:nvSpPr>
-        <p:spPr>
-          <a:xfrm>
-            <a:off x="3359150" y="6507212"/>
-            <a:ext cx="6379210" cy="153888"/>
-          </a:xfrm>
-        </p:spPr>
-        <p:txBody>
-          <a:bodyPr/>
-          <a:lstStyle/>
-          <a:p>
-            <a:r>
-              <a:rPr lang="en-US"/>
-              <a:t>Sample Footer Text</a:t>
-            </a:r>
-          </a:p>
-        </p:txBody>
-      </p:sp>
-      <p:sp>
-        <p:nvSpPr>
-          <p:cNvPr id="16" name="Slide Number Placeholder 15">
-            <a:extLst>
-              <a:ext uri="{FF2B5EF4-FFF2-40B4-BE49-F238E27FC236}">
-                <a16:creationId xmlns:a16="http://schemas.microsoft.com/office/drawing/2014/main" id="{CF0A8666-4477-461C-A79D-E91232EE973E}"/>
-              </a:ext>
-            </a:extLst>
-          </p:cNvPr>
-          <p:cNvSpPr>
-            <a:spLocks noGrp="1"/>
-          </p:cNvSpPr>
-          <p:nvPr>
-            <p:ph type="sldNum" sz="quarter" idx="12"/>
-          </p:nvPr>
-        </p:nvSpPr>
-        <p:spPr>
-          <a:xfrm>
-            <a:off x="9948863" y="6507212"/>
-            <a:ext cx="1692274" cy="153888"/>
-          </a:xfrm>
-        </p:spPr>
-        <p:txBody>
-          <a:bodyPr/>
-          <a:lstStyle/>
-          <a:p>
-            <a:fld id="{DBA1B0FB-D917-4C8C-928F-313BD683BF39}" type="slidenum">
-              <a:rPr lang="en-US" smtClean="0"/>
-              <a:pPr/>
-              <a:t>9</a:t>
-            </a:fld>
-            <a:endParaRPr lang="en-US"/>
-          </a:p>
-        </p:txBody>
-      </p:sp>
-    </p:spTree>
-    <p:extLst>
-      <p:ext uri="{BB962C8B-B14F-4D97-AF65-F5344CB8AC3E}">
-        <p14:creationId xmlns:p14="http://schemas.microsoft.com/office/powerpoint/2010/main" val="1420547054"/>
+        <p14:creationId xmlns:p14="http://schemas.microsoft.com/office/powerpoint/2010/main" val="3247798845"/>
       </p:ext>
     </p:extLst>
   </p:cSld>
@@ -23421,25 +16767,6 @@
 </file>
 
 <file path=customXml/item2.xml><?xml version="1.0" encoding="utf-8"?>
-<p:properties xmlns:p="http://schemas.microsoft.com/office/2006/metadata/properties" xmlns:xsi="http://www.w3.org/2001/XMLSchema-instance" xmlns:pc="http://schemas.microsoft.com/office/infopath/2007/PartnerControls">
-  <documentManagement>
-    <_ip_UnifiedCompliancePolicyUIAction xmlns="http://schemas.microsoft.com/sharepoint/v3" xsi:nil="true"/>
-    <Image xmlns="71af3243-3dd4-4a8d-8c0d-dd76da1f02a5">
-      <Url xsi:nil="true"/>
-      <Description xsi:nil="true"/>
-    </Image>
-    <Status xmlns="71af3243-3dd4-4a8d-8c0d-dd76da1f02a5">Not started</Status>
-    <_ip_UnifiedCompliancePolicyProperties xmlns="http://schemas.microsoft.com/sharepoint/v3" xsi:nil="true"/>
-    <lcf76f155ced4ddcb4097134ff3c332f xmlns="71af3243-3dd4-4a8d-8c0d-dd76da1f02a5">
-      <Terms xmlns="http://schemas.microsoft.com/office/infopath/2007/PartnerControls"/>
-    </lcf76f155ced4ddcb4097134ff3c332f>
-    <TaxCatchAll xmlns="230e9df3-be65-4c73-a93b-d1236ebd677e"/>
-    <MediaServiceKeyPoints xmlns="71af3243-3dd4-4a8d-8c0d-dd76da1f02a5" xsi:nil="true"/>
-  </documentManagement>
-</p:properties>
-</file>
-
-<file path=customXml/item3.xml><?xml version="1.0" encoding="utf-8"?>
 <ct:contentTypeSchema xmlns:ct="http://schemas.microsoft.com/office/2006/metadata/contentType" xmlns:ma="http://schemas.microsoft.com/office/2006/metadata/properties/metaAttributes" ct:_="" ma:_="" ma:contentTypeName="Document" ma:contentTypeID="0x01010079F111ED35F8CC479449609E8A0923A6" ma:contentTypeVersion="18" ma:contentTypeDescription="Create a new document." ma:contentTypeScope="" ma:versionID="22a266b9fa9a230c5a512669d8b298c3">
   <xsd:schema xmlns:xsd="http://www.w3.org/2001/XMLSchema" xmlns:xs="http://www.w3.org/2001/XMLSchema" xmlns:p="http://schemas.microsoft.com/office/2006/metadata/properties" xmlns:ns1="http://schemas.microsoft.com/sharepoint/v3" xmlns:ns2="71af3243-3dd4-4a8d-8c0d-dd76da1f02a5" xmlns:ns3="16c05727-aa75-4e4a-9b5f-8a80a1165891" xmlns:ns4="230e9df3-be65-4c73-a93b-d1236ebd677e" targetNamespace="http://schemas.microsoft.com/office/2006/metadata/properties" ma:root="true" ma:fieldsID="eddc33fff6b14141ee5c74a0d29ea6a1" ns1:_="" ns2:_="" ns3:_="" ns4:_="">
     <xsd:import namespace="http://schemas.microsoft.com/sharepoint/v3"/>
@@ -23715,6 +17042,25 @@
 </ct:contentTypeSchema>
 </file>
 
+<file path=customXml/item3.xml><?xml version="1.0" encoding="utf-8"?>
+<p:properties xmlns:p="http://schemas.microsoft.com/office/2006/metadata/properties" xmlns:xsi="http://www.w3.org/2001/XMLSchema-instance" xmlns:pc="http://schemas.microsoft.com/office/infopath/2007/PartnerControls">
+  <documentManagement>
+    <_ip_UnifiedCompliancePolicyUIAction xmlns="http://schemas.microsoft.com/sharepoint/v3" xsi:nil="true"/>
+    <Image xmlns="71af3243-3dd4-4a8d-8c0d-dd76da1f02a5">
+      <Url xsi:nil="true"/>
+      <Description xsi:nil="true"/>
+    </Image>
+    <Status xmlns="71af3243-3dd4-4a8d-8c0d-dd76da1f02a5">Not started</Status>
+    <_ip_UnifiedCompliancePolicyProperties xmlns="http://schemas.microsoft.com/sharepoint/v3" xsi:nil="true"/>
+    <lcf76f155ced4ddcb4097134ff3c332f xmlns="71af3243-3dd4-4a8d-8c0d-dd76da1f02a5">
+      <Terms xmlns="http://schemas.microsoft.com/office/infopath/2007/PartnerControls"/>
+    </lcf76f155ced4ddcb4097134ff3c332f>
+    <TaxCatchAll xmlns="230e9df3-be65-4c73-a93b-d1236ebd677e"/>
+    <MediaServiceKeyPoints xmlns="71af3243-3dd4-4a8d-8c0d-dd76da1f02a5" xsi:nil="true"/>
+  </documentManagement>
+</p:properties>
+</file>
+
 <file path=customXml/itemProps1.xml><?xml version="1.0" encoding="utf-8"?>
 <ds:datastoreItem xmlns:ds="http://schemas.openxmlformats.org/officeDocument/2006/customXml" ds:itemID="{904751AB-E840-446F-8D49-E697067EC887}">
   <ds:schemaRefs>
@@ -23724,18 +17070,6 @@
 </file>
 
 <file path=customXml/itemProps2.xml><?xml version="1.0" encoding="utf-8"?>
-<ds:datastoreItem xmlns:ds="http://schemas.openxmlformats.org/officeDocument/2006/customXml" ds:itemID="{50811A92-D464-4AC4-A396-BA73B10CEEAC}">
-  <ds:schemaRefs>
-    <ds:schemaRef ds:uri="http://schemas.microsoft.com/office/2006/metadata/properties"/>
-    <ds:schemaRef ds:uri="http://schemas.microsoft.com/office/infopath/2007/PartnerControls"/>
-    <ds:schemaRef ds:uri="http://schemas.microsoft.com/sharepoint/v3"/>
-    <ds:schemaRef ds:uri="71af3243-3dd4-4a8d-8c0d-dd76da1f02a5"/>
-    <ds:schemaRef ds:uri="230e9df3-be65-4c73-a93b-d1236ebd677e"/>
-  </ds:schemaRefs>
-</ds:datastoreItem>
-</file>
-
-<file path=customXml/itemProps3.xml><?xml version="1.0" encoding="utf-8"?>
 <ds:datastoreItem xmlns:ds="http://schemas.openxmlformats.org/officeDocument/2006/customXml" ds:itemID="{DE4876F9-7AE1-498D-B8FE-1E3AD703D2AF}">
   <ds:schemaRefs>
     <ds:schemaRef ds:uri="http://schemas.microsoft.com/office/2006/metadata/contentType"/>
@@ -23756,6 +17090,18 @@
 </ds:datastoreItem>
 </file>
 
+<file path=customXml/itemProps3.xml><?xml version="1.0" encoding="utf-8"?>
+<ds:datastoreItem xmlns:ds="http://schemas.openxmlformats.org/officeDocument/2006/customXml" ds:itemID="{50811A92-D464-4AC4-A396-BA73B10CEEAC}">
+  <ds:schemaRefs>
+    <ds:schemaRef ds:uri="http://schemas.microsoft.com/office/2006/metadata/properties"/>
+    <ds:schemaRef ds:uri="http://schemas.microsoft.com/office/infopath/2007/PartnerControls"/>
+    <ds:schemaRef ds:uri="http://schemas.microsoft.com/sharepoint/v3"/>
+    <ds:schemaRef ds:uri="71af3243-3dd4-4a8d-8c0d-dd76da1f02a5"/>
+    <ds:schemaRef ds:uri="230e9df3-be65-4c73-a93b-d1236ebd677e"/>
+  </ds:schemaRefs>
+</ds:datastoreItem>
+</file>
+
 <file path=docMetadata/LabelInfo.xml><?xml version="1.0" encoding="utf-8"?>
 <clbl:labelList xmlns:clbl="http://schemas.microsoft.com/office/2020/mipLabelMetadata">
   <clbl:label id="{f42aa342-8706-4288-bd11-ebb85995028c}" enabled="1" method="Standard" siteId="{72f988bf-86f1-41af-91ab-2d7cd011db47}" contentBits="0" removed="0"/>
